--- a/final_project/final_presentation.pptx
+++ b/final_project/final_presentation.pptx
@@ -5,26 +5,24 @@
     <p:sldMasterId id="2147483648" r:id="rId1"/>
   </p:sldMasterIdLst>
   <p:notesMasterIdLst>
-    <p:notesMasterId r:id="rId19"/>
+    <p:notesMasterId r:id="rId17"/>
   </p:notesMasterIdLst>
   <p:sldIdLst>
     <p:sldId id="256" r:id="rId2"/>
     <p:sldId id="257" r:id="rId3"/>
     <p:sldId id="259" r:id="rId4"/>
     <p:sldId id="272" r:id="rId5"/>
-    <p:sldId id="258" r:id="rId6"/>
-    <p:sldId id="263" r:id="rId7"/>
-    <p:sldId id="264" r:id="rId8"/>
-    <p:sldId id="260" r:id="rId9"/>
-    <p:sldId id="266" r:id="rId10"/>
-    <p:sldId id="270" r:id="rId11"/>
-    <p:sldId id="271" r:id="rId12"/>
-    <p:sldId id="273" r:id="rId13"/>
-    <p:sldId id="261" r:id="rId14"/>
-    <p:sldId id="267" r:id="rId15"/>
-    <p:sldId id="262" r:id="rId16"/>
-    <p:sldId id="268" r:id="rId17"/>
-    <p:sldId id="269" r:id="rId18"/>
+    <p:sldId id="263" r:id="rId6"/>
+    <p:sldId id="264" r:id="rId7"/>
+    <p:sldId id="266" r:id="rId8"/>
+    <p:sldId id="270" r:id="rId9"/>
+    <p:sldId id="271" r:id="rId10"/>
+    <p:sldId id="273" r:id="rId11"/>
+    <p:sldId id="261" r:id="rId12"/>
+    <p:sldId id="267" r:id="rId13"/>
+    <p:sldId id="262" r:id="rId14"/>
+    <p:sldId id="268" r:id="rId15"/>
+    <p:sldId id="269" r:id="rId16"/>
   </p:sldIdLst>
   <p:sldSz cx="12192000" cy="6858000"/>
   <p:notesSz cx="6858000" cy="9144000"/>
@@ -4784,7 +4782,7 @@
           <a:p>
             <a:fld id="{C8876271-C828-EB47-901C-3294B307AE95}" type="slidenum">
               <a:rPr lang="en-US" smtClean="0"/>
-              <a:t>3</a:t>
+              <a:t>1</a:t>
             </a:fld>
             <a:endParaRPr lang="en-US"/>
           </a:p>
@@ -4793,7 +4791,292 @@
     </p:spTree>
     <p:extLst>
       <p:ext uri="{BB962C8B-B14F-4D97-AF65-F5344CB8AC3E}">
-        <p14:creationId xmlns:p14="http://schemas.microsoft.com/office/powerpoint/2010/main" val="1234217322"/>
+        <p14:creationId xmlns:p14="http://schemas.microsoft.com/office/powerpoint/2010/main" val="385480045"/>
+      </p:ext>
+    </p:extLst>
+  </p:cSld>
+  <p:clrMapOvr>
+    <a:masterClrMapping/>
+  </p:clrMapOvr>
+</p:notes>
+</file>
+
+<file path=ppt/notesSlides/notesSlide10.xml><?xml version="1.0" encoding="utf-8"?>
+<p:notes xmlns:a="http://schemas.openxmlformats.org/drawingml/2006/main" xmlns:r="http://schemas.openxmlformats.org/officeDocument/2006/relationships" xmlns:p="http://schemas.openxmlformats.org/presentationml/2006/main">
+  <p:cSld>
+    <p:spTree>
+      <p:nvGrpSpPr>
+        <p:cNvPr id="1" name=""/>
+        <p:cNvGrpSpPr/>
+        <p:nvPr/>
+      </p:nvGrpSpPr>
+      <p:grpSpPr>
+        <a:xfrm>
+          <a:off x="0" y="0"/>
+          <a:ext cx="0" cy="0"/>
+          <a:chOff x="0" y="0"/>
+          <a:chExt cx="0" cy="0"/>
+        </a:xfrm>
+      </p:grpSpPr>
+      <p:sp>
+        <p:nvSpPr>
+          <p:cNvPr id="2" name="Slide Image Placeholder 1"/>
+          <p:cNvSpPr>
+            <a:spLocks noGrp="1" noRot="1" noChangeAspect="1"/>
+          </p:cNvSpPr>
+          <p:nvPr>
+            <p:ph type="sldImg"/>
+          </p:nvPr>
+        </p:nvSpPr>
+        <p:spPr/>
+      </p:sp>
+      <p:sp>
+        <p:nvSpPr>
+          <p:cNvPr id="3" name="Notes Placeholder 2"/>
+          <p:cNvSpPr>
+            <a:spLocks noGrp="1"/>
+          </p:cNvSpPr>
+          <p:nvPr>
+            <p:ph type="body" idx="1"/>
+          </p:nvPr>
+        </p:nvSpPr>
+        <p:spPr/>
+        <p:txBody>
+          <a:bodyPr/>
+          <a:lstStyle/>
+          <a:p>
+            <a:r>
+              <a:rPr lang="en-US" dirty="0" smtClean="0"/>
+              <a:t>D</a:t>
+            </a:r>
+            <a:endParaRPr lang="en-US" dirty="0"/>
+          </a:p>
+        </p:txBody>
+      </p:sp>
+      <p:sp>
+        <p:nvSpPr>
+          <p:cNvPr id="4" name="Slide Number Placeholder 3"/>
+          <p:cNvSpPr>
+            <a:spLocks noGrp="1"/>
+          </p:cNvSpPr>
+          <p:nvPr>
+            <p:ph type="sldNum" sz="quarter" idx="10"/>
+          </p:nvPr>
+        </p:nvSpPr>
+        <p:spPr/>
+        <p:txBody>
+          <a:bodyPr/>
+          <a:lstStyle/>
+          <a:p>
+            <a:fld id="{C8876271-C828-EB47-901C-3294B307AE95}" type="slidenum">
+              <a:rPr lang="en-US" smtClean="0"/>
+              <a:t>11</a:t>
+            </a:fld>
+            <a:endParaRPr lang="en-US"/>
+          </a:p>
+        </p:txBody>
+      </p:sp>
+    </p:spTree>
+    <p:extLst>
+      <p:ext uri="{BB962C8B-B14F-4D97-AF65-F5344CB8AC3E}">
+        <p14:creationId xmlns:p14="http://schemas.microsoft.com/office/powerpoint/2010/main" val="1578629325"/>
+      </p:ext>
+    </p:extLst>
+  </p:cSld>
+  <p:clrMapOvr>
+    <a:masterClrMapping/>
+  </p:clrMapOvr>
+</p:notes>
+</file>
+
+<file path=ppt/notesSlides/notesSlide11.xml><?xml version="1.0" encoding="utf-8"?>
+<p:notes xmlns:a="http://schemas.openxmlformats.org/drawingml/2006/main" xmlns:r="http://schemas.openxmlformats.org/officeDocument/2006/relationships" xmlns:p="http://schemas.openxmlformats.org/presentationml/2006/main">
+  <p:cSld>
+    <p:spTree>
+      <p:nvGrpSpPr>
+        <p:cNvPr id="1" name=""/>
+        <p:cNvGrpSpPr/>
+        <p:nvPr/>
+      </p:nvGrpSpPr>
+      <p:grpSpPr>
+        <a:xfrm>
+          <a:off x="0" y="0"/>
+          <a:ext cx="0" cy="0"/>
+          <a:chOff x="0" y="0"/>
+          <a:chExt cx="0" cy="0"/>
+        </a:xfrm>
+      </p:grpSpPr>
+      <p:sp>
+        <p:nvSpPr>
+          <p:cNvPr id="2" name="Slide Image Placeholder 1"/>
+          <p:cNvSpPr>
+            <a:spLocks noGrp="1" noRot="1" noChangeAspect="1"/>
+          </p:cNvSpPr>
+          <p:nvPr>
+            <p:ph type="sldImg"/>
+          </p:nvPr>
+        </p:nvSpPr>
+        <p:spPr/>
+      </p:sp>
+      <p:sp>
+        <p:nvSpPr>
+          <p:cNvPr id="3" name="Notes Placeholder 2"/>
+          <p:cNvSpPr>
+            <a:spLocks noGrp="1"/>
+          </p:cNvSpPr>
+          <p:nvPr>
+            <p:ph type="body" idx="1"/>
+          </p:nvPr>
+        </p:nvSpPr>
+        <p:spPr/>
+        <p:txBody>
+          <a:bodyPr/>
+          <a:lstStyle/>
+          <a:p>
+            <a:r>
+              <a:rPr lang="en-US" dirty="0" smtClean="0"/>
+              <a:t>D</a:t>
+            </a:r>
+            <a:endParaRPr lang="en-US" dirty="0"/>
+          </a:p>
+        </p:txBody>
+      </p:sp>
+      <p:sp>
+        <p:nvSpPr>
+          <p:cNvPr id="4" name="Slide Number Placeholder 3"/>
+          <p:cNvSpPr>
+            <a:spLocks noGrp="1"/>
+          </p:cNvSpPr>
+          <p:nvPr>
+            <p:ph type="sldNum" sz="quarter" idx="10"/>
+          </p:nvPr>
+        </p:nvSpPr>
+        <p:spPr/>
+        <p:txBody>
+          <a:bodyPr/>
+          <a:lstStyle/>
+          <a:p>
+            <a:fld id="{C8876271-C828-EB47-901C-3294B307AE95}" type="slidenum">
+              <a:rPr lang="en-US" smtClean="0"/>
+              <a:t>12</a:t>
+            </a:fld>
+            <a:endParaRPr lang="en-US"/>
+          </a:p>
+        </p:txBody>
+      </p:sp>
+    </p:spTree>
+    <p:extLst>
+      <p:ext uri="{BB962C8B-B14F-4D97-AF65-F5344CB8AC3E}">
+        <p14:creationId xmlns:p14="http://schemas.microsoft.com/office/powerpoint/2010/main" val="1521362302"/>
+      </p:ext>
+    </p:extLst>
+  </p:cSld>
+  <p:clrMapOvr>
+    <a:masterClrMapping/>
+  </p:clrMapOvr>
+</p:notes>
+</file>
+
+<file path=ppt/notesSlides/notesSlide12.xml><?xml version="1.0" encoding="utf-8"?>
+<p:notes xmlns:a="http://schemas.openxmlformats.org/drawingml/2006/main" xmlns:r="http://schemas.openxmlformats.org/officeDocument/2006/relationships" xmlns:p="http://schemas.openxmlformats.org/presentationml/2006/main">
+  <p:cSld>
+    <p:spTree>
+      <p:nvGrpSpPr>
+        <p:cNvPr id="1" name=""/>
+        <p:cNvGrpSpPr/>
+        <p:nvPr/>
+      </p:nvGrpSpPr>
+      <p:grpSpPr>
+        <a:xfrm>
+          <a:off x="0" y="0"/>
+          <a:ext cx="0" cy="0"/>
+          <a:chOff x="0" y="0"/>
+          <a:chExt cx="0" cy="0"/>
+        </a:xfrm>
+      </p:grpSpPr>
+      <p:sp>
+        <p:nvSpPr>
+          <p:cNvPr id="2" name="Slide Image Placeholder 1"/>
+          <p:cNvSpPr>
+            <a:spLocks noGrp="1" noRot="1" noChangeAspect="1"/>
+          </p:cNvSpPr>
+          <p:nvPr>
+            <p:ph type="sldImg"/>
+          </p:nvPr>
+        </p:nvSpPr>
+        <p:spPr/>
+      </p:sp>
+      <p:sp>
+        <p:nvSpPr>
+          <p:cNvPr id="3" name="Notes Placeholder 2"/>
+          <p:cNvSpPr>
+            <a:spLocks noGrp="1"/>
+          </p:cNvSpPr>
+          <p:nvPr>
+            <p:ph type="body" idx="1"/>
+          </p:nvPr>
+        </p:nvSpPr>
+        <p:spPr/>
+        <p:txBody>
+          <a:bodyPr/>
+          <a:lstStyle/>
+          <a:p>
+            <a:r>
+              <a:rPr lang="en-US" dirty="0" smtClean="0"/>
+              <a:t>D</a:t>
+            </a:r>
+          </a:p>
+          <a:p>
+            <a:endParaRPr lang="en-US" dirty="0" smtClean="0"/>
+          </a:p>
+          <a:p>
+            <a:r>
+              <a:rPr lang="en-US" dirty="0" smtClean="0"/>
+              <a:t>Why </a:t>
+            </a:r>
+            <a:r>
+              <a:rPr lang="en-US" dirty="0" err="1" smtClean="0"/>
+              <a:t>scoredist</a:t>
+            </a:r>
+            <a:r>
+              <a:rPr lang="en-US" dirty="0" smtClean="0"/>
+              <a:t>, why dinucleotide</a:t>
+            </a:r>
+            <a:r>
+              <a:rPr lang="en-US" baseline="0" dirty="0" smtClean="0"/>
+              <a:t> frequencies</a:t>
+            </a:r>
+            <a:endParaRPr lang="en-US" dirty="0"/>
+          </a:p>
+        </p:txBody>
+      </p:sp>
+      <p:sp>
+        <p:nvSpPr>
+          <p:cNvPr id="4" name="Slide Number Placeholder 3"/>
+          <p:cNvSpPr>
+            <a:spLocks noGrp="1"/>
+          </p:cNvSpPr>
+          <p:nvPr>
+            <p:ph type="sldNum" sz="quarter" idx="10"/>
+          </p:nvPr>
+        </p:nvSpPr>
+        <p:spPr/>
+        <p:txBody>
+          <a:bodyPr/>
+          <a:lstStyle/>
+          <a:p>
+            <a:fld id="{C8876271-C828-EB47-901C-3294B307AE95}" type="slidenum">
+              <a:rPr lang="en-US" smtClean="0"/>
+              <a:t>13</a:t>
+            </a:fld>
+            <a:endParaRPr lang="en-US"/>
+          </a:p>
+        </p:txBody>
+      </p:sp>
+    </p:spTree>
+    <p:extLst>
+      <p:ext uri="{BB962C8B-B14F-4D97-AF65-F5344CB8AC3E}">
+        <p14:creationId xmlns:p14="http://schemas.microsoft.com/office/powerpoint/2010/main" val="2035187236"/>
       </p:ext>
     </p:extLst>
   </p:cSld>
@@ -4849,11 +5132,7 @@
           <a:p>
             <a:r>
               <a:rPr lang="en-US" dirty="0" smtClean="0"/>
-              <a:t>Significantly</a:t>
-            </a:r>
-            <a:r>
-              <a:rPr lang="en-US" baseline="0" dirty="0" smtClean="0"/>
-              <a:t> different numbers from our ORF finder as compared to the reference (NCBI BLAST).</a:t>
+              <a:t>D</a:t>
             </a:r>
             <a:endParaRPr lang="en-US" dirty="0"/>
           </a:p>
@@ -4876,7 +5155,7 @@
           <a:p>
             <a:fld id="{C8876271-C828-EB47-901C-3294B307AE95}" type="slidenum">
               <a:rPr lang="en-US" smtClean="0"/>
-              <a:t>10</a:t>
+              <a:t>2</a:t>
             </a:fld>
             <a:endParaRPr lang="en-US"/>
           </a:p>
@@ -4885,7 +5164,7 @@
     </p:spTree>
     <p:extLst>
       <p:ext uri="{BB962C8B-B14F-4D97-AF65-F5344CB8AC3E}">
-        <p14:creationId xmlns:p14="http://schemas.microsoft.com/office/powerpoint/2010/main" val="552880543"/>
+        <p14:creationId xmlns:p14="http://schemas.microsoft.com/office/powerpoint/2010/main" val="511796543"/>
       </p:ext>
     </p:extLst>
   </p:cSld>
@@ -4941,7 +5220,7 @@
           <a:p>
             <a:r>
               <a:rPr lang="en-US" dirty="0" smtClean="0"/>
-              <a:t>No True Negative due to database not including true negative references.</a:t>
+              <a:t>M</a:t>
             </a:r>
             <a:endParaRPr lang="en-US" dirty="0"/>
           </a:p>
@@ -4964,7 +5243,7 @@
           <a:p>
             <a:fld id="{C8876271-C828-EB47-901C-3294B307AE95}" type="slidenum">
               <a:rPr lang="en-US" smtClean="0"/>
-              <a:t>11</a:t>
+              <a:t>3</a:t>
             </a:fld>
             <a:endParaRPr lang="en-US"/>
           </a:p>
@@ -4973,7 +5252,7 @@
     </p:spTree>
     <p:extLst>
       <p:ext uri="{BB962C8B-B14F-4D97-AF65-F5344CB8AC3E}">
-        <p14:creationId xmlns:p14="http://schemas.microsoft.com/office/powerpoint/2010/main" val="930460504"/>
+        <p14:creationId xmlns:p14="http://schemas.microsoft.com/office/powerpoint/2010/main" val="1234217322"/>
       </p:ext>
     </p:extLst>
   </p:cSld>
@@ -5029,19 +5308,7 @@
           <a:p>
             <a:r>
               <a:rPr lang="en-US" dirty="0" smtClean="0"/>
-              <a:t>Why </a:t>
-            </a:r>
-            <a:r>
-              <a:rPr lang="en-US" dirty="0" err="1" smtClean="0"/>
-              <a:t>scoredist</a:t>
-            </a:r>
-            <a:r>
-              <a:rPr lang="en-US" dirty="0" smtClean="0"/>
-              <a:t>, why dinucleotide</a:t>
-            </a:r>
-            <a:r>
-              <a:rPr lang="en-US" baseline="0" dirty="0" smtClean="0"/>
-              <a:t> frequencies</a:t>
+              <a:t>M</a:t>
             </a:r>
             <a:endParaRPr lang="en-US" dirty="0"/>
           </a:p>
@@ -5064,7 +5331,7 @@
           <a:p>
             <a:fld id="{C8876271-C828-EB47-901C-3294B307AE95}" type="slidenum">
               <a:rPr lang="en-US" smtClean="0"/>
-              <a:t>15</a:t>
+              <a:t>4</a:t>
             </a:fld>
             <a:endParaRPr lang="en-US"/>
           </a:p>
@@ -5073,7 +5340,471 @@
     </p:spTree>
     <p:extLst>
       <p:ext uri="{BB962C8B-B14F-4D97-AF65-F5344CB8AC3E}">
-        <p14:creationId xmlns:p14="http://schemas.microsoft.com/office/powerpoint/2010/main" val="2035187236"/>
+        <p14:creationId xmlns:p14="http://schemas.microsoft.com/office/powerpoint/2010/main" val="711264780"/>
+      </p:ext>
+    </p:extLst>
+  </p:cSld>
+  <p:clrMapOvr>
+    <a:masterClrMapping/>
+  </p:clrMapOvr>
+</p:notes>
+</file>
+
+<file path=ppt/notesSlides/notesSlide5.xml><?xml version="1.0" encoding="utf-8"?>
+<p:notes xmlns:a="http://schemas.openxmlformats.org/drawingml/2006/main" xmlns:r="http://schemas.openxmlformats.org/officeDocument/2006/relationships" xmlns:p="http://schemas.openxmlformats.org/presentationml/2006/main">
+  <p:cSld>
+    <p:spTree>
+      <p:nvGrpSpPr>
+        <p:cNvPr id="1" name=""/>
+        <p:cNvGrpSpPr/>
+        <p:nvPr/>
+      </p:nvGrpSpPr>
+      <p:grpSpPr>
+        <a:xfrm>
+          <a:off x="0" y="0"/>
+          <a:ext cx="0" cy="0"/>
+          <a:chOff x="0" y="0"/>
+          <a:chExt cx="0" cy="0"/>
+        </a:xfrm>
+      </p:grpSpPr>
+      <p:sp>
+        <p:nvSpPr>
+          <p:cNvPr id="2" name="Slide Image Placeholder 1"/>
+          <p:cNvSpPr>
+            <a:spLocks noGrp="1" noRot="1" noChangeAspect="1"/>
+          </p:cNvSpPr>
+          <p:nvPr>
+            <p:ph type="sldImg"/>
+          </p:nvPr>
+        </p:nvSpPr>
+        <p:spPr/>
+      </p:sp>
+      <p:sp>
+        <p:nvSpPr>
+          <p:cNvPr id="3" name="Notes Placeholder 2"/>
+          <p:cNvSpPr>
+            <a:spLocks noGrp="1"/>
+          </p:cNvSpPr>
+          <p:nvPr>
+            <p:ph type="body" idx="1"/>
+          </p:nvPr>
+        </p:nvSpPr>
+        <p:spPr/>
+        <p:txBody>
+          <a:bodyPr/>
+          <a:lstStyle/>
+          <a:p>
+            <a:r>
+              <a:rPr lang="en-US" dirty="0" smtClean="0"/>
+              <a:t>D</a:t>
+            </a:r>
+            <a:endParaRPr lang="en-US" dirty="0"/>
+          </a:p>
+        </p:txBody>
+      </p:sp>
+      <p:sp>
+        <p:nvSpPr>
+          <p:cNvPr id="4" name="Slide Number Placeholder 3"/>
+          <p:cNvSpPr>
+            <a:spLocks noGrp="1"/>
+          </p:cNvSpPr>
+          <p:nvPr>
+            <p:ph type="sldNum" sz="quarter" idx="10"/>
+          </p:nvPr>
+        </p:nvSpPr>
+        <p:spPr/>
+        <p:txBody>
+          <a:bodyPr/>
+          <a:lstStyle/>
+          <a:p>
+            <a:fld id="{C8876271-C828-EB47-901C-3294B307AE95}" type="slidenum">
+              <a:rPr lang="en-US" smtClean="0"/>
+              <a:t>5</a:t>
+            </a:fld>
+            <a:endParaRPr lang="en-US"/>
+          </a:p>
+        </p:txBody>
+      </p:sp>
+    </p:spTree>
+    <p:extLst>
+      <p:ext uri="{BB962C8B-B14F-4D97-AF65-F5344CB8AC3E}">
+        <p14:creationId xmlns:p14="http://schemas.microsoft.com/office/powerpoint/2010/main" val="1952436963"/>
+      </p:ext>
+    </p:extLst>
+  </p:cSld>
+  <p:clrMapOvr>
+    <a:masterClrMapping/>
+  </p:clrMapOvr>
+</p:notes>
+</file>
+
+<file path=ppt/notesSlides/notesSlide6.xml><?xml version="1.0" encoding="utf-8"?>
+<p:notes xmlns:a="http://schemas.openxmlformats.org/drawingml/2006/main" xmlns:r="http://schemas.openxmlformats.org/officeDocument/2006/relationships" xmlns:p="http://schemas.openxmlformats.org/presentationml/2006/main">
+  <p:cSld>
+    <p:spTree>
+      <p:nvGrpSpPr>
+        <p:cNvPr id="1" name=""/>
+        <p:cNvGrpSpPr/>
+        <p:nvPr/>
+      </p:nvGrpSpPr>
+      <p:grpSpPr>
+        <a:xfrm>
+          <a:off x="0" y="0"/>
+          <a:ext cx="0" cy="0"/>
+          <a:chOff x="0" y="0"/>
+          <a:chExt cx="0" cy="0"/>
+        </a:xfrm>
+      </p:grpSpPr>
+      <p:sp>
+        <p:nvSpPr>
+          <p:cNvPr id="2" name="Slide Image Placeholder 1"/>
+          <p:cNvSpPr>
+            <a:spLocks noGrp="1" noRot="1" noChangeAspect="1"/>
+          </p:cNvSpPr>
+          <p:nvPr>
+            <p:ph type="sldImg"/>
+          </p:nvPr>
+        </p:nvSpPr>
+        <p:spPr/>
+      </p:sp>
+      <p:sp>
+        <p:nvSpPr>
+          <p:cNvPr id="3" name="Notes Placeholder 2"/>
+          <p:cNvSpPr>
+            <a:spLocks noGrp="1"/>
+          </p:cNvSpPr>
+          <p:nvPr>
+            <p:ph type="body" idx="1"/>
+          </p:nvPr>
+        </p:nvSpPr>
+        <p:spPr/>
+        <p:txBody>
+          <a:bodyPr/>
+          <a:lstStyle/>
+          <a:p>
+            <a:r>
+              <a:rPr lang="en-US" dirty="0" smtClean="0"/>
+              <a:t>D</a:t>
+            </a:r>
+            <a:endParaRPr lang="en-US" dirty="0"/>
+          </a:p>
+        </p:txBody>
+      </p:sp>
+      <p:sp>
+        <p:nvSpPr>
+          <p:cNvPr id="4" name="Slide Number Placeholder 3"/>
+          <p:cNvSpPr>
+            <a:spLocks noGrp="1"/>
+          </p:cNvSpPr>
+          <p:nvPr>
+            <p:ph type="sldNum" sz="quarter" idx="10"/>
+          </p:nvPr>
+        </p:nvSpPr>
+        <p:spPr/>
+        <p:txBody>
+          <a:bodyPr/>
+          <a:lstStyle/>
+          <a:p>
+            <a:fld id="{C8876271-C828-EB47-901C-3294B307AE95}" type="slidenum">
+              <a:rPr lang="en-US" smtClean="0"/>
+              <a:t>6</a:t>
+            </a:fld>
+            <a:endParaRPr lang="en-US"/>
+          </a:p>
+        </p:txBody>
+      </p:sp>
+    </p:spTree>
+    <p:extLst>
+      <p:ext uri="{BB962C8B-B14F-4D97-AF65-F5344CB8AC3E}">
+        <p14:creationId xmlns:p14="http://schemas.microsoft.com/office/powerpoint/2010/main" val="1292744154"/>
+      </p:ext>
+    </p:extLst>
+  </p:cSld>
+  <p:clrMapOvr>
+    <a:masterClrMapping/>
+  </p:clrMapOvr>
+</p:notes>
+</file>
+
+<file path=ppt/notesSlides/notesSlide7.xml><?xml version="1.0" encoding="utf-8"?>
+<p:notes xmlns:a="http://schemas.openxmlformats.org/drawingml/2006/main" xmlns:r="http://schemas.openxmlformats.org/officeDocument/2006/relationships" xmlns:p="http://schemas.openxmlformats.org/presentationml/2006/main">
+  <p:cSld>
+    <p:spTree>
+      <p:nvGrpSpPr>
+        <p:cNvPr id="1" name=""/>
+        <p:cNvGrpSpPr/>
+        <p:nvPr/>
+      </p:nvGrpSpPr>
+      <p:grpSpPr>
+        <a:xfrm>
+          <a:off x="0" y="0"/>
+          <a:ext cx="0" cy="0"/>
+          <a:chOff x="0" y="0"/>
+          <a:chExt cx="0" cy="0"/>
+        </a:xfrm>
+      </p:grpSpPr>
+      <p:sp>
+        <p:nvSpPr>
+          <p:cNvPr id="2" name="Slide Image Placeholder 1"/>
+          <p:cNvSpPr>
+            <a:spLocks noGrp="1" noRot="1" noChangeAspect="1"/>
+          </p:cNvSpPr>
+          <p:nvPr>
+            <p:ph type="sldImg"/>
+          </p:nvPr>
+        </p:nvSpPr>
+        <p:spPr/>
+      </p:sp>
+      <p:sp>
+        <p:nvSpPr>
+          <p:cNvPr id="3" name="Notes Placeholder 2"/>
+          <p:cNvSpPr>
+            <a:spLocks noGrp="1"/>
+          </p:cNvSpPr>
+          <p:nvPr>
+            <p:ph type="body" idx="1"/>
+          </p:nvPr>
+        </p:nvSpPr>
+        <p:spPr/>
+        <p:txBody>
+          <a:bodyPr/>
+          <a:lstStyle/>
+          <a:p>
+            <a:r>
+              <a:rPr lang="en-US" dirty="0" smtClean="0"/>
+              <a:t>M</a:t>
+            </a:r>
+            <a:endParaRPr lang="en-US" dirty="0"/>
+          </a:p>
+        </p:txBody>
+      </p:sp>
+      <p:sp>
+        <p:nvSpPr>
+          <p:cNvPr id="4" name="Slide Number Placeholder 3"/>
+          <p:cNvSpPr>
+            <a:spLocks noGrp="1"/>
+          </p:cNvSpPr>
+          <p:nvPr>
+            <p:ph type="sldNum" sz="quarter" idx="10"/>
+          </p:nvPr>
+        </p:nvSpPr>
+        <p:spPr/>
+        <p:txBody>
+          <a:bodyPr/>
+          <a:lstStyle/>
+          <a:p>
+            <a:fld id="{C8876271-C828-EB47-901C-3294B307AE95}" type="slidenum">
+              <a:rPr lang="en-US" smtClean="0"/>
+              <a:t>7</a:t>
+            </a:fld>
+            <a:endParaRPr lang="en-US"/>
+          </a:p>
+        </p:txBody>
+      </p:sp>
+    </p:spTree>
+    <p:extLst>
+      <p:ext uri="{BB962C8B-B14F-4D97-AF65-F5344CB8AC3E}">
+        <p14:creationId xmlns:p14="http://schemas.microsoft.com/office/powerpoint/2010/main" val="1701664831"/>
+      </p:ext>
+    </p:extLst>
+  </p:cSld>
+  <p:clrMapOvr>
+    <a:masterClrMapping/>
+  </p:clrMapOvr>
+</p:notes>
+</file>
+
+<file path=ppt/notesSlides/notesSlide8.xml><?xml version="1.0" encoding="utf-8"?>
+<p:notes xmlns:a="http://schemas.openxmlformats.org/drawingml/2006/main" xmlns:r="http://schemas.openxmlformats.org/officeDocument/2006/relationships" xmlns:p="http://schemas.openxmlformats.org/presentationml/2006/main">
+  <p:cSld>
+    <p:spTree>
+      <p:nvGrpSpPr>
+        <p:cNvPr id="1" name=""/>
+        <p:cNvGrpSpPr/>
+        <p:nvPr/>
+      </p:nvGrpSpPr>
+      <p:grpSpPr>
+        <a:xfrm>
+          <a:off x="0" y="0"/>
+          <a:ext cx="0" cy="0"/>
+          <a:chOff x="0" y="0"/>
+          <a:chExt cx="0" cy="0"/>
+        </a:xfrm>
+      </p:grpSpPr>
+      <p:sp>
+        <p:nvSpPr>
+          <p:cNvPr id="2" name="Slide Image Placeholder 1"/>
+          <p:cNvSpPr>
+            <a:spLocks noGrp="1" noRot="1" noChangeAspect="1"/>
+          </p:cNvSpPr>
+          <p:nvPr>
+            <p:ph type="sldImg"/>
+          </p:nvPr>
+        </p:nvSpPr>
+        <p:spPr/>
+      </p:sp>
+      <p:sp>
+        <p:nvSpPr>
+          <p:cNvPr id="3" name="Notes Placeholder 2"/>
+          <p:cNvSpPr>
+            <a:spLocks noGrp="1"/>
+          </p:cNvSpPr>
+          <p:nvPr>
+            <p:ph type="body" idx="1"/>
+          </p:nvPr>
+        </p:nvSpPr>
+        <p:spPr/>
+        <p:txBody>
+          <a:bodyPr/>
+          <a:lstStyle/>
+          <a:p>
+            <a:r>
+              <a:rPr lang="en-US" dirty="0" smtClean="0"/>
+              <a:t>M</a:t>
+            </a:r>
+          </a:p>
+          <a:p>
+            <a:endParaRPr lang="en-US" dirty="0" smtClean="0"/>
+          </a:p>
+          <a:p>
+            <a:r>
+              <a:rPr lang="en-US" dirty="0" smtClean="0"/>
+              <a:t>Significantly</a:t>
+            </a:r>
+            <a:r>
+              <a:rPr lang="en-US" baseline="0" dirty="0" smtClean="0"/>
+              <a:t> different numbers from our ORF finder as compared to the reference (NCBI BLAST).</a:t>
+            </a:r>
+          </a:p>
+          <a:p>
+            <a:endParaRPr lang="en-US" dirty="0"/>
+          </a:p>
+        </p:txBody>
+      </p:sp>
+      <p:sp>
+        <p:nvSpPr>
+          <p:cNvPr id="4" name="Slide Number Placeholder 3"/>
+          <p:cNvSpPr>
+            <a:spLocks noGrp="1"/>
+          </p:cNvSpPr>
+          <p:nvPr>
+            <p:ph type="sldNum" sz="quarter" idx="10"/>
+          </p:nvPr>
+        </p:nvSpPr>
+        <p:spPr/>
+        <p:txBody>
+          <a:bodyPr/>
+          <a:lstStyle/>
+          <a:p>
+            <a:fld id="{C8876271-C828-EB47-901C-3294B307AE95}" type="slidenum">
+              <a:rPr lang="en-US" smtClean="0"/>
+              <a:t>8</a:t>
+            </a:fld>
+            <a:endParaRPr lang="en-US"/>
+          </a:p>
+        </p:txBody>
+      </p:sp>
+    </p:spTree>
+    <p:extLst>
+      <p:ext uri="{BB962C8B-B14F-4D97-AF65-F5344CB8AC3E}">
+        <p14:creationId xmlns:p14="http://schemas.microsoft.com/office/powerpoint/2010/main" val="552880543"/>
+      </p:ext>
+    </p:extLst>
+  </p:cSld>
+  <p:clrMapOvr>
+    <a:masterClrMapping/>
+  </p:clrMapOvr>
+</p:notes>
+</file>
+
+<file path=ppt/notesSlides/notesSlide9.xml><?xml version="1.0" encoding="utf-8"?>
+<p:notes xmlns:a="http://schemas.openxmlformats.org/drawingml/2006/main" xmlns:r="http://schemas.openxmlformats.org/officeDocument/2006/relationships" xmlns:p="http://schemas.openxmlformats.org/presentationml/2006/main">
+  <p:cSld>
+    <p:spTree>
+      <p:nvGrpSpPr>
+        <p:cNvPr id="1" name=""/>
+        <p:cNvGrpSpPr/>
+        <p:nvPr/>
+      </p:nvGrpSpPr>
+      <p:grpSpPr>
+        <a:xfrm>
+          <a:off x="0" y="0"/>
+          <a:ext cx="0" cy="0"/>
+          <a:chOff x="0" y="0"/>
+          <a:chExt cx="0" cy="0"/>
+        </a:xfrm>
+      </p:grpSpPr>
+      <p:sp>
+        <p:nvSpPr>
+          <p:cNvPr id="2" name="Slide Image Placeholder 1"/>
+          <p:cNvSpPr>
+            <a:spLocks noGrp="1" noRot="1" noChangeAspect="1"/>
+          </p:cNvSpPr>
+          <p:nvPr>
+            <p:ph type="sldImg"/>
+          </p:nvPr>
+        </p:nvSpPr>
+        <p:spPr/>
+      </p:sp>
+      <p:sp>
+        <p:nvSpPr>
+          <p:cNvPr id="3" name="Notes Placeholder 2"/>
+          <p:cNvSpPr>
+            <a:spLocks noGrp="1"/>
+          </p:cNvSpPr>
+          <p:nvPr>
+            <p:ph type="body" idx="1"/>
+          </p:nvPr>
+        </p:nvSpPr>
+        <p:spPr/>
+        <p:txBody>
+          <a:bodyPr/>
+          <a:lstStyle/>
+          <a:p>
+            <a:r>
+              <a:rPr lang="en-US" dirty="0" smtClean="0"/>
+              <a:t>M</a:t>
+            </a:r>
+          </a:p>
+          <a:p>
+            <a:endParaRPr lang="en-US" dirty="0" smtClean="0"/>
+          </a:p>
+          <a:p>
+            <a:r>
+              <a:rPr lang="en-US" dirty="0" smtClean="0"/>
+              <a:t>No True Negative due to database not including true negative references.</a:t>
+            </a:r>
+            <a:endParaRPr lang="en-US" dirty="0"/>
+          </a:p>
+        </p:txBody>
+      </p:sp>
+      <p:sp>
+        <p:nvSpPr>
+          <p:cNvPr id="4" name="Slide Number Placeholder 3"/>
+          <p:cNvSpPr>
+            <a:spLocks noGrp="1"/>
+          </p:cNvSpPr>
+          <p:nvPr>
+            <p:ph type="sldNum" sz="quarter" idx="10"/>
+          </p:nvPr>
+        </p:nvSpPr>
+        <p:spPr/>
+        <p:txBody>
+          <a:bodyPr/>
+          <a:lstStyle/>
+          <a:p>
+            <a:fld id="{C8876271-C828-EB47-901C-3294B307AE95}" type="slidenum">
+              <a:rPr lang="en-US" smtClean="0"/>
+              <a:t>9</a:t>
+            </a:fld>
+            <a:endParaRPr lang="en-US"/>
+          </a:p>
+        </p:txBody>
+      </p:sp>
+    </p:spTree>
+    <p:extLst>
+      <p:ext uri="{BB962C8B-B14F-4D97-AF65-F5344CB8AC3E}">
+        <p14:creationId xmlns:p14="http://schemas.microsoft.com/office/powerpoint/2010/main" val="930460504"/>
       </p:ext>
     </p:extLst>
   </p:cSld>
@@ -8090,46 +8821,40 @@
           <a:p>
             <a:r>
               <a:rPr lang="en-US" dirty="0" smtClean="0"/>
-              <a:t>ORF Finder results</a:t>
+              <a:t>Performance analysis (F1-Score)</a:t>
             </a:r>
             <a:endParaRPr lang="en-US" dirty="0"/>
           </a:p>
         </p:txBody>
       </p:sp>
-      <p:pic>
-        <p:nvPicPr>
-          <p:cNvPr id="6" name="Picture 5"/>
-          <p:cNvPicPr>
-            <a:picLocks noChangeAspect="1"/>
-          </p:cNvPicPr>
-          <p:nvPr/>
-        </p:nvPicPr>
-        <p:blipFill>
-          <a:blip r:embed="rId3">
-            <a:extLst>
-              <a:ext uri="{28A0092B-C50C-407E-A947-70E740481C1C}">
-                <a14:useLocalDpi xmlns:a14="http://schemas.microsoft.com/office/drawing/2010/main" val="0"/>
-              </a:ext>
-            </a:extLst>
-          </a:blip>
-          <a:stretch>
-            <a:fillRect/>
-          </a:stretch>
-        </p:blipFill>
-        <p:spPr>
-          <a:xfrm>
-            <a:off x="2569457" y="1989975"/>
-            <a:ext cx="6853586" cy="3529676"/>
-          </a:xfrm>
-          <a:prstGeom prst="rect">
-            <a:avLst/>
-          </a:prstGeom>
-        </p:spPr>
-      </p:pic>
+      <p:graphicFrame>
+        <p:nvGraphicFramePr>
+          <p:cNvPr id="6" name="Chart 5"/>
+          <p:cNvGraphicFramePr>
+            <a:graphicFrameLocks/>
+          </p:cNvGraphicFramePr>
+          <p:nvPr>
+            <p:extLst>
+              <p:ext uri="{D42A27DB-BD31-4B8C-83A1-F6EECF244321}">
+                <p14:modId xmlns:p14="http://schemas.microsoft.com/office/powerpoint/2010/main" val="1531201059"/>
+              </p:ext>
+            </p:extLst>
+          </p:nvPr>
+        </p:nvGraphicFramePr>
+        <p:xfrm>
+          <a:off x="2248592" y="1690688"/>
+          <a:ext cx="7694815" cy="4616889"/>
+        </p:xfrm>
+        <a:graphic>
+          <a:graphicData uri="http://schemas.openxmlformats.org/drawingml/2006/chart">
+            <c:chart xmlns:c="http://schemas.openxmlformats.org/drawingml/2006/chart" xmlns:r="http://schemas.openxmlformats.org/officeDocument/2006/relationships" r:id="rId2"/>
+          </a:graphicData>
+        </a:graphic>
+      </p:graphicFrame>
     </p:spTree>
     <p:extLst>
       <p:ext uri="{BB962C8B-B14F-4D97-AF65-F5344CB8AC3E}">
-        <p14:creationId xmlns:p14="http://schemas.microsoft.com/office/powerpoint/2010/main" val="2124591776"/>
+        <p14:creationId xmlns:p14="http://schemas.microsoft.com/office/powerpoint/2010/main" val="420981432"/>
       </p:ext>
     </p:extLst>
   </p:cSld>
@@ -8179,10 +8904,18 @@
           <a:lstStyle/>
           <a:p>
             <a:r>
-              <a:rPr lang="en-US" dirty="0" smtClean="0"/>
-              <a:t>Performance analysis</a:t>
-            </a:r>
-            <a:endParaRPr lang="en-US" dirty="0"/>
+              <a:rPr lang="en-US" dirty="0" smtClean="0">
+                <a:latin typeface="Helvetica" charset="0"/>
+                <a:ea typeface="Helvetica" charset="0"/>
+                <a:cs typeface="Helvetica" charset="0"/>
+              </a:rPr>
+              <a:t>Distance Matrix</a:t>
+            </a:r>
+            <a:endParaRPr lang="en-US" dirty="0">
+              <a:latin typeface="Helvetica" charset="0"/>
+              <a:ea typeface="Helvetica" charset="0"/>
+              <a:cs typeface="Helvetica" charset="0"/>
+            </a:endParaRPr>
           </a:p>
         </p:txBody>
       </p:sp>
@@ -8202,53 +8935,45 @@
           <a:lstStyle/>
           <a:p>
             <a:r>
-              <a:rPr lang="en-US" dirty="0" smtClean="0"/>
-              <a:t>Example: 44.fa.txt (</a:t>
-            </a:r>
-            <a:r>
-              <a:rPr lang="en-US" i="1" dirty="0" smtClean="0"/>
-              <a:t>L. </a:t>
-            </a:r>
-            <a:r>
-              <a:rPr lang="en-US" i="1" dirty="0" err="1" smtClean="0"/>
-              <a:t>gelidum</a:t>
-            </a:r>
-            <a:r>
-              <a:rPr lang="en-US" dirty="0" smtClean="0"/>
-              <a:t>)</a:t>
-            </a:r>
-            <a:endParaRPr lang="en-US" dirty="0"/>
-          </a:p>
-        </p:txBody>
-      </p:sp>
-      <p:pic>
-        <p:nvPicPr>
-          <p:cNvPr id="5" name="Picture 4"/>
-          <p:cNvPicPr>
-            <a:picLocks noChangeAspect="1"/>
-          </p:cNvPicPr>
-          <p:nvPr/>
-        </p:nvPicPr>
-        <p:blipFill>
-          <a:blip r:embed="rId3"/>
-          <a:stretch>
-            <a:fillRect/>
-          </a:stretch>
-        </p:blipFill>
-        <p:spPr>
-          <a:xfrm>
-            <a:off x="3804849" y="3256670"/>
-            <a:ext cx="4582302" cy="1489248"/>
-          </a:xfrm>
-          <a:prstGeom prst="rect">
-            <a:avLst/>
-          </a:prstGeom>
-        </p:spPr>
-      </p:pic>
+              <a:rPr lang="en-US" dirty="0" smtClean="0">
+                <a:latin typeface="Helvetica" charset="0"/>
+                <a:ea typeface="Helvetica" charset="0"/>
+                <a:cs typeface="Helvetica" charset="0"/>
+              </a:rPr>
+              <a:t>Distance method used</a:t>
+            </a:r>
+          </a:p>
+          <a:p>
+            <a:r>
+              <a:rPr lang="en-US" dirty="0" smtClean="0">
+                <a:latin typeface="Helvetica" charset="0"/>
+                <a:ea typeface="Helvetica" charset="0"/>
+                <a:cs typeface="Helvetica" charset="0"/>
+              </a:rPr>
+              <a:t>Show tree</a:t>
+            </a:r>
+          </a:p>
+          <a:p>
+            <a:r>
+              <a:rPr lang="en-US" dirty="0" smtClean="0">
+                <a:latin typeface="Helvetica" charset="0"/>
+                <a:ea typeface="Helvetica" charset="0"/>
+                <a:cs typeface="Helvetica" charset="0"/>
+              </a:rPr>
+              <a:t>Compare tree with older tree</a:t>
+            </a:r>
+            <a:endParaRPr lang="en-US" dirty="0">
+              <a:latin typeface="Helvetica" charset="0"/>
+              <a:ea typeface="Helvetica" charset="0"/>
+              <a:cs typeface="Helvetica" charset="0"/>
+            </a:endParaRPr>
+          </a:p>
+        </p:txBody>
+      </p:sp>
     </p:spTree>
     <p:extLst>
       <p:ext uri="{BB962C8B-B14F-4D97-AF65-F5344CB8AC3E}">
-        <p14:creationId xmlns:p14="http://schemas.microsoft.com/office/powerpoint/2010/main" val="30445591"/>
+        <p14:creationId xmlns:p14="http://schemas.microsoft.com/office/powerpoint/2010/main" val="628208132"/>
       </p:ext>
     </p:extLst>
   </p:cSld>
@@ -8299,209 +9024,6 @@
           <a:p>
             <a:r>
               <a:rPr lang="en-US" dirty="0" smtClean="0"/>
-              <a:t>Performance analysis (F1-Score)</a:t>
-            </a:r>
-            <a:endParaRPr lang="en-US" dirty="0"/>
-          </a:p>
-        </p:txBody>
-      </p:sp>
-      <p:graphicFrame>
-        <p:nvGraphicFramePr>
-          <p:cNvPr id="6" name="Chart 5"/>
-          <p:cNvGraphicFramePr>
-            <a:graphicFrameLocks/>
-          </p:cNvGraphicFramePr>
-          <p:nvPr>
-            <p:extLst>
-              <p:ext uri="{D42A27DB-BD31-4B8C-83A1-F6EECF244321}">
-                <p14:modId xmlns:p14="http://schemas.microsoft.com/office/powerpoint/2010/main" val="1531201059"/>
-              </p:ext>
-            </p:extLst>
-          </p:nvPr>
-        </p:nvGraphicFramePr>
-        <p:xfrm>
-          <a:off x="2248592" y="1690688"/>
-          <a:ext cx="7694815" cy="4616889"/>
-        </p:xfrm>
-        <a:graphic>
-          <a:graphicData uri="http://schemas.openxmlformats.org/drawingml/2006/chart">
-            <c:chart xmlns:c="http://schemas.openxmlformats.org/drawingml/2006/chart" xmlns:r="http://schemas.openxmlformats.org/officeDocument/2006/relationships" r:id="rId2"/>
-          </a:graphicData>
-        </a:graphic>
-      </p:graphicFrame>
-    </p:spTree>
-    <p:extLst>
-      <p:ext uri="{BB962C8B-B14F-4D97-AF65-F5344CB8AC3E}">
-        <p14:creationId xmlns:p14="http://schemas.microsoft.com/office/powerpoint/2010/main" val="420981432"/>
-      </p:ext>
-    </p:extLst>
-  </p:cSld>
-  <p:clrMapOvr>
-    <a:masterClrMapping/>
-  </p:clrMapOvr>
-  <p:timing>
-    <p:tnLst>
-      <p:par>
-        <p:cTn id="1" dur="indefinite" restart="never" nodeType="tmRoot"/>
-      </p:par>
-    </p:tnLst>
-  </p:timing>
-</p:sld>
-</file>
-
-<file path=ppt/slides/slide13.xml><?xml version="1.0" encoding="utf-8"?>
-<p:sld xmlns:a="http://schemas.openxmlformats.org/drawingml/2006/main" xmlns:r="http://schemas.openxmlformats.org/officeDocument/2006/relationships" xmlns:p="http://schemas.openxmlformats.org/presentationml/2006/main">
-  <p:cSld>
-    <p:spTree>
-      <p:nvGrpSpPr>
-        <p:cNvPr id="1" name=""/>
-        <p:cNvGrpSpPr/>
-        <p:nvPr/>
-      </p:nvGrpSpPr>
-      <p:grpSpPr>
-        <a:xfrm>
-          <a:off x="0" y="0"/>
-          <a:ext cx="0" cy="0"/>
-          <a:chOff x="0" y="0"/>
-          <a:chExt cx="0" cy="0"/>
-        </a:xfrm>
-      </p:grpSpPr>
-      <p:sp>
-        <p:nvSpPr>
-          <p:cNvPr id="2" name="Title 1"/>
-          <p:cNvSpPr>
-            <a:spLocks noGrp="1"/>
-          </p:cNvSpPr>
-          <p:nvPr>
-            <p:ph type="title"/>
-          </p:nvPr>
-        </p:nvSpPr>
-        <p:spPr/>
-        <p:txBody>
-          <a:bodyPr/>
-          <a:lstStyle/>
-          <a:p>
-            <a:r>
-              <a:rPr lang="en-US" dirty="0" smtClean="0">
-                <a:latin typeface="Helvetica" charset="0"/>
-                <a:ea typeface="Helvetica" charset="0"/>
-                <a:cs typeface="Helvetica" charset="0"/>
-              </a:rPr>
-              <a:t>Distance Matrix</a:t>
-            </a:r>
-            <a:endParaRPr lang="en-US" dirty="0">
-              <a:latin typeface="Helvetica" charset="0"/>
-              <a:ea typeface="Helvetica" charset="0"/>
-              <a:cs typeface="Helvetica" charset="0"/>
-            </a:endParaRPr>
-          </a:p>
-        </p:txBody>
-      </p:sp>
-      <p:sp>
-        <p:nvSpPr>
-          <p:cNvPr id="3" name="Content Placeholder 2"/>
-          <p:cNvSpPr>
-            <a:spLocks noGrp="1"/>
-          </p:cNvSpPr>
-          <p:nvPr>
-            <p:ph idx="1"/>
-          </p:nvPr>
-        </p:nvSpPr>
-        <p:spPr/>
-        <p:txBody>
-          <a:bodyPr/>
-          <a:lstStyle/>
-          <a:p>
-            <a:r>
-              <a:rPr lang="en-US" dirty="0" smtClean="0">
-                <a:latin typeface="Helvetica" charset="0"/>
-                <a:ea typeface="Helvetica" charset="0"/>
-                <a:cs typeface="Helvetica" charset="0"/>
-              </a:rPr>
-              <a:t>Distance method used</a:t>
-            </a:r>
-          </a:p>
-          <a:p>
-            <a:r>
-              <a:rPr lang="en-US" dirty="0" smtClean="0">
-                <a:latin typeface="Helvetica" charset="0"/>
-                <a:ea typeface="Helvetica" charset="0"/>
-                <a:cs typeface="Helvetica" charset="0"/>
-              </a:rPr>
-              <a:t>Show tree</a:t>
-            </a:r>
-          </a:p>
-          <a:p>
-            <a:r>
-              <a:rPr lang="en-US" dirty="0" smtClean="0">
-                <a:latin typeface="Helvetica" charset="0"/>
-                <a:ea typeface="Helvetica" charset="0"/>
-                <a:cs typeface="Helvetica" charset="0"/>
-              </a:rPr>
-              <a:t>Compare tree with older tree</a:t>
-            </a:r>
-            <a:endParaRPr lang="en-US" dirty="0">
-              <a:latin typeface="Helvetica" charset="0"/>
-              <a:ea typeface="Helvetica" charset="0"/>
-              <a:cs typeface="Helvetica" charset="0"/>
-            </a:endParaRPr>
-          </a:p>
-        </p:txBody>
-      </p:sp>
-    </p:spTree>
-    <p:extLst>
-      <p:ext uri="{BB962C8B-B14F-4D97-AF65-F5344CB8AC3E}">
-        <p14:creationId xmlns:p14="http://schemas.microsoft.com/office/powerpoint/2010/main" val="628208132"/>
-      </p:ext>
-    </p:extLst>
-  </p:cSld>
-  <p:clrMapOvr>
-    <a:masterClrMapping/>
-  </p:clrMapOvr>
-  <p:timing>
-    <p:tnLst>
-      <p:par>
-        <p:cTn id="1" dur="indefinite" restart="never" nodeType="tmRoot"/>
-      </p:par>
-    </p:tnLst>
-  </p:timing>
-</p:sld>
-</file>
-
-<file path=ppt/slides/slide14.xml><?xml version="1.0" encoding="utf-8"?>
-<p:sld xmlns:a="http://schemas.openxmlformats.org/drawingml/2006/main" xmlns:r="http://schemas.openxmlformats.org/officeDocument/2006/relationships" xmlns:p="http://schemas.openxmlformats.org/presentationml/2006/main">
-  <p:cSld>
-    <p:spTree>
-      <p:nvGrpSpPr>
-        <p:cNvPr id="1" name=""/>
-        <p:cNvGrpSpPr/>
-        <p:nvPr/>
-      </p:nvGrpSpPr>
-      <p:grpSpPr>
-        <a:xfrm>
-          <a:off x="0" y="0"/>
-          <a:ext cx="0" cy="0"/>
-          <a:chOff x="0" y="0"/>
-          <a:chExt cx="0" cy="0"/>
-        </a:xfrm>
-      </p:grpSpPr>
-      <p:sp>
-        <p:nvSpPr>
-          <p:cNvPr id="2" name="Title 1"/>
-          <p:cNvSpPr>
-            <a:spLocks noGrp="1"/>
-          </p:cNvSpPr>
-          <p:nvPr>
-            <p:ph type="title"/>
-          </p:nvPr>
-        </p:nvSpPr>
-        <p:spPr/>
-        <p:txBody>
-          <a:bodyPr/>
-          <a:lstStyle/>
-          <a:p>
-            <a:r>
-              <a:rPr lang="en-US" dirty="0" smtClean="0"/>
               <a:t>Distance Calculation methods</a:t>
             </a:r>
             <a:endParaRPr lang="en-US" dirty="0"/>
@@ -8551,7 +9073,7 @@
 </p:sld>
 </file>
 
-<file path=ppt/slides/slide15.xml><?xml version="1.0" encoding="utf-8"?>
+<file path=ppt/slides/slide13.xml><?xml version="1.0" encoding="utf-8"?>
 <p:sld xmlns:a="http://schemas.openxmlformats.org/drawingml/2006/main" xmlns:r="http://schemas.openxmlformats.org/officeDocument/2006/relationships" xmlns:p="http://schemas.openxmlformats.org/presentationml/2006/main">
   <p:cSld>
     <p:spTree>
@@ -9445,7 +9967,7 @@
 </p:sld>
 </file>
 
-<file path=ppt/slides/slide16.xml><?xml version="1.0" encoding="utf-8"?>
+<file path=ppt/slides/slide14.xml><?xml version="1.0" encoding="utf-8"?>
 <p:sld xmlns:a="http://schemas.openxmlformats.org/drawingml/2006/main" xmlns:r="http://schemas.openxmlformats.org/officeDocument/2006/relationships" xmlns:p="http://schemas.openxmlformats.org/presentationml/2006/main">
   <p:cSld>
     <p:spTree>
@@ -9520,7 +10042,7 @@
 </p:sld>
 </file>
 
-<file path=ppt/slides/slide17.xml><?xml version="1.0" encoding="utf-8"?>
+<file path=ppt/slides/slide15.xml><?xml version="1.0" encoding="utf-8"?>
 <p:sld xmlns:a="http://schemas.openxmlformats.org/drawingml/2006/main" xmlns:r="http://schemas.openxmlformats.org/officeDocument/2006/relationships" xmlns:p="http://schemas.openxmlformats.org/presentationml/2006/main">
   <p:cSld>
     <p:spTree>
@@ -9656,7 +10178,7 @@
           <p:nvPr/>
         </p:nvPicPr>
         <p:blipFill>
-          <a:blip r:embed="rId2">
+          <a:blip r:embed="rId3">
             <a:extLst>
               <a:ext uri="{28A0092B-C50C-407E-A947-70E740481C1C}">
                 <a14:useLocalDpi xmlns:a14="http://schemas.microsoft.com/office/drawing/2010/main" val="0"/>
@@ -9874,7 +10396,7 @@
           <p:nvPr/>
         </p:nvPicPr>
         <p:blipFill>
-          <a:blip r:embed="rId2">
+          <a:blip r:embed="rId3">
             <a:extLst>
               <a:ext uri="{28A0092B-C50C-407E-A947-70E740481C1C}">
                 <a14:useLocalDpi xmlns:a14="http://schemas.microsoft.com/office/drawing/2010/main" val="0"/>
@@ -9904,7 +10426,7 @@
           <p:nvPr/>
         </p:nvPicPr>
         <p:blipFill>
-          <a:blip r:embed="rId3">
+          <a:blip r:embed="rId4">
             <a:extLst>
               <a:ext uri="{28A0092B-C50C-407E-A947-70E740481C1C}">
                 <a14:useLocalDpi xmlns:a14="http://schemas.microsoft.com/office/drawing/2010/main" val="0"/>
@@ -9983,7 +10505,7 @@
                 <a:ea typeface="Helvetica" charset="0"/>
                 <a:cs typeface="Helvetica" charset="0"/>
               </a:rPr>
-              <a:t>Result of applying 3 scripts to 5 genomes</a:t>
+              <a:t>Nucleotide Frequencies</a:t>
             </a:r>
             <a:endParaRPr lang="en-US" dirty="0">
               <a:latin typeface="Helvetica" charset="0"/>
@@ -9993,92 +10515,34 @@
           </a:p>
         </p:txBody>
       </p:sp>
-      <p:sp>
-        <p:nvSpPr>
-          <p:cNvPr id="3" name="Content Placeholder 2"/>
-          <p:cNvSpPr>
-            <a:spLocks noGrp="1"/>
-          </p:cNvSpPr>
-          <p:nvPr>
-            <p:ph idx="1"/>
-          </p:nvPr>
-        </p:nvSpPr>
-        <p:spPr/>
-        <p:txBody>
-          <a:bodyPr/>
-          <a:lstStyle/>
-          <a:p>
-            <a:r>
-              <a:rPr lang="en-US" dirty="0">
-                <a:latin typeface="Helvetica" charset="0"/>
-                <a:ea typeface="Helvetica" charset="0"/>
-                <a:cs typeface="Helvetica" charset="0"/>
-              </a:rPr>
-              <a:t>GC, nucleotide and dinucleotide frequencies </a:t>
-            </a:r>
-          </a:p>
-          <a:p>
-            <a:r>
-              <a:rPr lang="en-US" dirty="0">
-                <a:latin typeface="Helvetica" charset="0"/>
-                <a:ea typeface="Helvetica" charset="0"/>
-                <a:cs typeface="Helvetica" charset="0"/>
-              </a:rPr>
-              <a:t>amino acid and </a:t>
-            </a:r>
-            <a:r>
-              <a:rPr lang="en-US" dirty="0" err="1">
-                <a:latin typeface="Helvetica" charset="0"/>
-                <a:ea typeface="Helvetica" charset="0"/>
-                <a:cs typeface="Helvetica" charset="0"/>
-              </a:rPr>
-              <a:t>diamino</a:t>
-            </a:r>
-            <a:r>
-              <a:rPr lang="en-US" dirty="0">
-                <a:latin typeface="Helvetica" charset="0"/>
-                <a:ea typeface="Helvetica" charset="0"/>
-                <a:cs typeface="Helvetica" charset="0"/>
-              </a:rPr>
-              <a:t> acid frequencies </a:t>
-            </a:r>
-            <a:endParaRPr lang="en-US" dirty="0" smtClean="0">
-              <a:latin typeface="Helvetica" charset="0"/>
-              <a:ea typeface="Helvetica" charset="0"/>
-              <a:cs typeface="Helvetica" charset="0"/>
-            </a:endParaRPr>
-          </a:p>
-          <a:p>
-            <a:endParaRPr lang="en-US" dirty="0"/>
-          </a:p>
-          <a:p>
-            <a:r>
-              <a:rPr lang="en-US" dirty="0" smtClean="0">
-                <a:latin typeface="Helvetica" charset="0"/>
-                <a:ea typeface="Helvetica" charset="0"/>
-                <a:cs typeface="Helvetica" charset="0"/>
-              </a:rPr>
-              <a:t>Screenshots</a:t>
-            </a:r>
-            <a:endParaRPr lang="en-US" dirty="0">
-              <a:latin typeface="Helvetica" charset="0"/>
-              <a:ea typeface="Helvetica" charset="0"/>
-              <a:cs typeface="Helvetica" charset="0"/>
-            </a:endParaRPr>
-          </a:p>
-          <a:p>
-            <a:endParaRPr lang="en-US" dirty="0">
-              <a:latin typeface="Helvetica" charset="0"/>
-              <a:ea typeface="Helvetica" charset="0"/>
-              <a:cs typeface="Helvetica" charset="0"/>
-            </a:endParaRPr>
-          </a:p>
-        </p:txBody>
-      </p:sp>
+      <p:graphicFrame>
+        <p:nvGraphicFramePr>
+          <p:cNvPr id="4" name="Chart 3"/>
+          <p:cNvGraphicFramePr>
+            <a:graphicFrameLocks/>
+          </p:cNvGraphicFramePr>
+          <p:nvPr>
+            <p:extLst>
+              <p:ext uri="{D42A27DB-BD31-4B8C-83A1-F6EECF244321}">
+                <p14:modId xmlns:p14="http://schemas.microsoft.com/office/powerpoint/2010/main" val="35110624"/>
+              </p:ext>
+            </p:extLst>
+          </p:nvPr>
+        </p:nvGraphicFramePr>
+        <p:xfrm>
+          <a:off x="2721345" y="1690688"/>
+          <a:ext cx="6749310" cy="4434434"/>
+        </p:xfrm>
+        <a:graphic>
+          <a:graphicData uri="http://schemas.openxmlformats.org/drawingml/2006/chart">
+            <c:chart xmlns:c="http://schemas.openxmlformats.org/drawingml/2006/chart" xmlns:r="http://schemas.openxmlformats.org/officeDocument/2006/relationships" r:id="rId3"/>
+          </a:graphicData>
+        </a:graphic>
+      </p:graphicFrame>
     </p:spTree>
     <p:extLst>
       <p:ext uri="{BB962C8B-B14F-4D97-AF65-F5344CB8AC3E}">
-        <p14:creationId xmlns:p14="http://schemas.microsoft.com/office/powerpoint/2010/main" val="1248070860"/>
+        <p14:creationId xmlns:p14="http://schemas.microsoft.com/office/powerpoint/2010/main" val="613095915"/>
       </p:ext>
     </p:extLst>
   </p:cSld>
@@ -10128,18 +10592,10 @@
           <a:lstStyle/>
           <a:p>
             <a:r>
-              <a:rPr lang="en-US" dirty="0" smtClean="0">
-                <a:latin typeface="Helvetica" charset="0"/>
-                <a:ea typeface="Helvetica" charset="0"/>
-                <a:cs typeface="Helvetica" charset="0"/>
-              </a:rPr>
-              <a:t>Nucleotide Frequencies</a:t>
-            </a:r>
-            <a:endParaRPr lang="en-US" dirty="0">
-              <a:latin typeface="Helvetica" charset="0"/>
-              <a:ea typeface="Helvetica" charset="0"/>
-              <a:cs typeface="Helvetica" charset="0"/>
-            </a:endParaRPr>
+              <a:rPr lang="en-US" dirty="0" smtClean="0"/>
+              <a:t>Dinucleotide Frequencies</a:t>
+            </a:r>
+            <a:endParaRPr lang="en-US" dirty="0"/>
           </a:p>
         </p:txBody>
       </p:sp>
@@ -10152,25 +10608,25 @@
           <p:nvPr>
             <p:extLst>
               <p:ext uri="{D42A27DB-BD31-4B8C-83A1-F6EECF244321}">
-                <p14:modId xmlns:p14="http://schemas.microsoft.com/office/powerpoint/2010/main" val="35110624"/>
+                <p14:modId xmlns:p14="http://schemas.microsoft.com/office/powerpoint/2010/main" val="733431291"/>
               </p:ext>
             </p:extLst>
           </p:nvPr>
         </p:nvGraphicFramePr>
         <p:xfrm>
-          <a:off x="2721345" y="1690688"/>
-          <a:ext cx="6749310" cy="4434434"/>
+          <a:off x="2164291" y="1690688"/>
+          <a:ext cx="7863417" cy="4718050"/>
         </p:xfrm>
         <a:graphic>
           <a:graphicData uri="http://schemas.openxmlformats.org/drawingml/2006/chart">
-            <c:chart xmlns:c="http://schemas.openxmlformats.org/drawingml/2006/chart" xmlns:r="http://schemas.openxmlformats.org/officeDocument/2006/relationships" r:id="rId2"/>
+            <c:chart xmlns:c="http://schemas.openxmlformats.org/drawingml/2006/chart" xmlns:r="http://schemas.openxmlformats.org/officeDocument/2006/relationships" r:id="rId3"/>
           </a:graphicData>
         </a:graphic>
       </p:graphicFrame>
     </p:spTree>
     <p:extLst>
       <p:ext uri="{BB962C8B-B14F-4D97-AF65-F5344CB8AC3E}">
-        <p14:creationId xmlns:p14="http://schemas.microsoft.com/office/powerpoint/2010/main" val="613095915"/>
+        <p14:creationId xmlns:p14="http://schemas.microsoft.com/office/powerpoint/2010/main" val="327056190"/>
       </p:ext>
     </p:extLst>
   </p:cSld>
@@ -10221,40 +10677,77 @@
           <a:p>
             <a:r>
               <a:rPr lang="en-US" dirty="0" smtClean="0"/>
-              <a:t>Dinucleotide Frequencies</a:t>
+              <a:t>ORF Finder</a:t>
             </a:r>
             <a:endParaRPr lang="en-US" dirty="0"/>
           </a:p>
         </p:txBody>
       </p:sp>
-      <p:graphicFrame>
-        <p:nvGraphicFramePr>
-          <p:cNvPr id="4" name="Chart 3"/>
-          <p:cNvGraphicFramePr>
-            <a:graphicFrameLocks/>
-          </p:cNvGraphicFramePr>
-          <p:nvPr>
-            <p:extLst>
-              <p:ext uri="{D42A27DB-BD31-4B8C-83A1-F6EECF244321}">
-                <p14:modId xmlns:p14="http://schemas.microsoft.com/office/powerpoint/2010/main" val="733431291"/>
-              </p:ext>
-            </p:extLst>
-          </p:nvPr>
-        </p:nvGraphicFramePr>
-        <p:xfrm>
-          <a:off x="2164291" y="1690688"/>
-          <a:ext cx="7863417" cy="4718050"/>
-        </p:xfrm>
-        <a:graphic>
-          <a:graphicData uri="http://schemas.openxmlformats.org/drawingml/2006/chart">
-            <c:chart xmlns:c="http://schemas.openxmlformats.org/drawingml/2006/chart" xmlns:r="http://schemas.openxmlformats.org/officeDocument/2006/relationships" r:id="rId2"/>
-          </a:graphicData>
-        </a:graphic>
-      </p:graphicFrame>
+      <p:sp>
+        <p:nvSpPr>
+          <p:cNvPr id="3" name="Content Placeholder 2"/>
+          <p:cNvSpPr>
+            <a:spLocks noGrp="1"/>
+          </p:cNvSpPr>
+          <p:nvPr>
+            <p:ph idx="1"/>
+          </p:nvPr>
+        </p:nvSpPr>
+        <p:spPr/>
+        <p:txBody>
+          <a:bodyPr/>
+          <a:lstStyle/>
+          <a:p>
+            <a:r>
+              <a:rPr lang="en-US" dirty="0" smtClean="0"/>
+              <a:t>Principles of algorithm:</a:t>
+            </a:r>
+          </a:p>
+          <a:p>
+            <a:pPr lvl="1"/>
+            <a:r>
+              <a:rPr lang="en-US" dirty="0"/>
+              <a:t>S</a:t>
+            </a:r>
+            <a:r>
+              <a:rPr lang="en-US" dirty="0" smtClean="0"/>
+              <a:t>tretch of DNA flanked by start &amp; end codons</a:t>
+            </a:r>
+          </a:p>
+          <a:p>
+            <a:pPr lvl="1"/>
+            <a:r>
+              <a:rPr lang="en-US" dirty="0" smtClean="0"/>
+              <a:t>6 reading frames, 3 per strand</a:t>
+            </a:r>
+          </a:p>
+          <a:p>
+            <a:pPr lvl="1"/>
+            <a:r>
+              <a:rPr lang="en-US" dirty="0" smtClean="0"/>
+              <a:t>Prokaryotic ORFs &gt; 300bp</a:t>
+            </a:r>
+          </a:p>
+          <a:p>
+            <a:pPr lvl="1"/>
+            <a:r>
+              <a:rPr lang="en-US" dirty="0" smtClean="0"/>
+              <a:t>Eukaryotic ORFs between 100 to 1500bp</a:t>
+            </a:r>
+          </a:p>
+          <a:p>
+            <a:pPr lvl="1"/>
+            <a:r>
+              <a:rPr lang="en-US" dirty="0" smtClean="0"/>
+              <a:t>Overlap removal using Dynamic Programming (DP)</a:t>
+            </a:r>
+          </a:p>
+        </p:txBody>
+      </p:sp>
     </p:spTree>
     <p:extLst>
       <p:ext uri="{BB962C8B-B14F-4D97-AF65-F5344CB8AC3E}">
-        <p14:creationId xmlns:p14="http://schemas.microsoft.com/office/powerpoint/2010/main" val="327056190"/>
+        <p14:creationId xmlns:p14="http://schemas.microsoft.com/office/powerpoint/2010/main" val="901600328"/>
       </p:ext>
     </p:extLst>
   </p:cSld>
@@ -10304,88 +10797,47 @@
           <a:lstStyle/>
           <a:p>
             <a:r>
-              <a:rPr lang="en-US" dirty="0" smtClean="0">
-                <a:latin typeface="Helvetica" charset="0"/>
-                <a:ea typeface="Helvetica" charset="0"/>
-                <a:cs typeface="Helvetica" charset="0"/>
-              </a:rPr>
-              <a:t>Predicted ORFs</a:t>
-            </a:r>
-            <a:endParaRPr lang="en-US" dirty="0">
-              <a:latin typeface="Helvetica" charset="0"/>
-              <a:ea typeface="Helvetica" charset="0"/>
-              <a:cs typeface="Helvetica" charset="0"/>
-            </a:endParaRPr>
-          </a:p>
-        </p:txBody>
-      </p:sp>
-      <p:sp>
-        <p:nvSpPr>
-          <p:cNvPr id="3" name="Content Placeholder 2"/>
-          <p:cNvSpPr>
-            <a:spLocks noGrp="1"/>
-          </p:cNvSpPr>
-          <p:nvPr>
-            <p:ph idx="1"/>
-          </p:nvPr>
-        </p:nvSpPr>
-        <p:spPr/>
-        <p:txBody>
-          <a:bodyPr/>
-          <a:lstStyle/>
-          <a:p>
-            <a:r>
-              <a:rPr lang="en-US" dirty="0" smtClean="0">
-                <a:latin typeface="Helvetica" charset="0"/>
-                <a:ea typeface="Helvetica" charset="0"/>
-                <a:cs typeface="Helvetica" charset="0"/>
-              </a:rPr>
-              <a:t>Basic assumptions for ORFs</a:t>
-            </a:r>
-          </a:p>
-          <a:p>
-            <a:r>
-              <a:rPr lang="en-US" dirty="0" smtClean="0">
-                <a:latin typeface="Helvetica" charset="0"/>
-                <a:ea typeface="Helvetica" charset="0"/>
-                <a:cs typeface="Helvetica" charset="0"/>
-              </a:rPr>
-              <a:t>ORF count</a:t>
-            </a:r>
-          </a:p>
-          <a:p>
-            <a:r>
-              <a:rPr lang="en-US" dirty="0" smtClean="0">
-                <a:latin typeface="Helvetica" charset="0"/>
-                <a:ea typeface="Helvetica" charset="0"/>
-                <a:cs typeface="Helvetica" charset="0"/>
-              </a:rPr>
-              <a:t>Examples and statistics (f1 score) -&gt; 44.fa.txt</a:t>
-            </a:r>
-          </a:p>
-          <a:p>
-            <a:r>
-              <a:rPr lang="en-US" dirty="0" smtClean="0">
-                <a:latin typeface="Helvetica" charset="0"/>
-                <a:ea typeface="Helvetica" charset="0"/>
-                <a:cs typeface="Helvetica" charset="0"/>
-              </a:rPr>
-              <a:t>Additional improvements</a:t>
-            </a:r>
-          </a:p>
-          <a:p>
-            <a:endParaRPr lang="en-US" dirty="0">
-              <a:latin typeface="Helvetica" charset="0"/>
-              <a:ea typeface="Helvetica" charset="0"/>
-              <a:cs typeface="Helvetica" charset="0"/>
-            </a:endParaRPr>
-          </a:p>
-        </p:txBody>
-      </p:sp>
+              <a:rPr lang="en-US" dirty="0" smtClean="0"/>
+              <a:t>ORF Finder results</a:t>
+            </a:r>
+            <a:endParaRPr lang="en-US" dirty="0"/>
+          </a:p>
+        </p:txBody>
+      </p:sp>
+      <p:pic>
+        <p:nvPicPr>
+          <p:cNvPr id="6" name="Picture 5"/>
+          <p:cNvPicPr>
+            <a:picLocks noChangeAspect="1"/>
+          </p:cNvPicPr>
+          <p:nvPr/>
+        </p:nvPicPr>
+        <p:blipFill>
+          <a:blip r:embed="rId3">
+            <a:extLst>
+              <a:ext uri="{28A0092B-C50C-407E-A947-70E740481C1C}">
+                <a14:useLocalDpi xmlns:a14="http://schemas.microsoft.com/office/drawing/2010/main" val="0"/>
+              </a:ext>
+            </a:extLst>
+          </a:blip>
+          <a:stretch>
+            <a:fillRect/>
+          </a:stretch>
+        </p:blipFill>
+        <p:spPr>
+          <a:xfrm>
+            <a:off x="2569457" y="1989975"/>
+            <a:ext cx="6853586" cy="3529676"/>
+          </a:xfrm>
+          <a:prstGeom prst="rect">
+            <a:avLst/>
+          </a:prstGeom>
+        </p:spPr>
+      </p:pic>
     </p:spTree>
     <p:extLst>
       <p:ext uri="{BB962C8B-B14F-4D97-AF65-F5344CB8AC3E}">
-        <p14:creationId xmlns:p14="http://schemas.microsoft.com/office/powerpoint/2010/main" val="795297580"/>
+        <p14:creationId xmlns:p14="http://schemas.microsoft.com/office/powerpoint/2010/main" val="2124591776"/>
       </p:ext>
     </p:extLst>
   </p:cSld>
@@ -10436,7 +10888,7 @@
           <a:p>
             <a:r>
               <a:rPr lang="en-US" dirty="0" smtClean="0"/>
-              <a:t>ORF Finder</a:t>
+              <a:t>Performance analysis</a:t>
             </a:r>
             <a:endParaRPr lang="en-US" dirty="0"/>
           </a:p>
@@ -10459,54 +10911,52 @@
           <a:p>
             <a:r>
               <a:rPr lang="en-US" dirty="0" smtClean="0"/>
-              <a:t>Principles of algorithm:</a:t>
-            </a:r>
-          </a:p>
-          <a:p>
-            <a:pPr lvl="1"/>
-            <a:r>
-              <a:rPr lang="en-US" dirty="0"/>
-              <a:t>S</a:t>
+              <a:t>Example: 44.fa.txt (</a:t>
+            </a:r>
+            <a:r>
+              <a:rPr lang="en-US" i="1" dirty="0" smtClean="0"/>
+              <a:t>L. </a:t>
+            </a:r>
+            <a:r>
+              <a:rPr lang="en-US" i="1" dirty="0" err="1" smtClean="0"/>
+              <a:t>gelidum</a:t>
             </a:r>
             <a:r>
               <a:rPr lang="en-US" dirty="0" smtClean="0"/>
-              <a:t>tretch of DNA flanked by start &amp; end codons</a:t>
-            </a:r>
-          </a:p>
-          <a:p>
-            <a:pPr lvl="1"/>
-            <a:r>
-              <a:rPr lang="en-US" dirty="0" smtClean="0"/>
-              <a:t>6 reading frames, 3 per strand</a:t>
-            </a:r>
-          </a:p>
-          <a:p>
-            <a:pPr lvl="1"/>
-            <a:r>
-              <a:rPr lang="en-US" dirty="0" smtClean="0"/>
-              <a:t>Prokaryotic ORFs &gt; 300bp</a:t>
-            </a:r>
-          </a:p>
-          <a:p>
-            <a:pPr lvl="1"/>
-            <a:r>
-              <a:rPr lang="en-US" dirty="0" smtClean="0"/>
-              <a:t>Eukaryotic ORFs between 100 to 1500bp</a:t>
-            </a:r>
-          </a:p>
-          <a:p>
-            <a:pPr lvl="1"/>
-            <a:r>
-              <a:rPr lang="en-US" dirty="0" smtClean="0"/>
-              <a:t>Overlap removal using Dynamic Programming (DP)</a:t>
-            </a:r>
-          </a:p>
-        </p:txBody>
-      </p:sp>
+              <a:t>)</a:t>
+            </a:r>
+            <a:endParaRPr lang="en-US" dirty="0"/>
+          </a:p>
+        </p:txBody>
+      </p:sp>
+      <p:pic>
+        <p:nvPicPr>
+          <p:cNvPr id="5" name="Picture 4"/>
+          <p:cNvPicPr>
+            <a:picLocks noChangeAspect="1"/>
+          </p:cNvPicPr>
+          <p:nvPr/>
+        </p:nvPicPr>
+        <p:blipFill>
+          <a:blip r:embed="rId3"/>
+          <a:stretch>
+            <a:fillRect/>
+          </a:stretch>
+        </p:blipFill>
+        <p:spPr>
+          <a:xfrm>
+            <a:off x="3804849" y="3256670"/>
+            <a:ext cx="4582302" cy="1489248"/>
+          </a:xfrm>
+          <a:prstGeom prst="rect">
+            <a:avLst/>
+          </a:prstGeom>
+        </p:spPr>
+      </p:pic>
     </p:spTree>
     <p:extLst>
       <p:ext uri="{BB962C8B-B14F-4D97-AF65-F5344CB8AC3E}">
-        <p14:creationId xmlns:p14="http://schemas.microsoft.com/office/powerpoint/2010/main" val="901600328"/>
+        <p14:creationId xmlns:p14="http://schemas.microsoft.com/office/powerpoint/2010/main" val="30445591"/>
       </p:ext>
     </p:extLst>
   </p:cSld>

--- a/final_project/final_presentation.pptx
+++ b/final_project/final_presentation.pptx
@@ -5,7 +5,7 @@
     <p:sldMasterId id="2147483648" r:id="rId1"/>
   </p:sldMasterIdLst>
   <p:notesMasterIdLst>
-    <p:notesMasterId r:id="rId17"/>
+    <p:notesMasterId r:id="rId16"/>
   </p:notesMasterIdLst>
   <p:sldIdLst>
     <p:sldId id="256" r:id="rId2"/>
@@ -18,11 +18,10 @@
     <p:sldId id="270" r:id="rId9"/>
     <p:sldId id="271" r:id="rId10"/>
     <p:sldId id="273" r:id="rId11"/>
-    <p:sldId id="261" r:id="rId12"/>
-    <p:sldId id="267" r:id="rId13"/>
+    <p:sldId id="274" r:id="rId12"/>
+    <p:sldId id="275" r:id="rId13"/>
     <p:sldId id="262" r:id="rId14"/>
-    <p:sldId id="268" r:id="rId15"/>
-    <p:sldId id="269" r:id="rId16"/>
+    <p:sldId id="269" r:id="rId15"/>
   </p:sldIdLst>
   <p:sldSz cx="12192000" cy="6858000"/>
   <p:notesSz cx="6858000" cy="9144000"/>
@@ -4845,10 +4844,6 @@
           <a:bodyPr/>
           <a:lstStyle/>
           <a:p>
-            <a:r>
-              <a:rPr lang="en-US" dirty="0" smtClean="0"/>
-              <a:t>D</a:t>
-            </a:r>
             <a:endParaRPr lang="en-US" dirty="0"/>
           </a:p>
         </p:txBody>
@@ -4870,7 +4865,7 @@
           <a:p>
             <a:fld id="{C8876271-C828-EB47-901C-3294B307AE95}" type="slidenum">
               <a:rPr lang="en-US" smtClean="0"/>
-              <a:t>11</a:t>
+              <a:t>10</a:t>
             </a:fld>
             <a:endParaRPr lang="en-US"/>
           </a:p>
@@ -4879,7 +4874,7 @@
     </p:spTree>
     <p:extLst>
       <p:ext uri="{BB962C8B-B14F-4D97-AF65-F5344CB8AC3E}">
-        <p14:creationId xmlns:p14="http://schemas.microsoft.com/office/powerpoint/2010/main" val="1578629325"/>
+        <p14:creationId xmlns:p14="http://schemas.microsoft.com/office/powerpoint/2010/main" val="1384663176"/>
       </p:ext>
     </p:extLst>
   </p:cSld>
@@ -4937,6 +4932,33 @@
               <a:rPr lang="en-US" dirty="0" smtClean="0"/>
               <a:t>D</a:t>
             </a:r>
+          </a:p>
+          <a:p>
+            <a:endParaRPr lang="en-US" dirty="0" smtClean="0"/>
+          </a:p>
+          <a:p>
+            <a:r>
+              <a:rPr lang="en-US" dirty="0" smtClean="0"/>
+              <a:t>Unsure which</a:t>
+            </a:r>
+            <a:r>
+              <a:rPr lang="en-US" baseline="0" dirty="0" smtClean="0"/>
+              <a:t> metric was going to be the most efficient, so produced distance matrices for all 3, followed by plotting and comparison.</a:t>
+            </a:r>
+          </a:p>
+          <a:p>
+            <a:endParaRPr lang="en-US" baseline="0" dirty="0" smtClean="0"/>
+          </a:p>
+          <a:p>
+            <a:r>
+              <a:rPr lang="en-US" baseline="0" dirty="0" smtClean="0"/>
+              <a:t>Abs = absolute value, has the same effect as square followed by square root.</a:t>
+            </a:r>
+          </a:p>
+          <a:p>
+            <a:endParaRPr lang="en-US" baseline="0" dirty="0" smtClean="0"/>
+          </a:p>
+          <a:p>
             <a:endParaRPr lang="en-US" dirty="0"/>
           </a:p>
         </p:txBody>
@@ -4958,7 +4980,7 @@
           <a:p>
             <a:fld id="{C8876271-C828-EB47-901C-3294B307AE95}" type="slidenum">
               <a:rPr lang="en-US" smtClean="0"/>
-              <a:t>12</a:t>
+              <a:t>11</a:t>
             </a:fld>
             <a:endParaRPr lang="en-US"/>
           </a:p>
@@ -4967,7 +4989,7 @@
     </p:spTree>
     <p:extLst>
       <p:ext uri="{BB962C8B-B14F-4D97-AF65-F5344CB8AC3E}">
-        <p14:creationId xmlns:p14="http://schemas.microsoft.com/office/powerpoint/2010/main" val="1521362302"/>
+        <p14:creationId xmlns:p14="http://schemas.microsoft.com/office/powerpoint/2010/main" val="808979079"/>
       </p:ext>
     </p:extLst>
   </p:cSld>
@@ -5032,6 +5054,124 @@
           <a:p>
             <a:r>
               <a:rPr lang="en-US" dirty="0" smtClean="0"/>
+              <a:t>Dinucleotide frequency based distance</a:t>
+            </a:r>
+          </a:p>
+          <a:p>
+            <a:endParaRPr lang="en-US" dirty="0" smtClean="0"/>
+          </a:p>
+          <a:p>
+            <a:r>
+              <a:rPr lang="en-US" dirty="0" smtClean="0"/>
+              <a:t>Important</a:t>
+            </a:r>
+            <a:r>
+              <a:rPr lang="en-US" baseline="0" dirty="0" smtClean="0"/>
+              <a:t> to note that the tree has been normalized, by multiplying all values by 1000, to make branch lengths more distinguishable. Prior attempts at normalizing using min/max or l1/l2 methods within </a:t>
+            </a:r>
+            <a:r>
+              <a:rPr lang="en-US" baseline="0" dirty="0" err="1" smtClean="0"/>
+              <a:t>scikitlearn</a:t>
+            </a:r>
+            <a:r>
+              <a:rPr lang="en-US" baseline="0" dirty="0" smtClean="0"/>
+              <a:t> were hard to implement due to inconsistent changes to values that should have been the same (16/20 and 20/16).</a:t>
+            </a:r>
+            <a:endParaRPr lang="en-US" dirty="0"/>
+          </a:p>
+        </p:txBody>
+      </p:sp>
+      <p:sp>
+        <p:nvSpPr>
+          <p:cNvPr id="4" name="Slide Number Placeholder 3"/>
+          <p:cNvSpPr>
+            <a:spLocks noGrp="1"/>
+          </p:cNvSpPr>
+          <p:nvPr>
+            <p:ph type="sldNum" sz="quarter" idx="10"/>
+          </p:nvPr>
+        </p:nvSpPr>
+        <p:spPr/>
+        <p:txBody>
+          <a:bodyPr/>
+          <a:lstStyle/>
+          <a:p>
+            <a:fld id="{C8876271-C828-EB47-901C-3294B307AE95}" type="slidenum">
+              <a:rPr lang="en-US" smtClean="0"/>
+              <a:t>12</a:t>
+            </a:fld>
+            <a:endParaRPr lang="en-US"/>
+          </a:p>
+        </p:txBody>
+      </p:sp>
+    </p:spTree>
+    <p:extLst>
+      <p:ext uri="{BB962C8B-B14F-4D97-AF65-F5344CB8AC3E}">
+        <p14:creationId xmlns:p14="http://schemas.microsoft.com/office/powerpoint/2010/main" val="122139353"/>
+      </p:ext>
+    </p:extLst>
+  </p:cSld>
+  <p:clrMapOvr>
+    <a:masterClrMapping/>
+  </p:clrMapOvr>
+</p:notes>
+</file>
+
+<file path=ppt/notesSlides/notesSlide13.xml><?xml version="1.0" encoding="utf-8"?>
+<p:notes xmlns:a="http://schemas.openxmlformats.org/drawingml/2006/main" xmlns:r="http://schemas.openxmlformats.org/officeDocument/2006/relationships" xmlns:p="http://schemas.openxmlformats.org/presentationml/2006/main">
+  <p:cSld>
+    <p:spTree>
+      <p:nvGrpSpPr>
+        <p:cNvPr id="1" name=""/>
+        <p:cNvGrpSpPr/>
+        <p:nvPr/>
+      </p:nvGrpSpPr>
+      <p:grpSpPr>
+        <a:xfrm>
+          <a:off x="0" y="0"/>
+          <a:ext cx="0" cy="0"/>
+          <a:chOff x="0" y="0"/>
+          <a:chExt cx="0" cy="0"/>
+        </a:xfrm>
+      </p:grpSpPr>
+      <p:sp>
+        <p:nvSpPr>
+          <p:cNvPr id="2" name="Slide Image Placeholder 1"/>
+          <p:cNvSpPr>
+            <a:spLocks noGrp="1" noRot="1" noChangeAspect="1"/>
+          </p:cNvSpPr>
+          <p:nvPr>
+            <p:ph type="sldImg"/>
+          </p:nvPr>
+        </p:nvSpPr>
+        <p:spPr/>
+      </p:sp>
+      <p:sp>
+        <p:nvSpPr>
+          <p:cNvPr id="3" name="Notes Placeholder 2"/>
+          <p:cNvSpPr>
+            <a:spLocks noGrp="1"/>
+          </p:cNvSpPr>
+          <p:nvPr>
+            <p:ph type="body" idx="1"/>
+          </p:nvPr>
+        </p:nvSpPr>
+        <p:spPr/>
+        <p:txBody>
+          <a:bodyPr/>
+          <a:lstStyle/>
+          <a:p>
+            <a:r>
+              <a:rPr lang="en-US" dirty="0" smtClean="0"/>
+              <a:t>D</a:t>
+            </a:r>
+          </a:p>
+          <a:p>
+            <a:endParaRPr lang="en-US" dirty="0" smtClean="0"/>
+          </a:p>
+          <a:p>
+            <a:r>
+              <a:rPr lang="en-US" dirty="0" smtClean="0"/>
               <a:t>Why </a:t>
             </a:r>
             <a:r>
@@ -5040,11 +5180,41 @@
             </a:r>
             <a:r>
               <a:rPr lang="en-US" dirty="0" smtClean="0"/>
-              <a:t>, why dinucleotide</a:t>
+              <a:t> -&gt; default</a:t>
             </a:r>
             <a:r>
               <a:rPr lang="en-US" baseline="0" dirty="0" smtClean="0"/>
-              <a:t> frequencies</a:t>
+              <a:t> distance correction, was complicated to use more flags with “R” </a:t>
+            </a:r>
+            <a:r>
+              <a:rPr lang="en-US" dirty="0" smtClean="0"/>
+              <a:t>function</a:t>
+            </a:r>
+            <a:r>
+              <a:rPr lang="en-US" baseline="0" dirty="0" smtClean="0"/>
+              <a:t> required to feed distance matrices to </a:t>
+            </a:r>
+            <a:r>
+              <a:rPr lang="en-US" baseline="0" dirty="0" err="1" smtClean="0"/>
+              <a:t>Belvu</a:t>
+            </a:r>
+            <a:r>
+              <a:rPr lang="en-US" baseline="0" dirty="0" smtClean="0"/>
+              <a:t>. </a:t>
+            </a:r>
+            <a:endParaRPr lang="en-US" dirty="0" smtClean="0"/>
+          </a:p>
+          <a:p>
+            <a:endParaRPr lang="en-US" dirty="0" smtClean="0"/>
+          </a:p>
+          <a:p>
+            <a:r>
+              <a:rPr lang="en-US" dirty="0" smtClean="0"/>
+              <a:t>Both nucleotide</a:t>
+            </a:r>
+            <a:r>
+              <a:rPr lang="en-US" baseline="0" dirty="0" smtClean="0"/>
+              <a:t> and dinucleotide distance measures gave the same tree structure, with slightly varying branch lengths.</a:t>
             </a:r>
             <a:endParaRPr lang="en-US" dirty="0"/>
           </a:p>
@@ -5398,6 +5568,15 @@
               <a:rPr lang="en-US" dirty="0" smtClean="0"/>
               <a:t>D</a:t>
             </a:r>
+          </a:p>
+          <a:p>
+            <a:endParaRPr lang="en-US" dirty="0" smtClean="0"/>
+          </a:p>
+          <a:p>
+            <a:r>
+              <a:rPr lang="en-US" dirty="0" smtClean="0"/>
+              <a:t>Fairly even distribution across all the genomes, with 16 and 47 having slightly more enriched GC content compared to the others.</a:t>
+            </a:r>
             <a:endParaRPr lang="en-US" dirty="0"/>
           </a:p>
         </p:txBody>
@@ -5485,6 +5664,19 @@
             <a:r>
               <a:rPr lang="en-US" dirty="0" smtClean="0"/>
               <a:t>D</a:t>
+            </a:r>
+          </a:p>
+          <a:p>
+            <a:endParaRPr lang="en-US" dirty="0" smtClean="0"/>
+          </a:p>
+          <a:p>
+            <a:r>
+              <a:rPr lang="en-US" dirty="0" smtClean="0"/>
+              <a:t>Same GC distribution visible</a:t>
+            </a:r>
+            <a:r>
+              <a:rPr lang="en-US" baseline="0" dirty="0" smtClean="0"/>
+              <a:t> here, apart from that fairly normal distribution.</a:t>
             </a:r>
             <a:endParaRPr lang="en-US" dirty="0"/>
           </a:p>
@@ -8847,7 +9039,7 @@
         </p:xfrm>
         <a:graphic>
           <a:graphicData uri="http://schemas.openxmlformats.org/drawingml/2006/chart">
-            <c:chart xmlns:c="http://schemas.openxmlformats.org/drawingml/2006/chart" xmlns:r="http://schemas.openxmlformats.org/officeDocument/2006/relationships" r:id="rId2"/>
+            <c:chart xmlns:c="http://schemas.openxmlformats.org/drawingml/2006/chart" xmlns:r="http://schemas.openxmlformats.org/officeDocument/2006/relationships" r:id="rId3"/>
           </a:graphicData>
         </a:graphic>
       </p:graphicFrame>
@@ -8904,18 +9096,10 @@
           <a:lstStyle/>
           <a:p>
             <a:r>
-              <a:rPr lang="en-US" dirty="0" smtClean="0">
-                <a:latin typeface="Helvetica" charset="0"/>
-                <a:ea typeface="Helvetica" charset="0"/>
-                <a:cs typeface="Helvetica" charset="0"/>
-              </a:rPr>
-              <a:t>Distance Matrix</a:t>
-            </a:r>
-            <a:endParaRPr lang="en-US" dirty="0">
-              <a:latin typeface="Helvetica" charset="0"/>
-              <a:ea typeface="Helvetica" charset="0"/>
-              <a:cs typeface="Helvetica" charset="0"/>
-            </a:endParaRPr>
+              <a:rPr lang="en-US" dirty="0" smtClean="0"/>
+              <a:t>3 Distance measures</a:t>
+            </a:r>
+            <a:endParaRPr lang="en-US" dirty="0"/>
           </a:p>
         </p:txBody>
       </p:sp>
@@ -8935,45 +9119,104 @@
           <a:lstStyle/>
           <a:p>
             <a:r>
-              <a:rPr lang="en-US" dirty="0" smtClean="0">
-                <a:latin typeface="Helvetica" charset="0"/>
-                <a:ea typeface="Helvetica" charset="0"/>
-                <a:cs typeface="Helvetica" charset="0"/>
-              </a:rPr>
-              <a:t>Distance method used</a:t>
-            </a:r>
-          </a:p>
-          <a:p>
-            <a:r>
-              <a:rPr lang="en-US" dirty="0" smtClean="0">
-                <a:latin typeface="Helvetica" charset="0"/>
-                <a:ea typeface="Helvetica" charset="0"/>
-                <a:cs typeface="Helvetica" charset="0"/>
-              </a:rPr>
-              <a:t>Show tree</a:t>
-            </a:r>
-          </a:p>
-          <a:p>
-            <a:r>
-              <a:rPr lang="en-US" dirty="0" smtClean="0">
-                <a:latin typeface="Helvetica" charset="0"/>
-                <a:ea typeface="Helvetica" charset="0"/>
-                <a:cs typeface="Helvetica" charset="0"/>
-              </a:rPr>
-              <a:t>Compare tree with older tree</a:t>
-            </a:r>
-            <a:endParaRPr lang="en-US" dirty="0">
-              <a:latin typeface="Helvetica" charset="0"/>
-              <a:ea typeface="Helvetica" charset="0"/>
-              <a:cs typeface="Helvetica" charset="0"/>
+              <a:rPr lang="en-US" dirty="0" smtClean="0"/>
+              <a:t>Multiple distance measures used:</a:t>
+            </a:r>
+          </a:p>
+          <a:p>
+            <a:pPr lvl="1"/>
+            <a:r>
+              <a:rPr lang="en-US" dirty="0" smtClean="0"/>
+              <a:t>GC value distance</a:t>
+            </a:r>
+          </a:p>
+          <a:p>
+            <a:pPr lvl="1"/>
+            <a:r>
+              <a:rPr lang="en-US" dirty="0" smtClean="0"/>
+              <a:t>Nucleotide value distance &amp;</a:t>
+            </a:r>
+          </a:p>
+          <a:p>
+            <a:pPr lvl="1"/>
+            <a:r>
+              <a:rPr lang="en-US" dirty="0" smtClean="0"/>
+              <a:t>Dinucleotide value distance</a:t>
+            </a:r>
+          </a:p>
+          <a:p>
+            <a:endParaRPr lang="en-US" b="0" i="1" dirty="0" smtClean="0">
+              <a:latin typeface="Cambria Math" charset="0"/>
+              <a:ea typeface="Cambria Math" charset="0"/>
+              <a:cs typeface="Cambria Math" charset="0"/>
             </a:endParaRPr>
           </a:p>
         </p:txBody>
       </p:sp>
+      <p:pic>
+        <p:nvPicPr>
+          <p:cNvPr id="4" name="Picture 3"/>
+          <p:cNvPicPr>
+            <a:picLocks noChangeAspect="1"/>
+          </p:cNvPicPr>
+          <p:nvPr/>
+        </p:nvPicPr>
+        <p:blipFill>
+          <a:blip r:embed="rId3">
+            <a:extLst>
+              <a:ext uri="{28A0092B-C50C-407E-A947-70E740481C1C}">
+                <a14:useLocalDpi xmlns:a14="http://schemas.microsoft.com/office/drawing/2010/main" val="0"/>
+              </a:ext>
+            </a:extLst>
+          </a:blip>
+          <a:stretch>
+            <a:fillRect/>
+          </a:stretch>
+        </p:blipFill>
+        <p:spPr>
+          <a:xfrm>
+            <a:off x="1905694" y="3696544"/>
+            <a:ext cx="8380611" cy="609499"/>
+          </a:xfrm>
+          <a:prstGeom prst="rect">
+            <a:avLst/>
+          </a:prstGeom>
+        </p:spPr>
+      </p:pic>
+      <p:pic>
+        <p:nvPicPr>
+          <p:cNvPr id="5" name="Picture 4"/>
+          <p:cNvPicPr>
+            <a:picLocks noChangeAspect="1"/>
+          </p:cNvPicPr>
+          <p:nvPr/>
+        </p:nvPicPr>
+        <p:blipFill>
+          <a:blip r:embed="rId4">
+            <a:extLst>
+              <a:ext uri="{28A0092B-C50C-407E-A947-70E740481C1C}">
+                <a14:useLocalDpi xmlns:a14="http://schemas.microsoft.com/office/drawing/2010/main" val="0"/>
+              </a:ext>
+            </a:extLst>
+          </a:blip>
+          <a:stretch>
+            <a:fillRect/>
+          </a:stretch>
+        </p:blipFill>
+        <p:spPr>
+          <a:xfrm>
+            <a:off x="533239" y="4663636"/>
+            <a:ext cx="11125520" cy="772888"/>
+          </a:xfrm>
+          <a:prstGeom prst="rect">
+            <a:avLst/>
+          </a:prstGeom>
+        </p:spPr>
+      </p:pic>
     </p:spTree>
     <p:extLst>
       <p:ext uri="{BB962C8B-B14F-4D97-AF65-F5344CB8AC3E}">
-        <p14:creationId xmlns:p14="http://schemas.microsoft.com/office/powerpoint/2010/main" val="628208132"/>
+        <p14:creationId xmlns:p14="http://schemas.microsoft.com/office/powerpoint/2010/main" val="51282455"/>
       </p:ext>
     </p:extLst>
   </p:cSld>
@@ -8983,7 +9226,165 @@
   <p:timing>
     <p:tnLst>
       <p:par>
-        <p:cTn id="1" dur="indefinite" restart="never" nodeType="tmRoot"/>
+        <p:cTn id="1" dur="indefinite" restart="never" nodeType="tmRoot">
+          <p:childTnLst>
+            <p:seq concurrent="1" nextAc="seek">
+              <p:cTn id="2" dur="indefinite" nodeType="mainSeq">
+                <p:childTnLst>
+                  <p:par>
+                    <p:cTn id="3" fill="hold">
+                      <p:stCondLst>
+                        <p:cond delay="indefinite"/>
+                      </p:stCondLst>
+                      <p:childTnLst>
+                        <p:par>
+                          <p:cTn id="4" fill="hold">
+                            <p:stCondLst>
+                              <p:cond delay="0"/>
+                            </p:stCondLst>
+                            <p:childTnLst>
+                              <p:par>
+                                <p:cTn id="5" presetID="1" presetClass="entr" presetSubtype="0" fill="hold" nodeType="clickEffect">
+                                  <p:stCondLst>
+                                    <p:cond delay="0"/>
+                                  </p:stCondLst>
+                                  <p:childTnLst>
+                                    <p:set>
+                                      <p:cBhvr>
+                                        <p:cTn id="6" dur="1" fill="hold">
+                                          <p:stCondLst>
+                                            <p:cond delay="0"/>
+                                          </p:stCondLst>
+                                        </p:cTn>
+                                        <p:tgtEl>
+                                          <p:spTgt spid="4"/>
+                                        </p:tgtEl>
+                                        <p:attrNameLst>
+                                          <p:attrName>style.visibility</p:attrName>
+                                        </p:attrNameLst>
+                                      </p:cBhvr>
+                                      <p:to>
+                                        <p:strVal val="visible"/>
+                                      </p:to>
+                                    </p:set>
+                                  </p:childTnLst>
+                                </p:cTn>
+                              </p:par>
+                            </p:childTnLst>
+                          </p:cTn>
+                        </p:par>
+                      </p:childTnLst>
+                    </p:cTn>
+                  </p:par>
+                  <p:par>
+                    <p:cTn id="7" fill="hold">
+                      <p:stCondLst>
+                        <p:cond delay="indefinite"/>
+                      </p:stCondLst>
+                      <p:childTnLst>
+                        <p:par>
+                          <p:cTn id="8" fill="hold">
+                            <p:stCondLst>
+                              <p:cond delay="0"/>
+                            </p:stCondLst>
+                            <p:childTnLst>
+                              <p:par>
+                                <p:cTn id="9" presetID="1" presetClass="exit" presetSubtype="0" fill="hold" nodeType="clickEffect">
+                                  <p:stCondLst>
+                                    <p:cond delay="0"/>
+                                  </p:stCondLst>
+                                  <p:childTnLst>
+                                    <p:set>
+                                      <p:cBhvr>
+                                        <p:cTn id="10" dur="1" fill="hold">
+                                          <p:stCondLst>
+                                            <p:cond delay="0"/>
+                                          </p:stCondLst>
+                                        </p:cTn>
+                                        <p:tgtEl>
+                                          <p:spTgt spid="4"/>
+                                        </p:tgtEl>
+                                        <p:attrNameLst>
+                                          <p:attrName>style.visibility</p:attrName>
+                                        </p:attrNameLst>
+                                      </p:cBhvr>
+                                      <p:to>
+                                        <p:strVal val="hidden"/>
+                                      </p:to>
+                                    </p:set>
+                                  </p:childTnLst>
+                                </p:cTn>
+                              </p:par>
+                            </p:childTnLst>
+                          </p:cTn>
+                        </p:par>
+                      </p:childTnLst>
+                    </p:cTn>
+                  </p:par>
+                  <p:par>
+                    <p:cTn id="11" fill="hold">
+                      <p:stCondLst>
+                        <p:cond delay="indefinite"/>
+                      </p:stCondLst>
+                      <p:childTnLst>
+                        <p:par>
+                          <p:cTn id="12" fill="hold">
+                            <p:stCondLst>
+                              <p:cond delay="0"/>
+                            </p:stCondLst>
+                            <p:childTnLst>
+                              <p:par>
+                                <p:cTn id="13" presetID="1" presetClass="entr" presetSubtype="0" fill="hold" nodeType="clickEffect">
+                                  <p:stCondLst>
+                                    <p:cond delay="0"/>
+                                  </p:stCondLst>
+                                  <p:childTnLst>
+                                    <p:set>
+                                      <p:cBhvr>
+                                        <p:cTn id="14" dur="1" fill="hold">
+                                          <p:stCondLst>
+                                            <p:cond delay="0"/>
+                                          </p:stCondLst>
+                                        </p:cTn>
+                                        <p:tgtEl>
+                                          <p:spTgt spid="5"/>
+                                        </p:tgtEl>
+                                        <p:attrNameLst>
+                                          <p:attrName>style.visibility</p:attrName>
+                                        </p:attrNameLst>
+                                      </p:cBhvr>
+                                      <p:to>
+                                        <p:strVal val="visible"/>
+                                      </p:to>
+                                    </p:set>
+                                  </p:childTnLst>
+                                </p:cTn>
+                              </p:par>
+                            </p:childTnLst>
+                          </p:cTn>
+                        </p:par>
+                      </p:childTnLst>
+                    </p:cTn>
+                  </p:par>
+                </p:childTnLst>
+              </p:cTn>
+              <p:prevCondLst>
+                <p:cond evt="onPrev" delay="0">
+                  <p:tgtEl>
+                    <p:sldTgt/>
+                  </p:tgtEl>
+                </p:cond>
+              </p:prevCondLst>
+              <p:nextCondLst>
+                <p:cond evt="onNext" delay="0">
+                  <p:tgtEl>
+                    <p:sldTgt/>
+                  </p:tgtEl>
+                </p:cond>
+              </p:nextCondLst>
+            </p:seq>
+          </p:childTnLst>
+        </p:cTn>
       </p:par>
     </p:tnLst>
   </p:timing>
@@ -9024,39 +9425,44 @@
           <a:p>
             <a:r>
               <a:rPr lang="en-US" dirty="0" smtClean="0"/>
-              <a:t>Distance Calculation methods</a:t>
+              <a:t>Best reconstructed phylogenic tree</a:t>
             </a:r>
             <a:endParaRPr lang="en-US" dirty="0"/>
           </a:p>
         </p:txBody>
       </p:sp>
-      <p:sp>
-        <p:nvSpPr>
-          <p:cNvPr id="3" name="Content Placeholder 2"/>
-          <p:cNvSpPr>
-            <a:spLocks noGrp="1"/>
-          </p:cNvSpPr>
-          <p:nvPr>
-            <p:ph idx="1"/>
-          </p:nvPr>
-        </p:nvSpPr>
-        <p:spPr/>
-        <p:txBody>
-          <a:bodyPr/>
-          <a:lstStyle/>
-          <a:p>
-            <a:r>
-              <a:rPr lang="en-US" dirty="0" smtClean="0"/>
-              <a:t>Screenshots</a:t>
-            </a:r>
-            <a:endParaRPr lang="en-US" dirty="0"/>
-          </a:p>
-        </p:txBody>
-      </p:sp>
+      <p:pic>
+        <p:nvPicPr>
+          <p:cNvPr id="4" name="Picture 3"/>
+          <p:cNvPicPr/>
+          <p:nvPr/>
+        </p:nvPicPr>
+        <p:blipFill>
+          <a:blip r:embed="rId3">
+            <a:extLst>
+              <a:ext uri="{28A0092B-C50C-407E-A947-70E740481C1C}">
+                <a14:useLocalDpi xmlns:a14="http://schemas.microsoft.com/office/drawing/2010/main" val="0"/>
+              </a:ext>
+            </a:extLst>
+          </a:blip>
+          <a:stretch>
+            <a:fillRect/>
+          </a:stretch>
+        </p:blipFill>
+        <p:spPr>
+          <a:xfrm>
+            <a:off x="1026297" y="1823691"/>
+            <a:ext cx="10139405" cy="3147319"/>
+          </a:xfrm>
+          <a:prstGeom prst="rect">
+            <a:avLst/>
+          </a:prstGeom>
+        </p:spPr>
+      </p:pic>
     </p:spTree>
     <p:extLst>
       <p:ext uri="{BB962C8B-B14F-4D97-AF65-F5344CB8AC3E}">
-        <p14:creationId xmlns:p14="http://schemas.microsoft.com/office/powerpoint/2010/main" val="1370254840"/>
+        <p14:creationId xmlns:p14="http://schemas.microsoft.com/office/powerpoint/2010/main" val="254871076"/>
       </p:ext>
     </p:extLst>
   </p:cSld>
@@ -9986,81 +10392,6 @@
       </p:grpSpPr>
       <p:sp>
         <p:nvSpPr>
-          <p:cNvPr id="2" name="Title 1"/>
-          <p:cNvSpPr>
-            <a:spLocks noGrp="1"/>
-          </p:cNvSpPr>
-          <p:nvPr>
-            <p:ph type="title"/>
-          </p:nvPr>
-        </p:nvSpPr>
-        <p:spPr/>
-        <p:txBody>
-          <a:bodyPr/>
-          <a:lstStyle/>
-          <a:p>
-            <a:endParaRPr lang="en-US"/>
-          </a:p>
-        </p:txBody>
-      </p:sp>
-      <p:sp>
-        <p:nvSpPr>
-          <p:cNvPr id="3" name="Content Placeholder 2"/>
-          <p:cNvSpPr>
-            <a:spLocks noGrp="1"/>
-          </p:cNvSpPr>
-          <p:nvPr>
-            <p:ph idx="1"/>
-          </p:nvPr>
-        </p:nvSpPr>
-        <p:spPr/>
-        <p:txBody>
-          <a:bodyPr/>
-          <a:lstStyle/>
-          <a:p>
-            <a:endParaRPr lang="en-US"/>
-          </a:p>
-        </p:txBody>
-      </p:sp>
-    </p:spTree>
-    <p:extLst>
-      <p:ext uri="{BB962C8B-B14F-4D97-AF65-F5344CB8AC3E}">
-        <p14:creationId xmlns:p14="http://schemas.microsoft.com/office/powerpoint/2010/main" val="371267276"/>
-      </p:ext>
-    </p:extLst>
-  </p:cSld>
-  <p:clrMapOvr>
-    <a:masterClrMapping/>
-  </p:clrMapOvr>
-  <p:timing>
-    <p:tnLst>
-      <p:par>
-        <p:cTn id="1" dur="indefinite" restart="never" nodeType="tmRoot"/>
-      </p:par>
-    </p:tnLst>
-  </p:timing>
-</p:sld>
-</file>
-
-<file path=ppt/slides/slide15.xml><?xml version="1.0" encoding="utf-8"?>
-<p:sld xmlns:a="http://schemas.openxmlformats.org/drawingml/2006/main" xmlns:r="http://schemas.openxmlformats.org/officeDocument/2006/relationships" xmlns:p="http://schemas.openxmlformats.org/presentationml/2006/main">
-  <p:cSld>
-    <p:spTree>
-      <p:nvGrpSpPr>
-        <p:cNvPr id="1" name=""/>
-        <p:cNvGrpSpPr/>
-        <p:nvPr/>
-      </p:nvGrpSpPr>
-      <p:grpSpPr>
-        <a:xfrm>
-          <a:off x="0" y="0"/>
-          <a:ext cx="0" cy="0"/>
-          <a:chOff x="0" y="0"/>
-          <a:chExt cx="0" cy="0"/>
-        </a:xfrm>
-      </p:grpSpPr>
-      <p:sp>
-        <p:nvSpPr>
           <p:cNvPr id="4" name="Title 3"/>
           <p:cNvSpPr>
             <a:spLocks noGrp="1"/>

--- a/final_project/final_presentation.pptx
+++ b/final_project/final_presentation.pptx
@@ -5,23 +5,22 @@
     <p:sldMasterId id="2147483648" r:id="rId1"/>
   </p:sldMasterIdLst>
   <p:notesMasterIdLst>
-    <p:notesMasterId r:id="rId16"/>
+    <p:notesMasterId r:id="rId15"/>
   </p:notesMasterIdLst>
   <p:sldIdLst>
     <p:sldId id="256" r:id="rId2"/>
     <p:sldId id="257" r:id="rId3"/>
-    <p:sldId id="259" r:id="rId4"/>
-    <p:sldId id="272" r:id="rId5"/>
-    <p:sldId id="263" r:id="rId6"/>
-    <p:sldId id="264" r:id="rId7"/>
-    <p:sldId id="266" r:id="rId8"/>
-    <p:sldId id="270" r:id="rId9"/>
-    <p:sldId id="271" r:id="rId10"/>
-    <p:sldId id="273" r:id="rId11"/>
-    <p:sldId id="274" r:id="rId12"/>
-    <p:sldId id="275" r:id="rId13"/>
-    <p:sldId id="262" r:id="rId14"/>
-    <p:sldId id="269" r:id="rId15"/>
+    <p:sldId id="276" r:id="rId4"/>
+    <p:sldId id="263" r:id="rId5"/>
+    <p:sldId id="264" r:id="rId6"/>
+    <p:sldId id="277" r:id="rId7"/>
+    <p:sldId id="278" r:id="rId8"/>
+    <p:sldId id="279" r:id="rId9"/>
+    <p:sldId id="273" r:id="rId10"/>
+    <p:sldId id="274" r:id="rId11"/>
+    <p:sldId id="275" r:id="rId12"/>
+    <p:sldId id="262" r:id="rId13"/>
+    <p:sldId id="269" r:id="rId14"/>
   </p:sldIdLst>
   <p:sldSz cx="12192000" cy="6858000"/>
   <p:notesSz cx="6858000" cy="9144000"/>
@@ -4844,6 +4843,37 @@
           <a:bodyPr/>
           <a:lstStyle/>
           <a:p>
+            <a:r>
+              <a:rPr lang="en-US" dirty="0" smtClean="0"/>
+              <a:t>D</a:t>
+            </a:r>
+          </a:p>
+          <a:p>
+            <a:endParaRPr lang="en-US" dirty="0" smtClean="0"/>
+          </a:p>
+          <a:p>
+            <a:r>
+              <a:rPr lang="en-US" dirty="0" smtClean="0"/>
+              <a:t>Unsure which</a:t>
+            </a:r>
+            <a:r>
+              <a:rPr lang="en-US" baseline="0" dirty="0" smtClean="0"/>
+              <a:t> metric was going to be the most efficient, so produced distance matrices for all 3, followed by plotting and comparison.</a:t>
+            </a:r>
+          </a:p>
+          <a:p>
+            <a:endParaRPr lang="en-US" baseline="0" dirty="0" smtClean="0"/>
+          </a:p>
+          <a:p>
+            <a:r>
+              <a:rPr lang="en-US" baseline="0" dirty="0" smtClean="0"/>
+              <a:t>Abs = absolute value, has the same effect as square followed by square root.</a:t>
+            </a:r>
+          </a:p>
+          <a:p>
+            <a:endParaRPr lang="en-US" baseline="0" dirty="0" smtClean="0"/>
+          </a:p>
+          <a:p>
             <a:endParaRPr lang="en-US" dirty="0"/>
           </a:p>
         </p:txBody>
@@ -4874,7 +4904,7 @@
     </p:spTree>
     <p:extLst>
       <p:ext uri="{BB962C8B-B14F-4D97-AF65-F5344CB8AC3E}">
-        <p14:creationId xmlns:p14="http://schemas.microsoft.com/office/powerpoint/2010/main" val="1384663176"/>
+        <p14:creationId xmlns:p14="http://schemas.microsoft.com/office/powerpoint/2010/main" val="808979079"/>
       </p:ext>
     </p:extLst>
   </p:cSld>
@@ -4939,26 +4969,29 @@
           <a:p>
             <a:r>
               <a:rPr lang="en-US" dirty="0" smtClean="0"/>
-              <a:t>Unsure which</a:t>
+              <a:t>Dinucleotide frequency based distance</a:t>
+            </a:r>
+          </a:p>
+          <a:p>
+            <a:endParaRPr lang="en-US" dirty="0" smtClean="0"/>
+          </a:p>
+          <a:p>
+            <a:r>
+              <a:rPr lang="en-US" dirty="0" smtClean="0"/>
+              <a:t>Important</a:t>
             </a:r>
             <a:r>
               <a:rPr lang="en-US" baseline="0" dirty="0" smtClean="0"/>
-              <a:t> metric was going to be the most efficient, so produced distance matrices for all 3, followed by plotting and comparison.</a:t>
-            </a:r>
-          </a:p>
-          <a:p>
-            <a:endParaRPr lang="en-US" baseline="0" dirty="0" smtClean="0"/>
-          </a:p>
-          <a:p>
+              <a:t> to note that the tree has been normalized, by multiplying all values by 1000, to make branch lengths more distinguishable. Prior attempts at normalizing using min/max or l1/l2 methods within </a:t>
+            </a:r>
+            <a:r>
+              <a:rPr lang="en-US" baseline="0" dirty="0" err="1" smtClean="0"/>
+              <a:t>scikitlearn</a:t>
+            </a:r>
             <a:r>
               <a:rPr lang="en-US" baseline="0" dirty="0" smtClean="0"/>
-              <a:t>Abs = absolute value, has the same effect as square followed by square root.</a:t>
-            </a:r>
-          </a:p>
-          <a:p>
-            <a:endParaRPr lang="en-US" baseline="0" dirty="0" smtClean="0"/>
-          </a:p>
-          <a:p>
+              <a:t> were hard to implement due to inconsistent changes to values that should have been the same (16/20 and 20/16).</a:t>
+            </a:r>
             <a:endParaRPr lang="en-US" dirty="0"/>
           </a:p>
         </p:txBody>
@@ -4989,7 +5022,7 @@
     </p:spTree>
     <p:extLst>
       <p:ext uri="{BB962C8B-B14F-4D97-AF65-F5344CB8AC3E}">
-        <p14:creationId xmlns:p14="http://schemas.microsoft.com/office/powerpoint/2010/main" val="808979079"/>
+        <p14:creationId xmlns:p14="http://schemas.microsoft.com/office/powerpoint/2010/main" val="122139353"/>
       </p:ext>
     </p:extLst>
   </p:cSld>
@@ -5054,28 +5087,49 @@
           <a:p>
             <a:r>
               <a:rPr lang="en-US" dirty="0" smtClean="0"/>
-              <a:t>Dinucleotide frequency based distance</a:t>
-            </a:r>
-          </a:p>
-          <a:p>
+              <a:t>Why </a:t>
+            </a:r>
+            <a:r>
+              <a:rPr lang="en-US" dirty="0" err="1" smtClean="0"/>
+              <a:t>scoredist</a:t>
+            </a:r>
+            <a:r>
+              <a:rPr lang="en-US" dirty="0" smtClean="0"/>
+              <a:t> -&gt; default</a:t>
+            </a:r>
+            <a:r>
+              <a:rPr lang="en-US" baseline="0" dirty="0" smtClean="0"/>
+              <a:t> distance correction, was complicated to use more flags with “R” </a:t>
+            </a:r>
+            <a:r>
+              <a:rPr lang="en-US" dirty="0" smtClean="0"/>
+              <a:t>function</a:t>
+            </a:r>
+            <a:r>
+              <a:rPr lang="en-US" baseline="0" dirty="0" smtClean="0"/>
+              <a:t> required to feed distance matrices to </a:t>
+            </a:r>
+            <a:r>
+              <a:rPr lang="en-US" baseline="0" dirty="0" err="1" smtClean="0"/>
+              <a:t>Belvu</a:t>
+            </a:r>
+            <a:r>
+              <a:rPr lang="en-US" baseline="0" dirty="0" smtClean="0"/>
+              <a:t>. </a:t>
+            </a:r>
             <a:endParaRPr lang="en-US" dirty="0" smtClean="0"/>
           </a:p>
           <a:p>
+            <a:endParaRPr lang="en-US" dirty="0" smtClean="0"/>
+          </a:p>
+          <a:p>
             <a:r>
               <a:rPr lang="en-US" dirty="0" smtClean="0"/>
-              <a:t>Important</a:t>
+              <a:t>Both nucleotide</a:t>
             </a:r>
             <a:r>
               <a:rPr lang="en-US" baseline="0" dirty="0" smtClean="0"/>
-              <a:t> to note that the tree has been normalized, by multiplying all values by 1000, to make branch lengths more distinguishable. Prior attempts at normalizing using min/max or l1/l2 methods within </a:t>
-            </a:r>
-            <a:r>
-              <a:rPr lang="en-US" baseline="0" dirty="0" err="1" smtClean="0"/>
-              <a:t>scikitlearn</a:t>
-            </a:r>
-            <a:r>
-              <a:rPr lang="en-US" baseline="0" dirty="0" smtClean="0"/>
-              <a:t> were hard to implement due to inconsistent changes to values that should have been the same (16/20 and 20/16).</a:t>
+              <a:t> and dinucleotide distance measures gave the same tree structure, with slightly varying branch lengths.</a:t>
             </a:r>
             <a:endParaRPr lang="en-US" dirty="0"/>
           </a:p>
@@ -5099,145 +5153,6 @@
             <a:fld id="{C8876271-C828-EB47-901C-3294B307AE95}" type="slidenum">
               <a:rPr lang="en-US" smtClean="0"/>
               <a:t>12</a:t>
-            </a:fld>
-            <a:endParaRPr lang="en-US"/>
-          </a:p>
-        </p:txBody>
-      </p:sp>
-    </p:spTree>
-    <p:extLst>
-      <p:ext uri="{BB962C8B-B14F-4D97-AF65-F5344CB8AC3E}">
-        <p14:creationId xmlns:p14="http://schemas.microsoft.com/office/powerpoint/2010/main" val="122139353"/>
-      </p:ext>
-    </p:extLst>
-  </p:cSld>
-  <p:clrMapOvr>
-    <a:masterClrMapping/>
-  </p:clrMapOvr>
-</p:notes>
-</file>
-
-<file path=ppt/notesSlides/notesSlide13.xml><?xml version="1.0" encoding="utf-8"?>
-<p:notes xmlns:a="http://schemas.openxmlformats.org/drawingml/2006/main" xmlns:r="http://schemas.openxmlformats.org/officeDocument/2006/relationships" xmlns:p="http://schemas.openxmlformats.org/presentationml/2006/main">
-  <p:cSld>
-    <p:spTree>
-      <p:nvGrpSpPr>
-        <p:cNvPr id="1" name=""/>
-        <p:cNvGrpSpPr/>
-        <p:nvPr/>
-      </p:nvGrpSpPr>
-      <p:grpSpPr>
-        <a:xfrm>
-          <a:off x="0" y="0"/>
-          <a:ext cx="0" cy="0"/>
-          <a:chOff x="0" y="0"/>
-          <a:chExt cx="0" cy="0"/>
-        </a:xfrm>
-      </p:grpSpPr>
-      <p:sp>
-        <p:nvSpPr>
-          <p:cNvPr id="2" name="Slide Image Placeholder 1"/>
-          <p:cNvSpPr>
-            <a:spLocks noGrp="1" noRot="1" noChangeAspect="1"/>
-          </p:cNvSpPr>
-          <p:nvPr>
-            <p:ph type="sldImg"/>
-          </p:nvPr>
-        </p:nvSpPr>
-        <p:spPr/>
-      </p:sp>
-      <p:sp>
-        <p:nvSpPr>
-          <p:cNvPr id="3" name="Notes Placeholder 2"/>
-          <p:cNvSpPr>
-            <a:spLocks noGrp="1"/>
-          </p:cNvSpPr>
-          <p:nvPr>
-            <p:ph type="body" idx="1"/>
-          </p:nvPr>
-        </p:nvSpPr>
-        <p:spPr/>
-        <p:txBody>
-          <a:bodyPr/>
-          <a:lstStyle/>
-          <a:p>
-            <a:r>
-              <a:rPr lang="en-US" dirty="0" smtClean="0"/>
-              <a:t>D</a:t>
-            </a:r>
-          </a:p>
-          <a:p>
-            <a:endParaRPr lang="en-US" dirty="0" smtClean="0"/>
-          </a:p>
-          <a:p>
-            <a:r>
-              <a:rPr lang="en-US" dirty="0" smtClean="0"/>
-              <a:t>Why </a:t>
-            </a:r>
-            <a:r>
-              <a:rPr lang="en-US" dirty="0" err="1" smtClean="0"/>
-              <a:t>scoredist</a:t>
-            </a:r>
-            <a:r>
-              <a:rPr lang="en-US" dirty="0" smtClean="0"/>
-              <a:t> -&gt; default</a:t>
-            </a:r>
-            <a:r>
-              <a:rPr lang="en-US" baseline="0" dirty="0" smtClean="0"/>
-              <a:t> distance correction, was complicated to use more flags with “R” </a:t>
-            </a:r>
-            <a:r>
-              <a:rPr lang="en-US" dirty="0" smtClean="0"/>
-              <a:t>function</a:t>
-            </a:r>
-            <a:r>
-              <a:rPr lang="en-US" baseline="0" dirty="0" smtClean="0"/>
-              <a:t> required to feed distance matrices to </a:t>
-            </a:r>
-            <a:r>
-              <a:rPr lang="en-US" baseline="0" dirty="0" err="1" smtClean="0"/>
-              <a:t>Belvu</a:t>
-            </a:r>
-            <a:r>
-              <a:rPr lang="en-US" baseline="0" dirty="0" smtClean="0"/>
-              <a:t>. </a:t>
-            </a:r>
-            <a:endParaRPr lang="en-US" dirty="0" smtClean="0"/>
-          </a:p>
-          <a:p>
-            <a:endParaRPr lang="en-US" dirty="0" smtClean="0"/>
-          </a:p>
-          <a:p>
-            <a:r>
-              <a:rPr lang="en-US" dirty="0" smtClean="0"/>
-              <a:t>Both nucleotide</a:t>
-            </a:r>
-            <a:r>
-              <a:rPr lang="en-US" baseline="0" dirty="0" smtClean="0"/>
-              <a:t> and dinucleotide distance measures gave the same tree structure, with slightly varying branch lengths.</a:t>
-            </a:r>
-            <a:endParaRPr lang="en-US" dirty="0"/>
-          </a:p>
-        </p:txBody>
-      </p:sp>
-      <p:sp>
-        <p:nvSpPr>
-          <p:cNvPr id="4" name="Slide Number Placeholder 3"/>
-          <p:cNvSpPr>
-            <a:spLocks noGrp="1"/>
-          </p:cNvSpPr>
-          <p:nvPr>
-            <p:ph type="sldNum" sz="quarter" idx="10"/>
-          </p:nvPr>
-        </p:nvSpPr>
-        <p:spPr/>
-        <p:txBody>
-          <a:bodyPr/>
-          <a:lstStyle/>
-          <a:p>
-            <a:fld id="{C8876271-C828-EB47-901C-3294B307AE95}" type="slidenum">
-              <a:rPr lang="en-US" smtClean="0"/>
-              <a:t>13</a:t>
             </a:fld>
             <a:endParaRPr lang="en-US"/>
           </a:p>
@@ -5389,10 +5304,113 @@
           <a:lstStyle/>
           <a:p>
             <a:r>
-              <a:rPr lang="en-US" dirty="0" smtClean="0"/>
+              <a:rPr lang="en-US" dirty="0"/>
               <a:t>M</a:t>
             </a:r>
-            <a:endParaRPr lang="en-US" dirty="0"/>
+          </a:p>
+          <a:p>
+            <a:r>
+              <a:rPr lang="en-US" dirty="0">
+                <a:cs typeface="Calibri"/>
+              </a:rPr>
+              <a:t>TO assess the different frequencies, python scripts were used. For the nucleotides the given genome was used and for the </a:t>
+            </a:r>
+            <a:r>
+              <a:rPr lang="en-US" dirty="0" err="1">
+                <a:cs typeface="Calibri"/>
+              </a:rPr>
+              <a:t>aminoacids</a:t>
+            </a:r>
+            <a:r>
+              <a:rPr lang="en-US" dirty="0">
+                <a:cs typeface="Calibri"/>
+              </a:rPr>
+              <a:t> the predicted proteomes derived from the predicted </a:t>
+            </a:r>
+            <a:r>
+              <a:rPr lang="en-US" dirty="0" err="1">
+                <a:cs typeface="Calibri"/>
+              </a:rPr>
+              <a:t>orfs</a:t>
+            </a:r>
+            <a:r>
+              <a:rPr lang="en-US" dirty="0">
+                <a:cs typeface="Calibri"/>
+              </a:rPr>
+              <a:t> were used.</a:t>
+            </a:r>
+          </a:p>
+          <a:p>
+            <a:r>
+              <a:rPr lang="en-US" dirty="0">
+                <a:cs typeface="Calibri"/>
+              </a:rPr>
+              <a:t>The formula for single k-</a:t>
+            </a:r>
+            <a:r>
+              <a:rPr lang="en-US" dirty="0" err="1">
+                <a:cs typeface="Calibri"/>
+              </a:rPr>
+              <a:t>mers</a:t>
+            </a:r>
+            <a:r>
+              <a:rPr lang="en-US" dirty="0">
+                <a:cs typeface="Calibri"/>
+              </a:rPr>
+              <a:t> are probably pretty easy to understand, but the formula for the double molecules such as </a:t>
+            </a:r>
+            <a:r>
+              <a:rPr lang="en-US" dirty="0" err="1">
+                <a:cs typeface="Calibri"/>
+              </a:rPr>
+              <a:t>diaminoacids</a:t>
+            </a:r>
+            <a:r>
+              <a:rPr lang="en-US" dirty="0">
+                <a:cs typeface="Calibri"/>
+              </a:rPr>
+              <a:t> or dinucleotides was changed a bit. For a sequence of 10, this lower term</a:t>
+            </a:r>
+          </a:p>
+          <a:p>
+            <a:r>
+              <a:rPr lang="en-US" dirty="0">
+                <a:cs typeface="Calibri"/>
+              </a:rPr>
+              <a:t>Is 9, because there are 9 possible positions for a k-</a:t>
+            </a:r>
+            <a:r>
+              <a:rPr lang="en-US" dirty="0" err="1">
+                <a:cs typeface="Calibri"/>
+              </a:rPr>
+              <a:t>mer</a:t>
+            </a:r>
+            <a:r>
+              <a:rPr lang="en-US" dirty="0">
+                <a:cs typeface="Calibri"/>
+              </a:rPr>
+              <a:t> of two.</a:t>
+            </a:r>
+          </a:p>
+          <a:p>
+            <a:r>
+              <a:rPr lang="en-US" dirty="0">
+                <a:cs typeface="Calibri"/>
+              </a:rPr>
+              <a:t>This python one liner shows easily how the </a:t>
+            </a:r>
+            <a:r>
+              <a:rPr lang="en-US" dirty="0" err="1">
+                <a:cs typeface="Calibri"/>
+              </a:rPr>
+              <a:t>diamino</a:t>
+            </a:r>
+            <a:r>
+              <a:rPr lang="en-US" dirty="0">
+                <a:cs typeface="Calibri"/>
+              </a:rPr>
+              <a:t> frequency can be calculated</a:t>
+            </a:r>
           </a:p>
         </p:txBody>
       </p:sp>
@@ -5422,7 +5440,7 @@
     </p:spTree>
     <p:extLst>
       <p:ext uri="{BB962C8B-B14F-4D97-AF65-F5344CB8AC3E}">
-        <p14:creationId xmlns:p14="http://schemas.microsoft.com/office/powerpoint/2010/main" val="1234217322"/>
+        <p14:creationId xmlns:p14="http://schemas.microsoft.com/office/powerpoint/2010/main" val="64658327"/>
       </p:ext>
     </p:extLst>
   </p:cSld>
@@ -5478,7 +5496,16 @@
           <a:p>
             <a:r>
               <a:rPr lang="en-US" dirty="0" smtClean="0"/>
-              <a:t>M</a:t>
+              <a:t>D</a:t>
+            </a:r>
+          </a:p>
+          <a:p>
+            <a:endParaRPr lang="en-US" dirty="0" smtClean="0"/>
+          </a:p>
+          <a:p>
+            <a:r>
+              <a:rPr lang="en-US" dirty="0" smtClean="0"/>
+              <a:t>Fairly even distribution across all the genomes, with 16 and 47 having slightly more enriched GC content compared to the others.</a:t>
             </a:r>
             <a:endParaRPr lang="en-US" dirty="0"/>
           </a:p>
@@ -5510,7 +5537,7 @@
     </p:spTree>
     <p:extLst>
       <p:ext uri="{BB962C8B-B14F-4D97-AF65-F5344CB8AC3E}">
-        <p14:creationId xmlns:p14="http://schemas.microsoft.com/office/powerpoint/2010/main" val="711264780"/>
+        <p14:creationId xmlns:p14="http://schemas.microsoft.com/office/powerpoint/2010/main" val="1952436963"/>
       </p:ext>
     </p:extLst>
   </p:cSld>
@@ -5575,7 +5602,11 @@
           <a:p>
             <a:r>
               <a:rPr lang="en-US" dirty="0" smtClean="0"/>
-              <a:t>Fairly even distribution across all the genomes, with 16 and 47 having slightly more enriched GC content compared to the others.</a:t>
+              <a:t>Same GC distribution visible</a:t>
+            </a:r>
+            <a:r>
+              <a:rPr lang="en-US" baseline="0" dirty="0" smtClean="0"/>
+              <a:t> here, apart from that fairly normal distribution.</a:t>
             </a:r>
             <a:endParaRPr lang="en-US" dirty="0"/>
           </a:p>
@@ -5607,7 +5638,7 @@
     </p:spTree>
     <p:extLst>
       <p:ext uri="{BB962C8B-B14F-4D97-AF65-F5344CB8AC3E}">
-        <p14:creationId xmlns:p14="http://schemas.microsoft.com/office/powerpoint/2010/main" val="1952436963"/>
+        <p14:creationId xmlns:p14="http://schemas.microsoft.com/office/powerpoint/2010/main" val="1292744154"/>
       </p:ext>
     </p:extLst>
   </p:cSld>
@@ -5662,23 +5693,9 @@
           <a:lstStyle/>
           <a:p>
             <a:r>
-              <a:rPr lang="en-US" dirty="0" smtClean="0"/>
-              <a:t>D</a:t>
-            </a:r>
-          </a:p>
-          <a:p>
-            <a:endParaRPr lang="en-US" dirty="0" smtClean="0"/>
-          </a:p>
-          <a:p>
-            <a:r>
-              <a:rPr lang="en-US" dirty="0" smtClean="0"/>
-              <a:t>Same GC distribution visible</a:t>
-            </a:r>
-            <a:r>
-              <a:rPr lang="en-US" baseline="0" dirty="0" smtClean="0"/>
-              <a:t> here, apart from that fairly normal distribution.</a:t>
-            </a:r>
-            <a:endParaRPr lang="en-US" dirty="0"/>
+              <a:rPr lang="en-US" dirty="0"/>
+              <a:t>M</a:t>
+            </a:r>
           </a:p>
         </p:txBody>
       </p:sp>
@@ -5708,7 +5725,7 @@
     </p:spTree>
     <p:extLst>
       <p:ext uri="{BB962C8B-B14F-4D97-AF65-F5344CB8AC3E}">
-        <p14:creationId xmlns:p14="http://schemas.microsoft.com/office/powerpoint/2010/main" val="1292744154"/>
+        <p14:creationId xmlns:p14="http://schemas.microsoft.com/office/powerpoint/2010/main" val="801264482"/>
       </p:ext>
     </p:extLst>
   </p:cSld>
@@ -5763,9 +5780,24 @@
           <a:lstStyle/>
           <a:p>
             <a:r>
-              <a:rPr lang="en-US" dirty="0" smtClean="0"/>
+              <a:rPr lang="en-US" dirty="0"/>
               <a:t>M</a:t>
             </a:r>
+          </a:p>
+          <a:p>
+            <a:endParaRPr lang="en-US" dirty="0"/>
+          </a:p>
+          <a:p>
+            <a:r>
+              <a:rPr lang="en-US" dirty="0"/>
+              <a:t>Significantly</a:t>
+            </a:r>
+            <a:r>
+              <a:rPr lang="en-US" baseline="0" dirty="0"/>
+              <a:t> different numbers from our ORF finder as compared to the reference (NCBI BLAST)</a:t>
+            </a:r>
+          </a:p>
+          <a:p>
             <a:endParaRPr lang="en-US" dirty="0"/>
           </a:p>
         </p:txBody>
@@ -5796,7 +5828,7 @@
     </p:spTree>
     <p:extLst>
       <p:ext uri="{BB962C8B-B14F-4D97-AF65-F5344CB8AC3E}">
-        <p14:creationId xmlns:p14="http://schemas.microsoft.com/office/powerpoint/2010/main" val="1701664831"/>
+        <p14:creationId xmlns:p14="http://schemas.microsoft.com/office/powerpoint/2010/main" val="1460202639"/>
       </p:ext>
     </p:extLst>
   </p:cSld>
@@ -5851,25 +5883,18 @@
           <a:lstStyle/>
           <a:p>
             <a:r>
-              <a:rPr lang="en-US" dirty="0" smtClean="0"/>
+              <a:rPr lang="en-US" dirty="0"/>
               <a:t>M</a:t>
             </a:r>
           </a:p>
           <a:p>
-            <a:endParaRPr lang="en-US" dirty="0" smtClean="0"/>
-          </a:p>
-          <a:p>
-            <a:r>
-              <a:rPr lang="en-US" dirty="0" smtClean="0"/>
-              <a:t>Significantly</a:t>
-            </a:r>
-            <a:r>
-              <a:rPr lang="en-US" baseline="0" dirty="0" smtClean="0"/>
-              <a:t> different numbers from our ORF finder as compared to the reference (NCBI BLAST).</a:t>
-            </a:r>
-          </a:p>
-          <a:p>
             <a:endParaRPr lang="en-US" dirty="0"/>
+          </a:p>
+          <a:p>
+            <a:r>
+              <a:rPr lang="en-US" dirty="0"/>
+              <a:t>No True Negative due to database not including true negative references.</a:t>
+            </a:r>
           </a:p>
         </p:txBody>
       </p:sp>
@@ -5899,7 +5924,7 @@
     </p:spTree>
     <p:extLst>
       <p:ext uri="{BB962C8B-B14F-4D97-AF65-F5344CB8AC3E}">
-        <p14:creationId xmlns:p14="http://schemas.microsoft.com/office/powerpoint/2010/main" val="552880543"/>
+        <p14:creationId xmlns:p14="http://schemas.microsoft.com/office/powerpoint/2010/main" val="385547989"/>
       </p:ext>
     </p:extLst>
   </p:cSld>
@@ -5953,19 +5978,6 @@
           <a:bodyPr/>
           <a:lstStyle/>
           <a:p>
-            <a:r>
-              <a:rPr lang="en-US" dirty="0" smtClean="0"/>
-              <a:t>M</a:t>
-            </a:r>
-          </a:p>
-          <a:p>
-            <a:endParaRPr lang="en-US" dirty="0" smtClean="0"/>
-          </a:p>
-          <a:p>
-            <a:r>
-              <a:rPr lang="en-US" dirty="0" smtClean="0"/>
-              <a:t>No True Negative due to database not including true negative references.</a:t>
-            </a:r>
             <a:endParaRPr lang="en-US" dirty="0"/>
           </a:p>
         </p:txBody>
@@ -5996,7 +6008,7 @@
     </p:spTree>
     <p:extLst>
       <p:ext uri="{BB962C8B-B14F-4D97-AF65-F5344CB8AC3E}">
-        <p14:creationId xmlns:p14="http://schemas.microsoft.com/office/powerpoint/2010/main" val="930460504"/>
+        <p14:creationId xmlns:p14="http://schemas.microsoft.com/office/powerpoint/2010/main" val="1384663176"/>
       </p:ext>
     </p:extLst>
   </p:cSld>
@@ -9013,90 +9025,6 @@
           <a:p>
             <a:r>
               <a:rPr lang="en-US" dirty="0" smtClean="0"/>
-              <a:t>Performance analysis (F1-Score)</a:t>
-            </a:r>
-            <a:endParaRPr lang="en-US" dirty="0"/>
-          </a:p>
-        </p:txBody>
-      </p:sp>
-      <p:graphicFrame>
-        <p:nvGraphicFramePr>
-          <p:cNvPr id="6" name="Chart 5"/>
-          <p:cNvGraphicFramePr>
-            <a:graphicFrameLocks/>
-          </p:cNvGraphicFramePr>
-          <p:nvPr>
-            <p:extLst>
-              <p:ext uri="{D42A27DB-BD31-4B8C-83A1-F6EECF244321}">
-                <p14:modId xmlns:p14="http://schemas.microsoft.com/office/powerpoint/2010/main" val="1531201059"/>
-              </p:ext>
-            </p:extLst>
-          </p:nvPr>
-        </p:nvGraphicFramePr>
-        <p:xfrm>
-          <a:off x="2248592" y="1690688"/>
-          <a:ext cx="7694815" cy="4616889"/>
-        </p:xfrm>
-        <a:graphic>
-          <a:graphicData uri="http://schemas.openxmlformats.org/drawingml/2006/chart">
-            <c:chart xmlns:c="http://schemas.openxmlformats.org/drawingml/2006/chart" xmlns:r="http://schemas.openxmlformats.org/officeDocument/2006/relationships" r:id="rId3"/>
-          </a:graphicData>
-        </a:graphic>
-      </p:graphicFrame>
-    </p:spTree>
-    <p:extLst>
-      <p:ext uri="{BB962C8B-B14F-4D97-AF65-F5344CB8AC3E}">
-        <p14:creationId xmlns:p14="http://schemas.microsoft.com/office/powerpoint/2010/main" val="420981432"/>
-      </p:ext>
-    </p:extLst>
-  </p:cSld>
-  <p:clrMapOvr>
-    <a:masterClrMapping/>
-  </p:clrMapOvr>
-  <p:timing>
-    <p:tnLst>
-      <p:par>
-        <p:cTn id="1" dur="indefinite" restart="never" nodeType="tmRoot"/>
-      </p:par>
-    </p:tnLst>
-  </p:timing>
-</p:sld>
-</file>
-
-<file path=ppt/slides/slide11.xml><?xml version="1.0" encoding="utf-8"?>
-<p:sld xmlns:a="http://schemas.openxmlformats.org/drawingml/2006/main" xmlns:r="http://schemas.openxmlformats.org/officeDocument/2006/relationships" xmlns:p="http://schemas.openxmlformats.org/presentationml/2006/main">
-  <p:cSld>
-    <p:spTree>
-      <p:nvGrpSpPr>
-        <p:cNvPr id="1" name=""/>
-        <p:cNvGrpSpPr/>
-        <p:nvPr/>
-      </p:nvGrpSpPr>
-      <p:grpSpPr>
-        <a:xfrm>
-          <a:off x="0" y="0"/>
-          <a:ext cx="0" cy="0"/>
-          <a:chOff x="0" y="0"/>
-          <a:chExt cx="0" cy="0"/>
-        </a:xfrm>
-      </p:grpSpPr>
-      <p:sp>
-        <p:nvSpPr>
-          <p:cNvPr id="2" name="Title 1"/>
-          <p:cNvSpPr>
-            <a:spLocks noGrp="1"/>
-          </p:cNvSpPr>
-          <p:nvPr>
-            <p:ph type="title"/>
-          </p:nvPr>
-        </p:nvSpPr>
-        <p:spPr/>
-        <p:txBody>
-          <a:bodyPr/>
-          <a:lstStyle/>
-          <a:p>
-            <a:r>
-              <a:rPr lang="en-US" dirty="0" smtClean="0"/>
               <a:t>3 Distance measures</a:t>
             </a:r>
             <a:endParaRPr lang="en-US" dirty="0"/>
@@ -9391,7 +9319,7 @@
 </p:sld>
 </file>
 
-<file path=ppt/slides/slide12.xml><?xml version="1.0" encoding="utf-8"?>
+<file path=ppt/slides/slide11.xml><?xml version="1.0" encoding="utf-8"?>
 <p:sld xmlns:a="http://schemas.openxmlformats.org/drawingml/2006/main" xmlns:r="http://schemas.openxmlformats.org/officeDocument/2006/relationships" xmlns:p="http://schemas.openxmlformats.org/presentationml/2006/main">
   <p:cSld>
     <p:spTree>
@@ -9479,7 +9407,7 @@
 </p:sld>
 </file>
 
-<file path=ppt/slides/slide13.xml><?xml version="1.0" encoding="utf-8"?>
+<file path=ppt/slides/slide12.xml><?xml version="1.0" encoding="utf-8"?>
 <p:sld xmlns:a="http://schemas.openxmlformats.org/drawingml/2006/main" xmlns:r="http://schemas.openxmlformats.org/officeDocument/2006/relationships" xmlns:p="http://schemas.openxmlformats.org/presentationml/2006/main">
   <p:cSld>
     <p:spTree>
@@ -10373,7 +10301,7 @@
 </p:sld>
 </file>
 
-<file path=ppt/slides/slide14.xml><?xml version="1.0" encoding="utf-8"?>
+<file path=ppt/slides/slide13.xml><?xml version="1.0" encoding="utf-8"?>
 <p:sld xmlns:a="http://schemas.openxmlformats.org/drawingml/2006/main" xmlns:r="http://schemas.openxmlformats.org/officeDocument/2006/relationships" xmlns:p="http://schemas.openxmlformats.org/presentationml/2006/main">
   <p:cSld>
     <p:spTree>
@@ -10522,8 +10450,8 @@
         </p:blipFill>
         <p:spPr>
           <a:xfrm>
-            <a:off x="1231900" y="2420481"/>
-            <a:ext cx="9728200" cy="2768600"/>
+            <a:off x="563502" y="2387230"/>
+            <a:ext cx="11064996" cy="3149046"/>
           </a:xfrm>
           <a:prstGeom prst="rect">
             <a:avLst/>
@@ -10583,12 +10511,16 @@
           <a:lstStyle/>
           <a:p>
             <a:r>
-              <a:rPr lang="en-US" dirty="0" smtClean="0">
+              <a:rPr lang="en-US" dirty="0">
                 <a:latin typeface="Helvetica" charset="0"/>
                 <a:ea typeface="Helvetica" charset="0"/>
                 <a:cs typeface="Helvetica" charset="0"/>
               </a:rPr>
-              <a:t>Nucleotide frequency</a:t>
+              <a:t>Nucleotide</a:t>
+            </a:r>
+            <a:r>
+              <a:rPr lang="en-US" dirty="0"/>
+              <a:t> &amp; amino acid frequency</a:t>
             </a:r>
             <a:endParaRPr lang="en-US" dirty="0">
               <a:latin typeface="Helvetica" charset="0"/>
@@ -10598,70 +10530,496 @@
           </a:p>
         </p:txBody>
       </p:sp>
+      <p:sp>
+        <p:nvSpPr>
+          <p:cNvPr id="10" name="Textfeld 9">
+            <a:extLst>
+              <a:ext uri="{FF2B5EF4-FFF2-40B4-BE49-F238E27FC236}">
+                <a16:creationId xmlns:a16="http://schemas.microsoft.com/office/drawing/2014/main" xmlns="" id="{55AEA795-DD77-4424-B08D-9484B9C50E95}"/>
+              </a:ext>
+            </a:extLst>
+          </p:cNvPr>
+          <p:cNvSpPr txBox="1"/>
+          <p:nvPr/>
+        </p:nvSpPr>
+        <p:spPr>
+          <a:xfrm>
+            <a:off x="1102538" y="1925367"/>
+            <a:ext cx="4683407" cy="1938992"/>
+          </a:xfrm>
+          <a:prstGeom prst="rect">
+            <a:avLst/>
+          </a:prstGeom>
+        </p:spPr>
+        <p:txBody>
+          <a:bodyPr rot="0" spcFirstLastPara="0" vertOverflow="overflow" horzOverflow="overflow" vert="horz" wrap="square" lIns="91440" tIns="45720" rIns="91440" bIns="45720" numCol="1" spcCol="0" rtlCol="0" fromWordArt="0" anchor="t" anchorCtr="0" forceAA="0" compatLnSpc="1">
+            <a:prstTxWarp prst="textNoShape">
+              <a:avLst/>
+            </a:prstTxWarp>
+            <a:spAutoFit/>
+          </a:bodyPr>
+          <a:lstStyle/>
+          <a:p>
+            <a:pPr marL="285750" indent="-285750">
+              <a:buFontTx/>
+              <a:buChar char="-"/>
+            </a:pPr>
+            <a:r>
+              <a:rPr lang="de-DE" sz="2400" dirty="0">
+                <a:cs typeface="Calibri"/>
+              </a:rPr>
+              <a:t>Given genomes were used for (di)nucleotide handling</a:t>
+            </a:r>
+          </a:p>
+          <a:p>
+            <a:pPr marL="285750" indent="-285750">
+              <a:buFontTx/>
+              <a:buChar char="-"/>
+            </a:pPr>
+            <a:endParaRPr lang="de-DE" sz="2400" dirty="0">
+              <a:cs typeface="Calibri"/>
+            </a:endParaRPr>
+          </a:p>
+          <a:p>
+            <a:pPr marL="285750" indent="-285750">
+              <a:buFontTx/>
+              <a:buChar char="-"/>
+            </a:pPr>
+            <a:r>
+              <a:rPr lang="de-DE" sz="2400" dirty="0">
+                <a:cs typeface="Calibri"/>
+              </a:rPr>
+              <a:t>Predicted proteomes were used for (di)amino-acid handling</a:t>
+            </a:r>
+          </a:p>
+        </p:txBody>
+      </p:sp>
+      <mc:AlternateContent xmlns:mc="http://schemas.openxmlformats.org/markup-compatibility/2006" xmlns:a14="http://schemas.microsoft.com/office/drawing/2010/main">
+        <mc:Choice Requires="a14">
+          <p:sp>
+            <p:nvSpPr>
+              <p:cNvPr id="4" name="TextBox 3">
+                <a:extLst>
+                  <a:ext uri="{FF2B5EF4-FFF2-40B4-BE49-F238E27FC236}">
+                    <a16:creationId xmlns:a16="http://schemas.microsoft.com/office/drawing/2014/main" xmlns="" id="{1189993F-8568-443C-B3FD-83BBD6CA88C1}"/>
+                  </a:ext>
+                </a:extLst>
+              </p:cNvPr>
+              <p:cNvSpPr txBox="1"/>
+              <p:nvPr/>
+            </p:nvSpPr>
+            <p:spPr>
+              <a:xfrm>
+                <a:off x="5462406" y="1816825"/>
+                <a:ext cx="6653049" cy="629724"/>
+              </a:xfrm>
+              <a:prstGeom prst="rect">
+                <a:avLst/>
+              </a:prstGeom>
+              <a:noFill/>
+            </p:spPr>
+            <p:txBody>
+              <a:bodyPr wrap="square" lIns="0" tIns="0" rIns="0" bIns="0" rtlCol="0">
+                <a:spAutoFit/>
+              </a:bodyPr>
+              <a:lstStyle/>
+              <a:p>
+                <a:pPr/>
+                <a14:m>
+                  <m:oMathPara xmlns:m="http://schemas.openxmlformats.org/officeDocument/2006/math">
+                    <m:oMathParaPr>
+                      <m:jc m:val="centerGroup"/>
+                    </m:oMathParaPr>
+                    <m:oMath xmlns:m="http://schemas.openxmlformats.org/officeDocument/2006/math">
+                      <m:r>
+                        <a:rPr lang="de-DE" sz="2000" b="0" i="1" smtClean="0">
+                          <a:latin typeface="Cambria Math" panose="02040503050406030204" pitchFamily="18" charset="0"/>
+                        </a:rPr>
+                        <m:t>𝐹𝑟𝑒𝑞𝑢𝑒𝑛𝑐𝑦</m:t>
+                      </m:r>
+                      <m:r>
+                        <a:rPr lang="de-DE" sz="2000" b="0" i="1" smtClean="0">
+                          <a:latin typeface="Cambria Math" panose="02040503050406030204" pitchFamily="18" charset="0"/>
+                        </a:rPr>
+                        <m:t>=</m:t>
+                      </m:r>
+                      <m:f>
+                        <m:fPr>
+                          <m:ctrlPr>
+                            <a:rPr lang="de-DE" sz="2000" b="0" i="1" smtClean="0">
+                              <a:latin typeface="Cambria Math" charset="0"/>
+                            </a:rPr>
+                          </m:ctrlPr>
+                        </m:fPr>
+                        <m:num>
+                          <m:r>
+                            <a:rPr lang="de-DE" sz="2000" b="0" i="1" smtClean="0">
+                              <a:latin typeface="Cambria Math" panose="02040503050406030204" pitchFamily="18" charset="0"/>
+                            </a:rPr>
+                            <m:t>𝑐𝑜𝑢𝑛𝑡</m:t>
+                          </m:r>
+                          <m:r>
+                            <a:rPr lang="de-DE" sz="2000" b="0" i="1" smtClean="0">
+                              <a:latin typeface="Cambria Math" panose="02040503050406030204" pitchFamily="18" charset="0"/>
+                            </a:rPr>
+                            <m:t>(</m:t>
+                          </m:r>
+                          <m:r>
+                            <a:rPr lang="de-DE" sz="2000" b="0" i="1" smtClean="0">
+                              <a:latin typeface="Cambria Math" panose="02040503050406030204" pitchFamily="18" charset="0"/>
+                            </a:rPr>
+                            <m:t>𝑛𝑢𝑐𝑙𝑒𝑜𝑡𝑖𝑑𝑒</m:t>
+                          </m:r>
+                          <m:r>
+                            <a:rPr lang="de-DE" sz="2000" b="0" i="1" smtClean="0">
+                              <a:latin typeface="Cambria Math" panose="02040503050406030204" pitchFamily="18" charset="0"/>
+                            </a:rPr>
+                            <m:t> </m:t>
+                          </m:r>
+                          <m:r>
+                            <a:rPr lang="de-DE" sz="2000" b="0" i="1" smtClean="0">
+                              <a:latin typeface="Cambria Math" panose="02040503050406030204" pitchFamily="18" charset="0"/>
+                            </a:rPr>
+                            <m:t>𝑜𝑟</m:t>
+                          </m:r>
+                          <m:r>
+                            <a:rPr lang="de-DE" sz="2000" b="0" i="1" smtClean="0">
+                              <a:latin typeface="Cambria Math" panose="02040503050406030204" pitchFamily="18" charset="0"/>
+                            </a:rPr>
+                            <m:t> </m:t>
+                          </m:r>
+                          <m:r>
+                            <a:rPr lang="de-DE" sz="2000" b="0" i="1" smtClean="0">
+                              <a:latin typeface="Cambria Math" panose="02040503050406030204" pitchFamily="18" charset="0"/>
+                            </a:rPr>
+                            <m:t>𝑎𝑚𝑖𝑛𝑜𝑎𝑐𝑖𝑑</m:t>
+                          </m:r>
+                          <m:r>
+                            <a:rPr lang="de-DE" sz="2000" b="0" i="1" smtClean="0">
+                              <a:latin typeface="Cambria Math" panose="02040503050406030204" pitchFamily="18" charset="0"/>
+                            </a:rPr>
+                            <m:t>)</m:t>
+                          </m:r>
+                        </m:num>
+                        <m:den>
+                          <m:r>
+                            <a:rPr lang="de-DE" sz="2000" b="0" i="1" smtClean="0">
+                              <a:latin typeface="Cambria Math" panose="02040503050406030204" pitchFamily="18" charset="0"/>
+                            </a:rPr>
+                            <m:t>𝑙𝑒𝑛</m:t>
+                          </m:r>
+                          <m:d>
+                            <m:dPr>
+                              <m:ctrlPr>
+                                <a:rPr lang="de-DE" sz="2000" b="0" i="1" smtClean="0">
+                                  <a:latin typeface="Cambria Math" charset="0"/>
+                                </a:rPr>
+                              </m:ctrlPr>
+                            </m:dPr>
+                            <m:e>
+                              <m:r>
+                                <a:rPr lang="de-DE" sz="2000" b="0" i="1" smtClean="0">
+                                  <a:latin typeface="Cambria Math" panose="02040503050406030204" pitchFamily="18" charset="0"/>
+                                </a:rPr>
+                                <m:t>𝑡𝑜𝑡𝑎𝑙</m:t>
+                              </m:r>
+                            </m:e>
+                          </m:d>
+                        </m:den>
+                      </m:f>
+                    </m:oMath>
+                  </m:oMathPara>
+                </a14:m>
+                <a:endParaRPr lang="de-DE" sz="2000" dirty="0"/>
+              </a:p>
+            </p:txBody>
+          </p:sp>
+        </mc:Choice>
+        <mc:Fallback xmlns="">
+          <p:sp>
+            <p:nvSpPr>
+              <p:cNvPr id="4" name="TextBox 3">
+                <a:extLst>
+                  <a:ext uri="{FF2B5EF4-FFF2-40B4-BE49-F238E27FC236}">
+                    <a16:creationId xmlns:a16="http://schemas.microsoft.com/office/drawing/2014/main" id="{1189993F-8568-443C-B3FD-83BBD6CA88C1}"/>
+                  </a:ext>
+                </a:extLst>
+              </p:cNvPr>
+              <p:cNvSpPr txBox="1">
+                <a:spLocks noRot="1" noChangeAspect="1" noMove="1" noResize="1" noEditPoints="1" noAdjustHandles="1" noChangeArrowheads="1" noChangeShapeType="1" noTextEdit="1"/>
+              </p:cNvSpPr>
+              <p:nvPr/>
+            </p:nvSpPr>
+            <p:spPr>
+              <a:xfrm>
+                <a:off x="5462406" y="1816825"/>
+                <a:ext cx="6653049" cy="629724"/>
+              </a:xfrm>
+              <a:prstGeom prst="rect">
+                <a:avLst/>
+              </a:prstGeom>
+              <a:blipFill>
+                <a:blip r:embed="rId3"/>
+                <a:stretch>
+                  <a:fillRect/>
+                </a:stretch>
+              </a:blipFill>
+            </p:spPr>
+            <p:txBody>
+              <a:bodyPr/>
+              <a:lstStyle/>
+              <a:p>
+                <a:r>
+                  <a:rPr lang="de-DE">
+                    <a:noFill/>
+                  </a:rPr>
+                  <a:t> </a:t>
+                </a:r>
+              </a:p>
+            </p:txBody>
+          </p:sp>
+        </mc:Fallback>
+      </mc:AlternateContent>
       <p:pic>
         <p:nvPicPr>
-          <p:cNvPr id="5" name="Picture 4"/>
+          <p:cNvPr id="13" name="Picture 12">
+            <a:extLst>
+              <a:ext uri="{FF2B5EF4-FFF2-40B4-BE49-F238E27FC236}">
+                <a16:creationId xmlns:a16="http://schemas.microsoft.com/office/drawing/2014/main" xmlns="" id="{2F2B156A-BF2D-42BA-BADE-2AED72B724C2}"/>
+              </a:ext>
+            </a:extLst>
+          </p:cNvPr>
           <p:cNvPicPr>
             <a:picLocks noChangeAspect="1"/>
           </p:cNvPicPr>
           <p:nvPr/>
         </p:nvPicPr>
-        <p:blipFill>
-          <a:blip r:embed="rId3">
+        <p:blipFill rotWithShape="1">
+          <a:blip r:embed="rId4">
             <a:extLst>
-              <a:ext uri="{28A0092B-C50C-407E-A947-70E740481C1C}">
-                <a14:useLocalDpi xmlns:a14="http://schemas.microsoft.com/office/drawing/2010/main" val="0"/>
+              <a:ext uri="{BEBA8EAE-BF5A-486C-A8C5-ECC9F3942E4B}">
+                <a14:imgProps xmlns:a14="http://schemas.microsoft.com/office/drawing/2010/main">
+                  <a14:imgLayer r:embed="rId5">
+                    <a14:imgEffect>
+                      <a14:saturation sat="300000"/>
+                    </a14:imgEffect>
+                    <a14:imgEffect>
+                      <a14:brightnessContrast contrast="20000"/>
+                    </a14:imgEffect>
+                  </a14:imgLayer>
+                </a14:imgProps>
               </a:ext>
             </a:extLst>
           </a:blip>
-          <a:stretch>
-            <a:fillRect/>
-          </a:stretch>
+          <a:srcRect l="905" t="55561" r="35086" b="20905"/>
+          <a:stretch/>
         </p:blipFill>
         <p:spPr>
           <a:xfrm>
-            <a:off x="4099445" y="1477153"/>
-            <a:ext cx="3993110" cy="2237426"/>
+            <a:off x="1102538" y="4067503"/>
+            <a:ext cx="10251262" cy="2119081"/>
           </a:xfrm>
           <a:prstGeom prst="rect">
             <a:avLst/>
           </a:prstGeom>
         </p:spPr>
       </p:pic>
-      <p:pic>
-        <p:nvPicPr>
-          <p:cNvPr id="6" name="Picture 5"/>
-          <p:cNvPicPr>
-            <a:picLocks noChangeAspect="1"/>
-          </p:cNvPicPr>
-          <p:nvPr/>
-        </p:nvPicPr>
-        <p:blipFill>
-          <a:blip r:embed="rId4">
-            <a:extLst>
-              <a:ext uri="{28A0092B-C50C-407E-A947-70E740481C1C}">
-                <a14:useLocalDpi xmlns:a14="http://schemas.microsoft.com/office/drawing/2010/main" val="0"/>
-              </a:ext>
-            </a:extLst>
-          </a:blip>
-          <a:stretch>
-            <a:fillRect/>
-          </a:stretch>
-        </p:blipFill>
-        <p:spPr>
-          <a:xfrm>
-            <a:off x="1708150" y="3714579"/>
-            <a:ext cx="8775700" cy="3048000"/>
-          </a:xfrm>
-          <a:prstGeom prst="rect">
-            <a:avLst/>
-          </a:prstGeom>
-        </p:spPr>
-      </p:pic>
+      <mc:AlternateContent xmlns:mc="http://schemas.openxmlformats.org/markup-compatibility/2006" xmlns:a14="http://schemas.microsoft.com/office/drawing/2010/main">
+        <mc:Choice Requires="a14">
+          <p:sp>
+            <p:nvSpPr>
+              <p:cNvPr id="14" name="TextBox 13">
+                <a:extLst>
+                  <a:ext uri="{FF2B5EF4-FFF2-40B4-BE49-F238E27FC236}">
+                    <a16:creationId xmlns:a16="http://schemas.microsoft.com/office/drawing/2014/main" xmlns="" id="{09E008F6-AEE6-4242-8FEB-2FDA7292449B}"/>
+                  </a:ext>
+                </a:extLst>
+              </p:cNvPr>
+              <p:cNvSpPr txBox="1"/>
+              <p:nvPr/>
+            </p:nvSpPr>
+            <p:spPr>
+              <a:xfrm>
+                <a:off x="5376041" y="2996780"/>
+                <a:ext cx="6415874" cy="629724"/>
+              </a:xfrm>
+              <a:prstGeom prst="rect">
+                <a:avLst/>
+              </a:prstGeom>
+              <a:noFill/>
+            </p:spPr>
+            <p:txBody>
+              <a:bodyPr wrap="square" lIns="0" tIns="0" rIns="0" bIns="0" rtlCol="0">
+                <a:spAutoFit/>
+              </a:bodyPr>
+              <a:lstStyle/>
+              <a:p>
+                <a:pPr/>
+                <a14:m>
+                  <m:oMathPara xmlns:m="http://schemas.openxmlformats.org/officeDocument/2006/math">
+                    <m:oMathParaPr>
+                      <m:jc m:val="centerGroup"/>
+                    </m:oMathParaPr>
+                    <m:oMath xmlns:m="http://schemas.openxmlformats.org/officeDocument/2006/math">
+                      <m:r>
+                        <a:rPr lang="de-DE" sz="2000" b="0" i="1" smtClean="0">
+                          <a:latin typeface="Cambria Math" panose="02040503050406030204" pitchFamily="18" charset="0"/>
+                        </a:rPr>
+                        <m:t>𝐹𝑟𝑒𝑞𝑢𝑒𝑛𝑐𝑦</m:t>
+                      </m:r>
+                      <m:r>
+                        <a:rPr lang="de-DE" sz="2000" b="0" i="1" smtClean="0">
+                          <a:latin typeface="Cambria Math" panose="02040503050406030204" pitchFamily="18" charset="0"/>
+                        </a:rPr>
+                        <m:t>=</m:t>
+                      </m:r>
+                      <m:f>
+                        <m:fPr>
+                          <m:ctrlPr>
+                            <a:rPr lang="de-DE" sz="2000" b="0" i="1" smtClean="0">
+                              <a:latin typeface="Cambria Math" charset="0"/>
+                            </a:rPr>
+                          </m:ctrlPr>
+                        </m:fPr>
+                        <m:num>
+                          <m:r>
+                            <a:rPr lang="de-DE" sz="2000" b="0" i="1" smtClean="0">
+                              <a:latin typeface="Cambria Math" panose="02040503050406030204" pitchFamily="18" charset="0"/>
+                            </a:rPr>
+                            <m:t>𝑐𝑜𝑢𝑛𝑡</m:t>
+                          </m:r>
+                          <m:r>
+                            <a:rPr lang="de-DE" sz="2000" b="0" i="1" smtClean="0">
+                              <a:latin typeface="Cambria Math" panose="02040503050406030204" pitchFamily="18" charset="0"/>
+                            </a:rPr>
+                            <m:t>(</m:t>
+                          </m:r>
+                          <m:r>
+                            <a:rPr lang="de-DE" sz="2000" b="0" i="1" smtClean="0">
+                              <a:latin typeface="Cambria Math" panose="02040503050406030204" pitchFamily="18" charset="0"/>
+                            </a:rPr>
+                            <m:t>𝑑𝑖𝑛𝑢𝑐𝑙</m:t>
+                          </m:r>
+                          <m:r>
+                            <a:rPr lang="de-DE" sz="2000" b="0" i="1" smtClean="0">
+                              <a:latin typeface="Cambria Math" panose="02040503050406030204" pitchFamily="18" charset="0"/>
+                            </a:rPr>
+                            <m:t>. </m:t>
+                          </m:r>
+                          <m:r>
+                            <a:rPr lang="de-DE" sz="2000" b="0" i="1" smtClean="0">
+                              <a:latin typeface="Cambria Math" panose="02040503050406030204" pitchFamily="18" charset="0"/>
+                            </a:rPr>
+                            <m:t>𝑜𝑟</m:t>
+                          </m:r>
+                          <m:r>
+                            <a:rPr lang="de-DE" sz="2000" b="0" i="1" smtClean="0">
+                              <a:latin typeface="Cambria Math" panose="02040503050406030204" pitchFamily="18" charset="0"/>
+                            </a:rPr>
+                            <m:t> </m:t>
+                          </m:r>
+                          <m:r>
+                            <a:rPr lang="de-DE" sz="2000" b="0" i="1" smtClean="0">
+                              <a:latin typeface="Cambria Math" panose="02040503050406030204" pitchFamily="18" charset="0"/>
+                            </a:rPr>
+                            <m:t>𝑑𝑖𝑎𝑚𝑖𝑛𝑜𝑎</m:t>
+                          </m:r>
+                          <m:r>
+                            <a:rPr lang="de-DE" sz="2000" b="0" i="1" smtClean="0">
+                              <a:latin typeface="Cambria Math" panose="02040503050406030204" pitchFamily="18" charset="0"/>
+                            </a:rPr>
+                            <m:t>.)</m:t>
+                          </m:r>
+                        </m:num>
+                        <m:den>
+                          <m:r>
+                            <a:rPr lang="de-DE" sz="2000" b="0" i="1" smtClean="0">
+                              <a:latin typeface="Cambria Math" panose="02040503050406030204" pitchFamily="18" charset="0"/>
+                            </a:rPr>
+                            <m:t>𝑙𝑒𝑛</m:t>
+                          </m:r>
+                          <m:d>
+                            <m:dPr>
+                              <m:ctrlPr>
+                                <a:rPr lang="de-DE" sz="2000" b="0" i="1" smtClean="0">
+                                  <a:latin typeface="Cambria Math" charset="0"/>
+                                </a:rPr>
+                              </m:ctrlPr>
+                            </m:dPr>
+                            <m:e>
+                              <m:r>
+                                <a:rPr lang="de-DE" sz="2000" b="0" i="1" smtClean="0">
+                                  <a:latin typeface="Cambria Math" panose="02040503050406030204" pitchFamily="18" charset="0"/>
+                                </a:rPr>
+                                <m:t>𝑡𝑜𝑡𝑎𝑙</m:t>
+                              </m:r>
+                            </m:e>
+                          </m:d>
+                          <m:r>
+                            <a:rPr lang="de-DE" sz="2000" b="0" i="1" smtClean="0">
+                              <a:latin typeface="Cambria Math" panose="02040503050406030204" pitchFamily="18" charset="0"/>
+                            </a:rPr>
+                            <m:t>−1</m:t>
+                          </m:r>
+                        </m:den>
+                      </m:f>
+                    </m:oMath>
+                  </m:oMathPara>
+                </a14:m>
+                <a:endParaRPr lang="de-DE" sz="2000" dirty="0"/>
+              </a:p>
+            </p:txBody>
+          </p:sp>
+        </mc:Choice>
+        <mc:Fallback xmlns="">
+          <p:sp>
+            <p:nvSpPr>
+              <p:cNvPr id="14" name="TextBox 13">
+                <a:extLst>
+                  <a:ext uri="{FF2B5EF4-FFF2-40B4-BE49-F238E27FC236}">
+                    <a16:creationId xmlns:a16="http://schemas.microsoft.com/office/drawing/2014/main" id="{09E008F6-AEE6-4242-8FEB-2FDA7292449B}"/>
+                  </a:ext>
+                </a:extLst>
+              </p:cNvPr>
+              <p:cNvSpPr txBox="1">
+                <a:spLocks noRot="1" noChangeAspect="1" noMove="1" noResize="1" noEditPoints="1" noAdjustHandles="1" noChangeArrowheads="1" noChangeShapeType="1" noTextEdit="1"/>
+              </p:cNvSpPr>
+              <p:nvPr/>
+            </p:nvSpPr>
+            <p:spPr>
+              <a:xfrm>
+                <a:off x="5376041" y="2996780"/>
+                <a:ext cx="6415874" cy="629724"/>
+              </a:xfrm>
+              <a:prstGeom prst="rect">
+                <a:avLst/>
+              </a:prstGeom>
+              <a:blipFill>
+                <a:blip r:embed="rId6"/>
+                <a:stretch>
+                  <a:fillRect/>
+                </a:stretch>
+              </a:blipFill>
+            </p:spPr>
+            <p:txBody>
+              <a:bodyPr/>
+              <a:lstStyle/>
+              <a:p>
+                <a:r>
+                  <a:rPr lang="de-DE">
+                    <a:noFill/>
+                  </a:rPr>
+                  <a:t> </a:t>
+                </a:r>
+              </a:p>
+            </p:txBody>
+          </p:sp>
+        </mc:Fallback>
+      </mc:AlternateContent>
     </p:spTree>
     <p:extLst>
       <p:ext uri="{BB962C8B-B14F-4D97-AF65-F5344CB8AC3E}">
-        <p14:creationId xmlns:p14="http://schemas.microsoft.com/office/powerpoint/2010/main" val="1854163771"/>
+        <p14:creationId xmlns:p14="http://schemas.microsoft.com/office/powerpoint/2010/main" val="1267513681"/>
       </p:ext>
     </p:extLst>
   </p:cSld>
@@ -10711,77 +11069,49 @@
           <a:lstStyle/>
           <a:p>
             <a:r>
-              <a:rPr lang="en-US" dirty="0" smtClean="0"/>
-              <a:t>Amino acid frequency</a:t>
-            </a:r>
-            <a:endParaRPr lang="en-US" dirty="0"/>
+              <a:rPr lang="en-US" dirty="0" smtClean="0">
+                <a:latin typeface="Helvetica" charset="0"/>
+                <a:ea typeface="Helvetica" charset="0"/>
+                <a:cs typeface="Helvetica" charset="0"/>
+              </a:rPr>
+              <a:t>Nucleotide Frequencies</a:t>
+            </a:r>
+            <a:endParaRPr lang="en-US" dirty="0">
+              <a:latin typeface="Helvetica" charset="0"/>
+              <a:ea typeface="Helvetica" charset="0"/>
+              <a:cs typeface="Helvetica" charset="0"/>
+            </a:endParaRPr>
           </a:p>
         </p:txBody>
       </p:sp>
-      <p:pic>
-        <p:nvPicPr>
-          <p:cNvPr id="4" name="Picture 3"/>
-          <p:cNvPicPr>
-            <a:picLocks noChangeAspect="1"/>
-          </p:cNvPicPr>
-          <p:nvPr/>
-        </p:nvPicPr>
-        <p:blipFill>
-          <a:blip r:embed="rId3">
-            <a:extLst>
-              <a:ext uri="{28A0092B-C50C-407E-A947-70E740481C1C}">
-                <a14:useLocalDpi xmlns:a14="http://schemas.microsoft.com/office/drawing/2010/main" val="0"/>
-              </a:ext>
-            </a:extLst>
-          </a:blip>
-          <a:stretch>
-            <a:fillRect/>
-          </a:stretch>
-        </p:blipFill>
-        <p:spPr>
-          <a:xfrm>
-            <a:off x="566882" y="1379913"/>
-            <a:ext cx="7266263" cy="3172460"/>
-          </a:xfrm>
-          <a:prstGeom prst="rect">
-            <a:avLst/>
-          </a:prstGeom>
-        </p:spPr>
-      </p:pic>
-      <p:pic>
-        <p:nvPicPr>
-          <p:cNvPr id="5" name="Picture 4"/>
-          <p:cNvPicPr>
-            <a:picLocks noChangeAspect="1"/>
-          </p:cNvPicPr>
-          <p:nvPr/>
-        </p:nvPicPr>
-        <p:blipFill>
-          <a:blip r:embed="rId4">
-            <a:extLst>
-              <a:ext uri="{28A0092B-C50C-407E-A947-70E740481C1C}">
-                <a14:useLocalDpi xmlns:a14="http://schemas.microsoft.com/office/drawing/2010/main" val="0"/>
-              </a:ext>
-            </a:extLst>
-          </a:blip>
-          <a:stretch>
-            <a:fillRect/>
-          </a:stretch>
-        </p:blipFill>
-        <p:spPr>
-          <a:xfrm>
-            <a:off x="5006340" y="3434195"/>
-            <a:ext cx="6847609" cy="3423805"/>
-          </a:xfrm>
-          <a:prstGeom prst="rect">
-            <a:avLst/>
-          </a:prstGeom>
-        </p:spPr>
-      </p:pic>
+      <p:graphicFrame>
+        <p:nvGraphicFramePr>
+          <p:cNvPr id="4" name="Chart 3"/>
+          <p:cNvGraphicFramePr>
+            <a:graphicFrameLocks/>
+          </p:cNvGraphicFramePr>
+          <p:nvPr>
+            <p:extLst>
+              <p:ext uri="{D42A27DB-BD31-4B8C-83A1-F6EECF244321}">
+                <p14:modId xmlns:p14="http://schemas.microsoft.com/office/powerpoint/2010/main" val="35110624"/>
+              </p:ext>
+            </p:extLst>
+          </p:nvPr>
+        </p:nvGraphicFramePr>
+        <p:xfrm>
+          <a:off x="2721345" y="1690688"/>
+          <a:ext cx="6749310" cy="4434434"/>
+        </p:xfrm>
+        <a:graphic>
+          <a:graphicData uri="http://schemas.openxmlformats.org/drawingml/2006/chart">
+            <c:chart xmlns:c="http://schemas.openxmlformats.org/drawingml/2006/chart" xmlns:r="http://schemas.openxmlformats.org/officeDocument/2006/relationships" r:id="rId3"/>
+          </a:graphicData>
+        </a:graphic>
+      </p:graphicFrame>
     </p:spTree>
     <p:extLst>
       <p:ext uri="{BB962C8B-B14F-4D97-AF65-F5344CB8AC3E}">
-        <p14:creationId xmlns:p14="http://schemas.microsoft.com/office/powerpoint/2010/main" val="17578669"/>
+        <p14:creationId xmlns:p14="http://schemas.microsoft.com/office/powerpoint/2010/main" val="613095915"/>
       </p:ext>
     </p:extLst>
   </p:cSld>
@@ -10831,18 +11161,10 @@
           <a:lstStyle/>
           <a:p>
             <a:r>
-              <a:rPr lang="en-US" dirty="0" smtClean="0">
-                <a:latin typeface="Helvetica" charset="0"/>
-                <a:ea typeface="Helvetica" charset="0"/>
-                <a:cs typeface="Helvetica" charset="0"/>
-              </a:rPr>
-              <a:t>Nucleotide Frequencies</a:t>
-            </a:r>
-            <a:endParaRPr lang="en-US" dirty="0">
-              <a:latin typeface="Helvetica" charset="0"/>
-              <a:ea typeface="Helvetica" charset="0"/>
-              <a:cs typeface="Helvetica" charset="0"/>
-            </a:endParaRPr>
+              <a:rPr lang="en-US" dirty="0" smtClean="0"/>
+              <a:t>Dinucleotide Frequencies</a:t>
+            </a:r>
+            <a:endParaRPr lang="en-US" dirty="0"/>
           </a:p>
         </p:txBody>
       </p:sp>
@@ -10855,14 +11177,14 @@
           <p:nvPr>
             <p:extLst>
               <p:ext uri="{D42A27DB-BD31-4B8C-83A1-F6EECF244321}">
-                <p14:modId xmlns:p14="http://schemas.microsoft.com/office/powerpoint/2010/main" val="35110624"/>
+                <p14:modId xmlns:p14="http://schemas.microsoft.com/office/powerpoint/2010/main" val="733431291"/>
               </p:ext>
             </p:extLst>
           </p:nvPr>
         </p:nvGraphicFramePr>
         <p:xfrm>
-          <a:off x="2721345" y="1690688"/>
-          <a:ext cx="6749310" cy="4434434"/>
+          <a:off x="2164291" y="1690688"/>
+          <a:ext cx="7863417" cy="4718050"/>
         </p:xfrm>
         <a:graphic>
           <a:graphicData uri="http://schemas.openxmlformats.org/drawingml/2006/chart">
@@ -10873,7 +11195,7 @@
     </p:spTree>
     <p:extLst>
       <p:ext uri="{BB962C8B-B14F-4D97-AF65-F5344CB8AC3E}">
-        <p14:creationId xmlns:p14="http://schemas.microsoft.com/office/powerpoint/2010/main" val="613095915"/>
+        <p14:creationId xmlns:p14="http://schemas.microsoft.com/office/powerpoint/2010/main" val="327056190"/>
       </p:ext>
     </p:extLst>
   </p:cSld>
@@ -10923,41 +11245,117 @@
           <a:lstStyle/>
           <a:p>
             <a:r>
-              <a:rPr lang="en-US" dirty="0" smtClean="0"/>
-              <a:t>Dinucleotide Frequencies</a:t>
-            </a:r>
+              <a:rPr lang="en-US" dirty="0"/>
+              <a:t>ORF Finder</a:t>
+            </a:r>
+          </a:p>
+        </p:txBody>
+      </p:sp>
+      <p:sp>
+        <p:nvSpPr>
+          <p:cNvPr id="3" name="Content Placeholder 2"/>
+          <p:cNvSpPr>
+            <a:spLocks noGrp="1"/>
+          </p:cNvSpPr>
+          <p:nvPr>
+            <p:ph idx="1"/>
+          </p:nvPr>
+        </p:nvSpPr>
+        <p:spPr>
+          <a:xfrm>
+            <a:off x="838200" y="2808605"/>
+            <a:ext cx="7094220" cy="3546475"/>
+          </a:xfrm>
+        </p:spPr>
+        <p:txBody>
+          <a:bodyPr vert="horz" lIns="91440" tIns="45720" rIns="91440" bIns="45720" rtlCol="0" anchor="t">
+            <a:normAutofit/>
+          </a:bodyPr>
+          <a:lstStyle/>
+          <a:p>
+            <a:pPr marL="0" indent="0">
+              <a:buNone/>
+            </a:pPr>
             <a:endParaRPr lang="en-US" dirty="0"/>
           </a:p>
+          <a:p>
+            <a:pPr marL="0" indent="0">
+              <a:buNone/>
+            </a:pPr>
+            <a:endParaRPr lang="en-US" dirty="0"/>
+          </a:p>
+          <a:p>
+            <a:pPr marL="0" indent="0">
+              <a:buNone/>
+            </a:pPr>
+            <a:r>
+              <a:rPr lang="en-US" dirty="0"/>
+              <a:t>Principles of algorithm:</a:t>
+            </a:r>
+          </a:p>
+          <a:p>
+            <a:pPr lvl="1"/>
+            <a:r>
+              <a:rPr lang="en-US" dirty="0"/>
+              <a:t>ORF: from start- to stop-codon</a:t>
+            </a:r>
+          </a:p>
+          <a:p>
+            <a:pPr lvl="1"/>
+            <a:r>
+              <a:rPr lang="en-US" dirty="0"/>
+              <a:t>Prokaryotic ORFs &gt; 300bp</a:t>
+            </a:r>
+          </a:p>
+          <a:p>
+            <a:pPr lvl="1"/>
+            <a:r>
+              <a:rPr lang="en-US" dirty="0"/>
+              <a:t>Eukaryotic ORFs between 100 and 1500bp</a:t>
+            </a:r>
+          </a:p>
+          <a:p>
+            <a:pPr lvl="1"/>
+            <a:r>
+              <a:rPr lang="en-US" dirty="0"/>
+              <a:t>Overlap removal using nested for-loops</a:t>
+            </a:r>
+          </a:p>
         </p:txBody>
       </p:sp>
-      <p:graphicFrame>
-        <p:nvGraphicFramePr>
-          <p:cNvPr id="4" name="Chart 3"/>
-          <p:cNvGraphicFramePr>
-            <a:graphicFrameLocks/>
-          </p:cNvGraphicFramePr>
-          <p:nvPr>
-            <p:extLst>
-              <p:ext uri="{D42A27DB-BD31-4B8C-83A1-F6EECF244321}">
-                <p14:modId xmlns:p14="http://schemas.microsoft.com/office/powerpoint/2010/main" val="733431291"/>
-              </p:ext>
-            </p:extLst>
-          </p:nvPr>
-        </p:nvGraphicFramePr>
-        <p:xfrm>
-          <a:off x="2164291" y="1690688"/>
-          <a:ext cx="7863417" cy="4718050"/>
-        </p:xfrm>
-        <a:graphic>
-          <a:graphicData uri="http://schemas.openxmlformats.org/drawingml/2006/chart">
-            <c:chart xmlns:c="http://schemas.openxmlformats.org/drawingml/2006/chart" xmlns:r="http://schemas.openxmlformats.org/officeDocument/2006/relationships" r:id="rId3"/>
-          </a:graphicData>
-        </a:graphic>
-      </p:graphicFrame>
+      <p:pic>
+        <p:nvPicPr>
+          <p:cNvPr id="5" name="Picture 4">
+            <a:extLst>
+              <a:ext uri="{FF2B5EF4-FFF2-40B4-BE49-F238E27FC236}">
+                <a16:creationId xmlns:a16="http://schemas.microsoft.com/office/drawing/2014/main" xmlns="" id="{EC1AD1EE-2242-4D1D-91CD-78F3B2C70BC9}"/>
+              </a:ext>
+            </a:extLst>
+          </p:cNvPr>
+          <p:cNvPicPr>
+            <a:picLocks noChangeAspect="1"/>
+          </p:cNvPicPr>
+          <p:nvPr/>
+        </p:nvPicPr>
+        <p:blipFill rotWithShape="1">
+          <a:blip r:embed="rId3"/>
+          <a:srcRect l="1035" t="28725" r="37026" b="26655"/>
+          <a:stretch/>
+        </p:blipFill>
+        <p:spPr>
+          <a:xfrm>
+            <a:off x="4930139" y="902529"/>
+            <a:ext cx="6652261" cy="2694235"/>
+          </a:xfrm>
+          <a:prstGeom prst="rect">
+            <a:avLst/>
+          </a:prstGeom>
+        </p:spPr>
+      </p:pic>
     </p:spTree>
     <p:extLst>
       <p:ext uri="{BB962C8B-B14F-4D97-AF65-F5344CB8AC3E}">
-        <p14:creationId xmlns:p14="http://schemas.microsoft.com/office/powerpoint/2010/main" val="327056190"/>
+        <p14:creationId xmlns:p14="http://schemas.microsoft.com/office/powerpoint/2010/main" val="444953848"/>
       </p:ext>
     </p:extLst>
   </p:cSld>
@@ -11007,78 +11405,46 @@
           <a:lstStyle/>
           <a:p>
             <a:r>
-              <a:rPr lang="en-US" dirty="0" smtClean="0"/>
-              <a:t>ORF Finder</a:t>
-            </a:r>
-            <a:endParaRPr lang="en-US" dirty="0"/>
+              <a:rPr lang="en-US" dirty="0"/>
+              <a:t>ORF Finder results</a:t>
+            </a:r>
           </a:p>
         </p:txBody>
       </p:sp>
-      <p:sp>
-        <p:nvSpPr>
-          <p:cNvPr id="3" name="Content Placeholder 2"/>
-          <p:cNvSpPr>
-            <a:spLocks noGrp="1"/>
-          </p:cNvSpPr>
-          <p:nvPr>
-            <p:ph idx="1"/>
-          </p:nvPr>
-        </p:nvSpPr>
-        <p:spPr/>
-        <p:txBody>
-          <a:bodyPr/>
-          <a:lstStyle/>
-          <a:p>
-            <a:r>
-              <a:rPr lang="en-US" dirty="0" smtClean="0"/>
-              <a:t>Principles of algorithm:</a:t>
-            </a:r>
-          </a:p>
-          <a:p>
-            <a:pPr lvl="1"/>
-            <a:r>
-              <a:rPr lang="en-US" dirty="0"/>
-              <a:t>S</a:t>
-            </a:r>
-            <a:r>
-              <a:rPr lang="en-US" dirty="0" smtClean="0"/>
-              <a:t>tretch of DNA flanked by start &amp; end codons</a:t>
-            </a:r>
-          </a:p>
-          <a:p>
-            <a:pPr lvl="1"/>
-            <a:r>
-              <a:rPr lang="en-US" dirty="0" smtClean="0"/>
-              <a:t>6 reading frames, 3 per strand</a:t>
-            </a:r>
-          </a:p>
-          <a:p>
-            <a:pPr lvl="1"/>
-            <a:r>
-              <a:rPr lang="en-US" dirty="0" smtClean="0"/>
-              <a:t>Prokaryotic ORFs &gt; 300bp</a:t>
-            </a:r>
-          </a:p>
-          <a:p>
-            <a:pPr lvl="1"/>
-            <a:r>
-              <a:rPr lang="en-US" dirty="0" smtClean="0"/>
-              <a:t>Eukaryotic ORFs between 100 to 1500bp</a:t>
-            </a:r>
-          </a:p>
-          <a:p>
-            <a:pPr lvl="1"/>
-            <a:r>
-              <a:rPr lang="en-US" dirty="0" smtClean="0"/>
-              <a:t>Overlap removal using Dynamic Programming (DP)</a:t>
-            </a:r>
-          </a:p>
-        </p:txBody>
-      </p:sp>
+      <p:pic>
+        <p:nvPicPr>
+          <p:cNvPr id="8" name="Picture 7">
+            <a:extLst>
+              <a:ext uri="{FF2B5EF4-FFF2-40B4-BE49-F238E27FC236}">
+                <a16:creationId xmlns:a16="http://schemas.microsoft.com/office/drawing/2014/main" xmlns="" id="{1FCCC0D0-42A3-40FF-AF7C-1C1726721FBA}"/>
+              </a:ext>
+            </a:extLst>
+          </p:cNvPr>
+          <p:cNvPicPr>
+            <a:picLocks noChangeAspect="1"/>
+          </p:cNvPicPr>
+          <p:nvPr/>
+        </p:nvPicPr>
+        <p:blipFill>
+          <a:blip r:embed="rId3"/>
+          <a:stretch>
+            <a:fillRect/>
+          </a:stretch>
+        </p:blipFill>
+        <p:spPr>
+          <a:xfrm>
+            <a:off x="-715548" y="1690688"/>
+            <a:ext cx="12069348" cy="3874539"/>
+          </a:xfrm>
+          <a:prstGeom prst="rect">
+            <a:avLst/>
+          </a:prstGeom>
+        </p:spPr>
+      </p:pic>
     </p:spTree>
     <p:extLst>
       <p:ext uri="{BB962C8B-B14F-4D97-AF65-F5344CB8AC3E}">
-        <p14:creationId xmlns:p14="http://schemas.microsoft.com/office/powerpoint/2010/main" val="901600328"/>
+        <p14:creationId xmlns:p14="http://schemas.microsoft.com/office/powerpoint/2010/main" val="2129682284"/>
       </p:ext>
     </p:extLst>
   </p:cSld>
@@ -11128,37 +11494,64 @@
           <a:lstStyle/>
           <a:p>
             <a:r>
-              <a:rPr lang="en-US" dirty="0" smtClean="0"/>
-              <a:t>ORF Finder results</a:t>
-            </a:r>
-            <a:endParaRPr lang="en-US" dirty="0"/>
+              <a:rPr lang="en-US" dirty="0"/>
+              <a:t>Performance analysis</a:t>
+            </a:r>
+          </a:p>
+        </p:txBody>
+      </p:sp>
+      <p:sp>
+        <p:nvSpPr>
+          <p:cNvPr id="3" name="Content Placeholder 2"/>
+          <p:cNvSpPr>
+            <a:spLocks noGrp="1"/>
+          </p:cNvSpPr>
+          <p:nvPr>
+            <p:ph idx="1"/>
+          </p:nvPr>
+        </p:nvSpPr>
+        <p:spPr/>
+        <p:txBody>
+          <a:bodyPr/>
+          <a:lstStyle/>
+          <a:p>
+            <a:r>
+              <a:rPr lang="en-US" dirty="0"/>
+              <a:t>Example: 44.fa.txt (</a:t>
+            </a:r>
+            <a:r>
+              <a:rPr lang="en-US" i="1" dirty="0"/>
+              <a:t>L. </a:t>
+            </a:r>
+            <a:r>
+              <a:rPr lang="en-US" i="1" dirty="0" err="1"/>
+              <a:t>gelidum</a:t>
+            </a:r>
+            <a:r>
+              <a:rPr lang="en-US" dirty="0"/>
+              <a:t>)</a:t>
+            </a:r>
           </a:p>
         </p:txBody>
       </p:sp>
       <p:pic>
         <p:nvPicPr>
-          <p:cNvPr id="6" name="Picture 5"/>
+          <p:cNvPr id="5" name="Picture 4"/>
           <p:cNvPicPr>
             <a:picLocks noChangeAspect="1"/>
           </p:cNvPicPr>
           <p:nvPr/>
         </p:nvPicPr>
         <p:blipFill>
-          <a:blip r:embed="rId3">
-            <a:extLst>
-              <a:ext uri="{28A0092B-C50C-407E-A947-70E740481C1C}">
-                <a14:useLocalDpi xmlns:a14="http://schemas.microsoft.com/office/drawing/2010/main" val="0"/>
-              </a:ext>
-            </a:extLst>
-          </a:blip>
+          <a:blip r:embed="rId3"/>
           <a:stretch>
             <a:fillRect/>
           </a:stretch>
         </p:blipFill>
         <p:spPr>
           <a:xfrm>
-            <a:off x="2569457" y="1989975"/>
-            <a:ext cx="6853586" cy="3529676"/>
+            <a:off x="1132489" y="3419245"/>
+            <a:ext cx="6469118" cy="2102463"/>
           </a:xfrm>
           <a:prstGeom prst="rect">
             <a:avLst/>
@@ -11168,7 +11561,7 @@
     </p:spTree>
     <p:extLst>
       <p:ext uri="{BB962C8B-B14F-4D97-AF65-F5344CB8AC3E}">
-        <p14:creationId xmlns:p14="http://schemas.microsoft.com/office/powerpoint/2010/main" val="2124591776"/>
+        <p14:creationId xmlns:p14="http://schemas.microsoft.com/office/powerpoint/2010/main" val="1280693410"/>
       </p:ext>
     </p:extLst>
   </p:cSld>
@@ -11219,75 +11612,40 @@
           <a:p>
             <a:r>
               <a:rPr lang="en-US" dirty="0" smtClean="0"/>
-              <a:t>Performance analysis</a:t>
+              <a:t>Performance analysis (F1-Score)</a:t>
             </a:r>
             <a:endParaRPr lang="en-US" dirty="0"/>
           </a:p>
         </p:txBody>
       </p:sp>
-      <p:sp>
-        <p:nvSpPr>
-          <p:cNvPr id="3" name="Content Placeholder 2"/>
-          <p:cNvSpPr>
-            <a:spLocks noGrp="1"/>
-          </p:cNvSpPr>
-          <p:nvPr>
-            <p:ph idx="1"/>
-          </p:nvPr>
-        </p:nvSpPr>
-        <p:spPr/>
-        <p:txBody>
-          <a:bodyPr/>
-          <a:lstStyle/>
-          <a:p>
-            <a:r>
-              <a:rPr lang="en-US" dirty="0" smtClean="0"/>
-              <a:t>Example: 44.fa.txt (</a:t>
-            </a:r>
-            <a:r>
-              <a:rPr lang="en-US" i="1" dirty="0" smtClean="0"/>
-              <a:t>L. </a:t>
-            </a:r>
-            <a:r>
-              <a:rPr lang="en-US" i="1" dirty="0" err="1" smtClean="0"/>
-              <a:t>gelidum</a:t>
-            </a:r>
-            <a:r>
-              <a:rPr lang="en-US" dirty="0" smtClean="0"/>
-              <a:t>)</a:t>
-            </a:r>
-            <a:endParaRPr lang="en-US" dirty="0"/>
-          </a:p>
-        </p:txBody>
-      </p:sp>
-      <p:pic>
-        <p:nvPicPr>
-          <p:cNvPr id="5" name="Picture 4"/>
-          <p:cNvPicPr>
-            <a:picLocks noChangeAspect="1"/>
-          </p:cNvPicPr>
-          <p:nvPr/>
-        </p:nvPicPr>
-        <p:blipFill>
-          <a:blip r:embed="rId3"/>
-          <a:stretch>
-            <a:fillRect/>
-          </a:stretch>
-        </p:blipFill>
-        <p:spPr>
-          <a:xfrm>
-            <a:off x="3804849" y="3256670"/>
-            <a:ext cx="4582302" cy="1489248"/>
-          </a:xfrm>
-          <a:prstGeom prst="rect">
-            <a:avLst/>
-          </a:prstGeom>
-        </p:spPr>
-      </p:pic>
+      <p:graphicFrame>
+        <p:nvGraphicFramePr>
+          <p:cNvPr id="6" name="Chart 5"/>
+          <p:cNvGraphicFramePr>
+            <a:graphicFrameLocks/>
+          </p:cNvGraphicFramePr>
+          <p:nvPr>
+            <p:extLst>
+              <p:ext uri="{D42A27DB-BD31-4B8C-83A1-F6EECF244321}">
+                <p14:modId xmlns:p14="http://schemas.microsoft.com/office/powerpoint/2010/main" val="1531201059"/>
+              </p:ext>
+            </p:extLst>
+          </p:nvPr>
+        </p:nvGraphicFramePr>
+        <p:xfrm>
+          <a:off x="2248592" y="1690688"/>
+          <a:ext cx="7694815" cy="4616889"/>
+        </p:xfrm>
+        <a:graphic>
+          <a:graphicData uri="http://schemas.openxmlformats.org/drawingml/2006/chart">
+            <c:chart xmlns:c="http://schemas.openxmlformats.org/drawingml/2006/chart" xmlns:r="http://schemas.openxmlformats.org/officeDocument/2006/relationships" r:id="rId3"/>
+          </a:graphicData>
+        </a:graphic>
+      </p:graphicFrame>
     </p:spTree>
     <p:extLst>
       <p:ext uri="{BB962C8B-B14F-4D97-AF65-F5344CB8AC3E}">
-        <p14:creationId xmlns:p14="http://schemas.microsoft.com/office/powerpoint/2010/main" val="30445591"/>
+        <p14:creationId xmlns:p14="http://schemas.microsoft.com/office/powerpoint/2010/main" val="420981432"/>
       </p:ext>
     </p:extLst>
   </p:cSld>

--- a/final_project/final_presentation.pptx
+++ b/final_project/final_presentation.pptx
@@ -9,14 +9,14 @@
   </p:notesMasterIdLst>
   <p:sldIdLst>
     <p:sldId id="256" r:id="rId2"/>
-    <p:sldId id="257" r:id="rId3"/>
-    <p:sldId id="276" r:id="rId4"/>
+    <p:sldId id="280" r:id="rId3"/>
+    <p:sldId id="281" r:id="rId4"/>
     <p:sldId id="263" r:id="rId5"/>
     <p:sldId id="264" r:id="rId6"/>
-    <p:sldId id="277" r:id="rId7"/>
-    <p:sldId id="278" r:id="rId8"/>
-    <p:sldId id="279" r:id="rId9"/>
-    <p:sldId id="273" r:id="rId10"/>
+    <p:sldId id="282" r:id="rId7"/>
+    <p:sldId id="283" r:id="rId8"/>
+    <p:sldId id="284" r:id="rId9"/>
+    <p:sldId id="285" r:id="rId10"/>
     <p:sldId id="274" r:id="rId11"/>
     <p:sldId id="275" r:id="rId12"/>
     <p:sldId id="262" r:id="rId13"/>
@@ -119,11 +119,20 @@
       </a:defRPr>
     </a:lvl9pPr>
   </p:defaultTextStyle>
+  <p:extLst>
+    <p:ext uri="{EFAFB233-063F-42B5-8137-9DF3F51BA10A}">
+      <p15:sldGuideLst xmlns:p15="http://schemas.microsoft.com/office/powerpoint/2012/main"/>
+    </p:ext>
+  </p:extLst>
 </p:presentation>
 </file>
 
+<file path=ppt/revisionInfo.xml><?xml version="1.0" encoding="utf-8"?>
+<p1510:revInfo xmlns:a="http://schemas.openxmlformats.org/drawingml/2006/main" xmlns:r="http://schemas.openxmlformats.org/officeDocument/2006/relationships" xmlns:p1510="http://schemas.microsoft.com/office/powerpoint/2015/10/main"/>
+</file>
+
 <file path=ppt/charts/chart1.xml><?xml version="1.0" encoding="utf-8"?>
-<c:chartSpace xmlns:c="http://schemas.openxmlformats.org/drawingml/2006/chart" xmlns:a="http://schemas.openxmlformats.org/drawingml/2006/main" xmlns:r="http://schemas.openxmlformats.org/officeDocument/2006/relationships">
+<c:chartSpace xmlns:c="http://schemas.openxmlformats.org/drawingml/2006/chart" xmlns:a="http://schemas.openxmlformats.org/drawingml/2006/main" xmlns:r="http://schemas.openxmlformats.org/officeDocument/2006/relationships" xmlns:c16r2="http://schemas.microsoft.com/office/drawing/2015/06/chart">
   <c:date1904 val="0"/>
   <c:lang val="en-US"/>
   <c:roundedCorners val="0"/>
@@ -162,7 +171,6 @@
           </a:p>
         </c:rich>
       </c:tx>
-      <c:layout/>
       <c:overlay val="0"/>
       <c:spPr>
         <a:noFill/>
@@ -188,7 +196,7 @@
               <a:cs typeface="+mn-cs"/>
             </a:defRPr>
           </a:pPr>
-          <a:endParaRPr lang="en-US"/>
+          <a:endParaRPr lang="de-DE"/>
         </a:p>
       </c:txPr>
     </c:title>
@@ -255,23 +263,28 @@
                 <c:formatCode>General</c:formatCode>
                 <c:ptCount val="5"/>
                 <c:pt idx="0">
-                  <c:v>1.589939E6</c:v>
+                  <c:v>1589939</c:v>
                 </c:pt>
                 <c:pt idx="1">
-                  <c:v>504109.0</c:v>
+                  <c:v>504109</c:v>
                 </c:pt>
                 <c:pt idx="2">
-                  <c:v>134339.0</c:v>
+                  <c:v>134339</c:v>
                 </c:pt>
                 <c:pt idx="3">
-                  <c:v>600998.0</c:v>
+                  <c:v>600998</c:v>
                 </c:pt>
                 <c:pt idx="4">
-                  <c:v>540971.0</c:v>
+                  <c:v>540971</c:v>
                 </c:pt>
               </c:numCache>
             </c:numRef>
           </c:val>
+          <c:extLst>
+            <c:ext xmlns:c16="http://schemas.microsoft.com/office/drawing/2014/chart" uri="{C3380CC4-5D6E-409C-BE32-E72D297353CC}">
+              <c16:uniqueId val="{00000000-2436-48A8-A880-23B8C11F20DF}"/>
+            </c:ext>
+          </c:extLst>
         </c:ser>
         <c:ser>
           <c:idx val="1"/>
@@ -329,23 +342,28 @@
                 <c:formatCode>General</c:formatCode>
                 <c:ptCount val="5"/>
                 <c:pt idx="0">
-                  <c:v>1.981614E6</c:v>
+                  <c:v>1981614</c:v>
                 </c:pt>
                 <c:pt idx="1">
-                  <c:v>426011.0</c:v>
+                  <c:v>426011</c:v>
                 </c:pt>
                 <c:pt idx="2">
-                  <c:v>85465.0</c:v>
+                  <c:v>85465</c:v>
                 </c:pt>
                 <c:pt idx="3">
-                  <c:v>346142.0</c:v>
+                  <c:v>346142</c:v>
                 </c:pt>
                 <c:pt idx="4">
-                  <c:v>577262.0</c:v>
+                  <c:v>577262</c:v>
                 </c:pt>
               </c:numCache>
             </c:numRef>
           </c:val>
+          <c:extLst>
+            <c:ext xmlns:c16="http://schemas.microsoft.com/office/drawing/2014/chart" uri="{C3380CC4-5D6E-409C-BE32-E72D297353CC}">
+              <c16:uniqueId val="{00000001-2436-48A8-A880-23B8C11F20DF}"/>
+            </c:ext>
+          </c:extLst>
         </c:ser>
         <c:ser>
           <c:idx val="2"/>
@@ -403,23 +421,28 @@
                 <c:formatCode>General</c:formatCode>
                 <c:ptCount val="5"/>
                 <c:pt idx="0">
-                  <c:v>1.592923E6</c:v>
+                  <c:v>1592923</c:v>
                 </c:pt>
                 <c:pt idx="1">
-                  <c:v>500833.0</c:v>
+                  <c:v>500833</c:v>
                 </c:pt>
                 <c:pt idx="2">
-                  <c:v>134423.0</c:v>
+                  <c:v>134423</c:v>
                 </c:pt>
                 <c:pt idx="3">
-                  <c:v>598020.0</c:v>
+                  <c:v>598020</c:v>
                 </c:pt>
                 <c:pt idx="4">
-                  <c:v>542592.0</c:v>
+                  <c:v>542592</c:v>
                 </c:pt>
               </c:numCache>
             </c:numRef>
           </c:val>
+          <c:extLst>
+            <c:ext xmlns:c16="http://schemas.microsoft.com/office/drawing/2014/chart" uri="{C3380CC4-5D6E-409C-BE32-E72D297353CC}">
+              <c16:uniqueId val="{00000002-2436-48A8-A880-23B8C11F20DF}"/>
+            </c:ext>
+          </c:extLst>
         </c:ser>
         <c:ser>
           <c:idx val="3"/>
@@ -477,23 +500,28 @@
                 <c:formatCode>General</c:formatCode>
                 <c:ptCount val="5"/>
                 <c:pt idx="0">
-                  <c:v>1.985204E6</c:v>
+                  <c:v>1985204</c:v>
                 </c:pt>
                 <c:pt idx="1">
-                  <c:v>438657.0</c:v>
+                  <c:v>438657</c:v>
                 </c:pt>
                 <c:pt idx="2">
-                  <c:v>85661.0</c:v>
+                  <c:v>85661</c:v>
                 </c:pt>
                 <c:pt idx="3">
-                  <c:v>348339.0</c:v>
+                  <c:v>348339</c:v>
                 </c:pt>
                 <c:pt idx="4">
-                  <c:v>582122.0</c:v>
+                  <c:v>582122</c:v>
                 </c:pt>
               </c:numCache>
             </c:numRef>
           </c:val>
+          <c:extLst>
+            <c:ext xmlns:c16="http://schemas.microsoft.com/office/drawing/2014/chart" uri="{C3380CC4-5D6E-409C-BE32-E72D297353CC}">
+              <c16:uniqueId val="{00000003-2436-48A8-A880-23B8C11F20DF}"/>
+            </c:ext>
+          </c:extLst>
         </c:ser>
         <c:ser>
           <c:idx val="4"/>
@@ -551,23 +579,28 @@
                 <c:formatCode>General</c:formatCode>
                 <c:ptCount val="5"/>
                 <c:pt idx="0">
-                  <c:v>9.0</c:v>
+                  <c:v>9</c:v>
                 </c:pt>
                 <c:pt idx="1">
-                  <c:v>0.0</c:v>
+                  <c:v>0</c:v>
                 </c:pt>
                 <c:pt idx="2">
-                  <c:v>0.0</c:v>
+                  <c:v>0</c:v>
                 </c:pt>
                 <c:pt idx="3">
-                  <c:v>0.0</c:v>
+                  <c:v>0</c:v>
                 </c:pt>
                 <c:pt idx="4">
-                  <c:v>0.0</c:v>
+                  <c:v>0</c:v>
                 </c:pt>
               </c:numCache>
             </c:numRef>
           </c:val>
+          <c:extLst>
+            <c:ext xmlns:c16="http://schemas.microsoft.com/office/drawing/2014/chart" uri="{C3380CC4-5D6E-409C-BE32-E72D297353CC}">
+              <c16:uniqueId val="{00000004-2436-48A8-A880-23B8C11F20DF}"/>
+            </c:ext>
+          </c:extLst>
         </c:ser>
         <c:dLbls>
           <c:showLegendKey val="0"/>
@@ -625,7 +658,7 @@
                 <a:cs typeface="+mn-cs"/>
               </a:defRPr>
             </a:pPr>
-            <a:endParaRPr lang="en-US"/>
+            <a:endParaRPr lang="de-DE"/>
           </a:p>
         </c:txPr>
         <c:crossAx val="1888453536"/>
@@ -698,7 +731,6 @@
               </a:p>
             </c:rich>
           </c:tx>
-          <c:layout/>
           <c:overlay val="0"/>
           <c:spPr>
             <a:noFill/>
@@ -724,7 +756,7 @@
                   <a:cs typeface="+mn-cs"/>
                 </a:defRPr>
               </a:pPr>
-              <a:endParaRPr lang="en-US"/>
+              <a:endParaRPr lang="de-DE"/>
             </a:p>
           </c:txPr>
         </c:title>
@@ -756,7 +788,7 @@
                 <a:cs typeface="+mn-cs"/>
               </a:defRPr>
             </a:pPr>
-            <a:endParaRPr lang="en-US"/>
+            <a:endParaRPr lang="de-DE"/>
           </a:p>
         </c:txPr>
         <c:crossAx val="1894903456"/>
@@ -773,7 +805,6 @@
     </c:plotArea>
     <c:legend>
       <c:legendPos val="r"/>
-      <c:layout/>
       <c:overlay val="0"/>
       <c:spPr>
         <a:noFill/>
@@ -799,7 +830,7 @@
               <a:cs typeface="+mn-cs"/>
             </a:defRPr>
           </a:pPr>
-          <a:endParaRPr lang="en-US"/>
+          <a:endParaRPr lang="de-DE"/>
         </a:p>
       </c:txPr>
     </c:legend>
@@ -821,7 +852,7 @@
       <a:pPr>
         <a:defRPr/>
       </a:pPr>
-      <a:endParaRPr lang="en-US"/>
+      <a:endParaRPr lang="de-DE"/>
     </a:p>
   </c:txPr>
   <c:externalData r:id="rId3">
@@ -831,7 +862,7 @@
 </file>
 
 <file path=ppt/charts/chart2.xml><?xml version="1.0" encoding="utf-8"?>
-<c:chartSpace xmlns:c="http://schemas.openxmlformats.org/drawingml/2006/chart" xmlns:a="http://schemas.openxmlformats.org/drawingml/2006/main" xmlns:r="http://schemas.openxmlformats.org/officeDocument/2006/relationships">
+<c:chartSpace xmlns:c="http://schemas.openxmlformats.org/drawingml/2006/chart" xmlns:a="http://schemas.openxmlformats.org/drawingml/2006/main" xmlns:r="http://schemas.openxmlformats.org/officeDocument/2006/relationships" xmlns:c16r2="http://schemas.microsoft.com/office/drawing/2015/06/chart">
   <c:date1904 val="0"/>
   <c:lang val="en-US"/>
   <c:roundedCorners val="0"/>
@@ -875,7 +906,6 @@
           </a:p>
         </c:rich>
       </c:tx>
-      <c:layout/>
       <c:overlay val="0"/>
       <c:spPr>
         <a:noFill/>
@@ -901,7 +931,7 @@
               <a:cs typeface="+mn-cs"/>
             </a:defRPr>
           </a:pPr>
-          <a:endParaRPr lang="en-US"/>
+          <a:endParaRPr lang="de-DE"/>
         </a:p>
       </c:txPr>
     </c:title>
@@ -968,23 +998,28 @@
                 <c:formatCode>General</c:formatCode>
                 <c:ptCount val="5"/>
                 <c:pt idx="0">
-                  <c:v>359096.0</c:v>
+                  <c:v>359096</c:v>
                 </c:pt>
                 <c:pt idx="1">
-                  <c:v>119138.0</c:v>
+                  <c:v>119138</c:v>
                 </c:pt>
                 <c:pt idx="2">
-                  <c:v>34423.0</c:v>
+                  <c:v>34423</c:v>
                 </c:pt>
                 <c:pt idx="3">
-                  <c:v>159766.0</c:v>
+                  <c:v>159766</c:v>
                 </c:pt>
                 <c:pt idx="4">
-                  <c:v>136187.0</c:v>
+                  <c:v>136187</c:v>
                 </c:pt>
               </c:numCache>
             </c:numRef>
           </c:val>
+          <c:extLst>
+            <c:ext xmlns:c16="http://schemas.microsoft.com/office/drawing/2014/chart" uri="{C3380CC4-5D6E-409C-BE32-E72D297353CC}">
+              <c16:uniqueId val="{00000000-8AF4-4936-BE51-FDF343E9FD45}"/>
+            </c:ext>
+          </c:extLst>
         </c:ser>
         <c:ser>
           <c:idx val="1"/>
@@ -1042,23 +1077,28 @@
                 <c:formatCode>General</c:formatCode>
                 <c:ptCount val="5"/>
                 <c:pt idx="0">
-                  <c:v>421691.0</c:v>
+                  <c:v>421691</c:v>
                 </c:pt>
                 <c:pt idx="1">
-                  <c:v>100392.0</c:v>
+                  <c:v>100392</c:v>
                 </c:pt>
                 <c:pt idx="2">
-                  <c:v>23399.0</c:v>
+                  <c:v>23399</c:v>
                 </c:pt>
                 <c:pt idx="3">
-                  <c:v>105514.0</c:v>
+                  <c:v>105514</c:v>
                 </c:pt>
                 <c:pt idx="4">
-                  <c:v>116880.0</c:v>
+                  <c:v>116880</c:v>
                 </c:pt>
               </c:numCache>
             </c:numRef>
           </c:val>
+          <c:extLst>
+            <c:ext xmlns:c16="http://schemas.microsoft.com/office/drawing/2014/chart" uri="{C3380CC4-5D6E-409C-BE32-E72D297353CC}">
+              <c16:uniqueId val="{00000001-8AF4-4936-BE51-FDF343E9FD45}"/>
+            </c:ext>
+          </c:extLst>
         </c:ser>
         <c:ser>
           <c:idx val="2"/>
@@ -1116,23 +1156,28 @@
                 <c:formatCode>General</c:formatCode>
                 <c:ptCount val="5"/>
                 <c:pt idx="0">
-                  <c:v>387766.0</c:v>
+                  <c:v>387766</c:v>
                 </c:pt>
                 <c:pt idx="1">
-                  <c:v>112580.0</c:v>
+                  <c:v>112580</c:v>
                 </c:pt>
                 <c:pt idx="2">
-                  <c:v>38074.0</c:v>
+                  <c:v>38074</c:v>
                 </c:pt>
                 <c:pt idx="3">
-                  <c:v>190601.0</c:v>
+                  <c:v>190601</c:v>
                 </c:pt>
                 <c:pt idx="4">
-                  <c:v>136676.0</c:v>
+                  <c:v>136676</c:v>
                 </c:pt>
               </c:numCache>
             </c:numRef>
           </c:val>
+          <c:extLst>
+            <c:ext xmlns:c16="http://schemas.microsoft.com/office/drawing/2014/chart" uri="{C3380CC4-5D6E-409C-BE32-E72D297353CC}">
+              <c16:uniqueId val="{00000002-8AF4-4936-BE51-FDF343E9FD45}"/>
+            </c:ext>
+          </c:extLst>
         </c:ser>
         <c:ser>
           <c:idx val="3"/>
@@ -1190,23 +1235,28 @@
                 <c:formatCode>General</c:formatCode>
                 <c:ptCount val="5"/>
                 <c:pt idx="0">
-                  <c:v>329767.0</c:v>
+                  <c:v>329767</c:v>
                 </c:pt>
                 <c:pt idx="1">
-                  <c:v>129961.0</c:v>
+                  <c:v>129961</c:v>
                 </c:pt>
                 <c:pt idx="2">
-                  <c:v>26070.0</c:v>
+                  <c:v>26070</c:v>
                 </c:pt>
                 <c:pt idx="3">
-                  <c:v>88325.0</c:v>
+                  <c:v>88325</c:v>
                 </c:pt>
                 <c:pt idx="4">
-                  <c:v>97600.0</c:v>
+                  <c:v>97600</c:v>
                 </c:pt>
               </c:numCache>
             </c:numRef>
           </c:val>
+          <c:extLst>
+            <c:ext xmlns:c16="http://schemas.microsoft.com/office/drawing/2014/chart" uri="{C3380CC4-5D6E-409C-BE32-E72D297353CC}">
+              <c16:uniqueId val="{00000003-8AF4-4936-BE51-FDF343E9FD45}"/>
+            </c:ext>
+          </c:extLst>
         </c:ser>
         <c:ser>
           <c:idx val="4"/>
@@ -1264,23 +1314,28 @@
                 <c:formatCode>General</c:formatCode>
                 <c:ptCount val="5"/>
                 <c:pt idx="0">
-                  <c:v>489129.0</c:v>
+                  <c:v>489129</c:v>
                 </c:pt>
                 <c:pt idx="1">
-                  <c:v>110613.0</c:v>
+                  <c:v>110613</c:v>
                 </c:pt>
                 <c:pt idx="2">
-                  <c:v>28585.0</c:v>
+                  <c:v>28585</c:v>
                 </c:pt>
                 <c:pt idx="3">
-                  <c:v>138243.0</c:v>
+                  <c:v>138243</c:v>
                 </c:pt>
                 <c:pt idx="4">
-                  <c:v>140876.0</c:v>
+                  <c:v>140876</c:v>
                 </c:pt>
               </c:numCache>
             </c:numRef>
           </c:val>
+          <c:extLst>
+            <c:ext xmlns:c16="http://schemas.microsoft.com/office/drawing/2014/chart" uri="{C3380CC4-5D6E-409C-BE32-E72D297353CC}">
+              <c16:uniqueId val="{00000004-8AF4-4936-BE51-FDF343E9FD45}"/>
+            </c:ext>
+          </c:extLst>
         </c:ser>
         <c:ser>
           <c:idx val="5"/>
@@ -1338,23 +1393,28 @@
                 <c:formatCode>General</c:formatCode>
                 <c:ptCount val="5"/>
                 <c:pt idx="0">
-                  <c:v>388521.0</c:v>
+                  <c:v>388521</c:v>
                 </c:pt>
                 <c:pt idx="1">
-                  <c:v>80193.0</c:v>
+                  <c:v>80193</c:v>
                 </c:pt>
                 <c:pt idx="2">
-                  <c:v>14956.0</c:v>
+                  <c:v>14956</c:v>
                 </c:pt>
                 <c:pt idx="3">
-                  <c:v>54062.0</c:v>
+                  <c:v>54062</c:v>
                 </c:pt>
                 <c:pt idx="4">
-                  <c:v>121349.0</c:v>
+                  <c:v>121349</c:v>
                 </c:pt>
               </c:numCache>
             </c:numRef>
           </c:val>
+          <c:extLst>
+            <c:ext xmlns:c16="http://schemas.microsoft.com/office/drawing/2014/chart" uri="{C3380CC4-5D6E-409C-BE32-E72D297353CC}">
+              <c16:uniqueId val="{00000005-8AF4-4936-BE51-FDF343E9FD45}"/>
+            </c:ext>
+          </c:extLst>
         </c:ser>
         <c:ser>
           <c:idx val="6"/>
@@ -1413,23 +1473,28 @@
                 <c:formatCode>General</c:formatCode>
                 <c:ptCount val="5"/>
                 <c:pt idx="0">
-                  <c:v>330792.0</c:v>
+                  <c:v>330792</c:v>
                 </c:pt>
                 <c:pt idx="1">
-                  <c:v>127257.0</c:v>
+                  <c:v>127257</c:v>
                 </c:pt>
                 <c:pt idx="2">
-                  <c:v>25992.0</c:v>
+                  <c:v>25992</c:v>
                 </c:pt>
                 <c:pt idx="3">
-                  <c:v>87166.0</c:v>
+                  <c:v>87166</c:v>
                 </c:pt>
                 <c:pt idx="4">
-                  <c:v>96573.0</c:v>
+                  <c:v>96573</c:v>
                 </c:pt>
               </c:numCache>
             </c:numRef>
           </c:val>
+          <c:extLst>
+            <c:ext xmlns:c16="http://schemas.microsoft.com/office/drawing/2014/chart" uri="{C3380CC4-5D6E-409C-BE32-E72D297353CC}">
+              <c16:uniqueId val="{00000006-8AF4-4936-BE51-FDF343E9FD45}"/>
+            </c:ext>
+          </c:extLst>
         </c:ser>
         <c:ser>
           <c:idx val="7"/>
@@ -1488,23 +1553,28 @@
                 <c:formatCode>General</c:formatCode>
                 <c:ptCount val="5"/>
                 <c:pt idx="0">
-                  <c:v>704454.0</c:v>
+                  <c:v>704454</c:v>
                 </c:pt>
                 <c:pt idx="1">
-                  <c:v>92039.0</c:v>
+                  <c:v>92039</c:v>
                 </c:pt>
                 <c:pt idx="2">
-                  <c:v>13236.0</c:v>
+                  <c:v>13236</c:v>
                 </c:pt>
                 <c:pt idx="3">
-                  <c:v>58970.0</c:v>
+                  <c:v>58970</c:v>
                 </c:pt>
                 <c:pt idx="4">
-                  <c:v>195774.0</c:v>
+                  <c:v>195774</c:v>
                 </c:pt>
               </c:numCache>
             </c:numRef>
           </c:val>
+          <c:extLst>
+            <c:ext xmlns:c16="http://schemas.microsoft.com/office/drawing/2014/chart" uri="{C3380CC4-5D6E-409C-BE32-E72D297353CC}">
+              <c16:uniqueId val="{00000007-8AF4-4936-BE51-FDF343E9FD45}"/>
+            </c:ext>
+          </c:extLst>
         </c:ser>
         <c:ser>
           <c:idx val="8"/>
@@ -1563,23 +1633,28 @@
                 <c:formatCode>General</c:formatCode>
                 <c:ptCount val="5"/>
                 <c:pt idx="0">
-                  <c:v>105255.0</c:v>
+                  <c:v>105255</c:v>
                 </c:pt>
                 <c:pt idx="1">
-                  <c:v>67219.0</c:v>
+                  <c:v>67219</c:v>
                 </c:pt>
                 <c:pt idx="2">
-                  <c:v>31581.0</c:v>
+                  <c:v>31581</c:v>
                 </c:pt>
                 <c:pt idx="3">
-                  <c:v>149211.0</c:v>
+                  <c:v>149211</c:v>
                 </c:pt>
                 <c:pt idx="4">
-                  <c:v>83819.0</c:v>
+                  <c:v>83819</c:v>
                 </c:pt>
               </c:numCache>
             </c:numRef>
           </c:val>
+          <c:extLst>
+            <c:ext xmlns:c16="http://schemas.microsoft.com/office/drawing/2014/chart" uri="{C3380CC4-5D6E-409C-BE32-E72D297353CC}">
+              <c16:uniqueId val="{00000008-8AF4-4936-BE51-FDF343E9FD45}"/>
+            </c:ext>
+          </c:extLst>
         </c:ser>
         <c:ser>
           <c:idx val="9"/>
@@ -1638,23 +1713,28 @@
                 <c:formatCode>General</c:formatCode>
                 <c:ptCount val="5"/>
                 <c:pt idx="0">
-                  <c:v>543628.0</c:v>
+                  <c:v>543628</c:v>
                 </c:pt>
                 <c:pt idx="1">
-                  <c:v>160752.0</c:v>
+                  <c:v>160752</c:v>
                 </c:pt>
                 <c:pt idx="2">
-                  <c:v>27250.0</c:v>
+                  <c:v>27250</c:v>
                 </c:pt>
                 <c:pt idx="3">
-                  <c:v>94947.0</c:v>
+                  <c:v>94947</c:v>
                 </c:pt>
                 <c:pt idx="4">
-                  <c:v>125051.0</c:v>
+                  <c:v>125051</c:v>
                 </c:pt>
               </c:numCache>
             </c:numRef>
           </c:val>
+          <c:extLst>
+            <c:ext xmlns:c16="http://schemas.microsoft.com/office/drawing/2014/chart" uri="{C3380CC4-5D6E-409C-BE32-E72D297353CC}">
+              <c16:uniqueId val="{00000009-8AF4-4936-BE51-FDF343E9FD45}"/>
+            </c:ext>
+          </c:extLst>
         </c:ser>
         <c:ser>
           <c:idx val="10"/>
@@ -1713,23 +1793,28 @@
                 <c:formatCode>General</c:formatCode>
                 <c:ptCount val="5"/>
                 <c:pt idx="0">
-                  <c:v>359547.0</c:v>
+                  <c:v>359547</c:v>
                 </c:pt>
                 <c:pt idx="1">
-                  <c:v>117679.0</c:v>
+                  <c:v>117679</c:v>
                 </c:pt>
                 <c:pt idx="2">
-                  <c:v>34410.0</c:v>
+                  <c:v>34410</c:v>
                 </c:pt>
                 <c:pt idx="3">
-                  <c:v>159111.0</c:v>
+                  <c:v>159111</c:v>
                 </c:pt>
                 <c:pt idx="4">
-                  <c:v>136887.0</c:v>
+                  <c:v>136887</c:v>
                 </c:pt>
               </c:numCache>
             </c:numRef>
           </c:val>
+          <c:extLst>
+            <c:ext xmlns:c16="http://schemas.microsoft.com/office/drawing/2014/chart" uri="{C3380CC4-5D6E-409C-BE32-E72D297353CC}">
+              <c16:uniqueId val="{0000000A-8AF4-4936-BE51-FDF343E9FD45}"/>
+            </c:ext>
+          </c:extLst>
         </c:ser>
         <c:ser>
           <c:idx val="11"/>
@@ -1788,23 +1873,28 @@
                 <c:formatCode>General</c:formatCode>
                 <c:ptCount val="5"/>
                 <c:pt idx="0">
-                  <c:v>493028.0</c:v>
+                  <c:v>493028</c:v>
                 </c:pt>
                 <c:pt idx="1">
-                  <c:v>113839.0</c:v>
+                  <c:v>113839</c:v>
                 </c:pt>
                 <c:pt idx="2">
-                  <c:v>28797.0</c:v>
+                  <c:v>28797</c:v>
                 </c:pt>
                 <c:pt idx="3">
-                  <c:v>138835.0</c:v>
+                  <c:v>138835</c:v>
                 </c:pt>
                 <c:pt idx="4">
-                  <c:v>143111.0</c:v>
+                  <c:v>143111</c:v>
                 </c:pt>
               </c:numCache>
             </c:numRef>
           </c:val>
+          <c:extLst>
+            <c:ext xmlns:c16="http://schemas.microsoft.com/office/drawing/2014/chart" uri="{C3380CC4-5D6E-409C-BE32-E72D297353CC}">
+              <c16:uniqueId val="{0000000B-8AF4-4936-BE51-FDF343E9FD45}"/>
+            </c:ext>
+          </c:extLst>
         </c:ser>
         <c:ser>
           <c:idx val="12"/>
@@ -1864,23 +1954,28 @@
                 <c:formatCode>General</c:formatCode>
                 <c:ptCount val="5"/>
                 <c:pt idx="0">
-                  <c:v>544841.0</c:v>
+                  <c:v>544841</c:v>
                 </c:pt>
                 <c:pt idx="1">
-                  <c:v>165101.0</c:v>
+                  <c:v>165101</c:v>
                 </c:pt>
                 <c:pt idx="2">
-                  <c:v>27377.0</c:v>
+                  <c:v>27377</c:v>
                 </c:pt>
                 <c:pt idx="3">
-                  <c:v>96986.0</c:v>
+                  <c:v>96986</c:v>
                 </c:pt>
                 <c:pt idx="4">
-                  <c:v>126462.0</c:v>
+                  <c:v>126462</c:v>
                 </c:pt>
               </c:numCache>
             </c:numRef>
           </c:val>
+          <c:extLst>
+            <c:ext xmlns:c16="http://schemas.microsoft.com/office/drawing/2014/chart" uri="{C3380CC4-5D6E-409C-BE32-E72D297353CC}">
+              <c16:uniqueId val="{0000000C-8AF4-4936-BE51-FDF343E9FD45}"/>
+            </c:ext>
+          </c:extLst>
         </c:ser>
         <c:ser>
           <c:idx val="13"/>
@@ -1940,23 +2035,28 @@
                 <c:formatCode>General</c:formatCode>
                 <c:ptCount val="5"/>
                 <c:pt idx="0">
-                  <c:v>559056.0</c:v>
+                  <c:v>559056</c:v>
                 </c:pt>
                 <c:pt idx="1">
-                  <c:v>68766.0</c:v>
+                  <c:v>68766</c:v>
                 </c:pt>
                 <c:pt idx="2">
-                  <c:v>17163.0</c:v>
+                  <c:v>17163</c:v>
                 </c:pt>
                 <c:pt idx="3">
-                  <c:v>83918.0</c:v>
+                  <c:v>83918</c:v>
                 </c:pt>
                 <c:pt idx="4">
-                  <c:v>191292.0</c:v>
+                  <c:v>191292</c:v>
                 </c:pt>
               </c:numCache>
             </c:numRef>
           </c:val>
+          <c:extLst>
+            <c:ext xmlns:c16="http://schemas.microsoft.com/office/drawing/2014/chart" uri="{C3380CC4-5D6E-409C-BE32-E72D297353CC}">
+              <c16:uniqueId val="{0000000D-8AF4-4936-BE51-FDF343E9FD45}"/>
+            </c:ext>
+          </c:extLst>
         </c:ser>
         <c:ser>
           <c:idx val="14"/>
@@ -2016,23 +2116,28 @@
                 <c:formatCode>General</c:formatCode>
                 <c:ptCount val="5"/>
                 <c:pt idx="0">
-                  <c:v>423352.0</c:v>
+                  <c:v>423352</c:v>
                 </c:pt>
                 <c:pt idx="1">
-                  <c:v>101972.0</c:v>
+                  <c:v>101972</c:v>
                 </c:pt>
                 <c:pt idx="2">
-                  <c:v>23563.0</c:v>
+                  <c:v>23563</c:v>
                 </c:pt>
                 <c:pt idx="3">
-                  <c:v>105227.0</c:v>
+                  <c:v>105227</c:v>
                 </c:pt>
                 <c:pt idx="4">
-                  <c:v>118731.0</c:v>
+                  <c:v>118731</c:v>
                 </c:pt>
               </c:numCache>
             </c:numRef>
           </c:val>
+          <c:extLst>
+            <c:ext xmlns:c16="http://schemas.microsoft.com/office/drawing/2014/chart" uri="{C3380CC4-5D6E-409C-BE32-E72D297353CC}">
+              <c16:uniqueId val="{0000000E-8AF4-4936-BE51-FDF343E9FD45}"/>
+            </c:ext>
+          </c:extLst>
         </c:ser>
         <c:ser>
           <c:idx val="15"/>
@@ -2092,23 +2197,28 @@
                 <c:formatCode>General</c:formatCode>
                 <c:ptCount val="5"/>
                 <c:pt idx="0">
-                  <c:v>389509.0</c:v>
+                  <c:v>389509</c:v>
                 </c:pt>
                 <c:pt idx="1">
-                  <c:v>85445.0</c:v>
+                  <c:v>85445</c:v>
                 </c:pt>
                 <c:pt idx="2">
-                  <c:v>14961.0</c:v>
+                  <c:v>14961</c:v>
                 </c:pt>
                 <c:pt idx="3">
-                  <c:v>54283.0</c:v>
+                  <c:v>54283</c:v>
                 </c:pt>
                 <c:pt idx="4">
-                  <c:v>122793.0</c:v>
+                  <c:v>122793</c:v>
                 </c:pt>
               </c:numCache>
             </c:numRef>
           </c:val>
+          <c:extLst>
+            <c:ext xmlns:c16="http://schemas.microsoft.com/office/drawing/2014/chart" uri="{C3380CC4-5D6E-409C-BE32-E72D297353CC}">
+              <c16:uniqueId val="{0000000F-8AF4-4936-BE51-FDF343E9FD45}"/>
+            </c:ext>
+          </c:extLst>
         </c:ser>
         <c:dLbls>
           <c:showLegendKey val="0"/>
@@ -2166,7 +2276,7 @@
                 <a:cs typeface="+mn-cs"/>
               </a:defRPr>
             </a:pPr>
-            <a:endParaRPr lang="en-US"/>
+            <a:endParaRPr lang="de-DE"/>
           </a:p>
         </c:txPr>
         <c:crossAx val="1887586704"/>
@@ -2239,7 +2349,6 @@
               </a:p>
             </c:rich>
           </c:tx>
-          <c:layout/>
           <c:overlay val="0"/>
           <c:spPr>
             <a:noFill/>
@@ -2265,7 +2374,7 @@
                   <a:cs typeface="+mn-cs"/>
                 </a:defRPr>
               </a:pPr>
-              <a:endParaRPr lang="en-US"/>
+              <a:endParaRPr lang="de-DE"/>
             </a:p>
           </c:txPr>
         </c:title>
@@ -2297,7 +2406,7 @@
                 <a:cs typeface="+mn-cs"/>
               </a:defRPr>
             </a:pPr>
-            <a:endParaRPr lang="en-US"/>
+            <a:endParaRPr lang="de-DE"/>
           </a:p>
         </c:txPr>
         <c:crossAx val="1887738480"/>
@@ -2314,7 +2423,6 @@
     </c:plotArea>
     <c:legend>
       <c:legendPos val="r"/>
-      <c:layout/>
       <c:overlay val="0"/>
       <c:spPr>
         <a:noFill/>
@@ -2340,7 +2448,7 @@
               <a:cs typeface="+mn-cs"/>
             </a:defRPr>
           </a:pPr>
-          <a:endParaRPr lang="en-US"/>
+          <a:endParaRPr lang="de-DE"/>
         </a:p>
       </c:txPr>
     </c:legend>
@@ -2362,7 +2470,7 @@
       <a:pPr>
         <a:defRPr/>
       </a:pPr>
-      <a:endParaRPr lang="en-US"/>
+      <a:endParaRPr lang="de-DE"/>
     </a:p>
   </c:txPr>
   <c:externalData r:id="rId3">
@@ -2372,7 +2480,7 @@
 </file>
 
 <file path=ppt/charts/chart3.xml><?xml version="1.0" encoding="utf-8"?>
-<c:chartSpace xmlns:c="http://schemas.openxmlformats.org/drawingml/2006/chart" xmlns:a="http://schemas.openxmlformats.org/drawingml/2006/main" xmlns:r="http://schemas.openxmlformats.org/officeDocument/2006/relationships">
+<c:chartSpace xmlns:c="http://schemas.openxmlformats.org/drawingml/2006/chart" xmlns:a="http://schemas.openxmlformats.org/drawingml/2006/main" xmlns:r="http://schemas.openxmlformats.org/officeDocument/2006/relationships" xmlns:c16r2="http://schemas.microsoft.com/office/drawing/2015/06/chart">
   <c:date1904 val="0"/>
   <c:lang val="en-US"/>
   <c:roundedCorners val="0"/>
@@ -2447,23 +2555,28 @@
                 <c:formatCode>General</c:formatCode>
                 <c:ptCount val="5"/>
                 <c:pt idx="0">
-                  <c:v>0.0418</c:v>
+                  <c:v>4.1799999999999997E-2</c:v>
                 </c:pt>
                 <c:pt idx="1">
                   <c:v>0.4274</c:v>
                 </c:pt>
                 <c:pt idx="2">
-                  <c:v>0.2519</c:v>
+                  <c:v>0.25190000000000001</c:v>
                 </c:pt>
                 <c:pt idx="3">
-                  <c:v>0.7202</c:v>
+                  <c:v>0.72019999999999995</c:v>
                 </c:pt>
                 <c:pt idx="4">
-                  <c:v>0.0899</c:v>
+                  <c:v>8.9899999999999994E-2</c:v>
                 </c:pt>
               </c:numCache>
             </c:numRef>
           </c:val>
+          <c:extLst>
+            <c:ext xmlns:c16="http://schemas.microsoft.com/office/drawing/2014/chart" uri="{C3380CC4-5D6E-409C-BE32-E72D297353CC}">
+              <c16:uniqueId val="{00000000-5A32-4BA9-9D4F-B5215612029A}"/>
+            </c:ext>
+          </c:extLst>
         </c:ser>
         <c:dLbls>
           <c:showLegendKey val="0"/>
@@ -2513,7 +2626,7 @@
                 <a:cs typeface="+mn-cs"/>
               </a:defRPr>
             </a:pPr>
-            <a:endParaRPr lang="en-US"/>
+            <a:endParaRPr lang="de-DE"/>
           </a:p>
         </c:txPr>
         <c:crossAx val="1919307408"/>
@@ -2556,7 +2669,6 @@
               </a:p>
             </c:rich>
           </c:tx>
-          <c:layout/>
           <c:overlay val="0"/>
           <c:spPr>
             <a:noFill/>
@@ -2582,10 +2694,11 @@
                   <a:cs typeface="+mn-cs"/>
                 </a:defRPr>
               </a:pPr>
-              <a:endParaRPr lang="en-US"/>
+              <a:endParaRPr lang="de-DE"/>
             </a:p>
           </c:txPr>
         </c:title>
+        <c:numFmt formatCode="General" sourceLinked="1"/>
         <c:majorTickMark val="none"/>
         <c:minorTickMark val="none"/>
         <c:tickLblPos val="nextTo"/>
@@ -2613,7 +2726,7 @@
                 <a:cs typeface="+mn-cs"/>
               </a:defRPr>
             </a:pPr>
-            <a:endParaRPr lang="en-US"/>
+            <a:endParaRPr lang="de-DE"/>
           </a:p>
         </c:txPr>
         <c:crossAx val="1912673424"/>
@@ -2646,7 +2759,7 @@
       <a:pPr>
         <a:defRPr sz="1500"/>
       </a:pPr>
-      <a:endParaRPr lang="en-US"/>
+      <a:endParaRPr lang="de-DE"/>
     </a:p>
   </c:txPr>
   <c:externalData r:id="rId3">
@@ -4447,7 +4560,7 @@
           <a:p>
             <a:fld id="{DC6CB997-03F9-5D48-8EE8-06D0938C0F78}" type="datetimeFigureOut">
               <a:rPr lang="en-US" smtClean="0"/>
-              <a:t>5/31/18</a:t>
+              <a:t>6/1/2018</a:t>
             </a:fld>
             <a:endParaRPr lang="en-US"/>
           </a:p>
@@ -4511,38 +4624,37 @@
           <a:p>
             <a:pPr lvl="0"/>
             <a:r>
-              <a:rPr lang="en-US" smtClean="0"/>
+              <a:rPr lang="en-US"/>
               <a:t>Click to edit Master text styles</a:t>
             </a:r>
           </a:p>
           <a:p>
             <a:pPr lvl="1"/>
             <a:r>
-              <a:rPr lang="en-US" smtClean="0"/>
+              <a:rPr lang="en-US"/>
               <a:t>Second level</a:t>
             </a:r>
           </a:p>
           <a:p>
             <a:pPr lvl="2"/>
             <a:r>
-              <a:rPr lang="en-US" smtClean="0"/>
+              <a:rPr lang="en-US"/>
               <a:t>Third level</a:t>
             </a:r>
           </a:p>
           <a:p>
             <a:pPr lvl="3"/>
             <a:r>
-              <a:rPr lang="en-US" smtClean="0"/>
+              <a:rPr lang="en-US"/>
               <a:t>Fourth level</a:t>
             </a:r>
           </a:p>
           <a:p>
             <a:pPr lvl="4"/>
             <a:r>
-              <a:rPr lang="en-US" smtClean="0"/>
+              <a:rPr lang="en-US"/>
               <a:t>Fifth level</a:t>
             </a:r>
-            <a:endParaRPr lang="en-US"/>
           </a:p>
         </p:txBody>
       </p:sp>
@@ -4844,34 +4956,34 @@
           <a:lstStyle/>
           <a:p>
             <a:r>
-              <a:rPr lang="en-US" dirty="0" smtClean="0"/>
+              <a:rPr lang="en-US" dirty="0"/>
               <a:t>D</a:t>
             </a:r>
           </a:p>
           <a:p>
-            <a:endParaRPr lang="en-US" dirty="0" smtClean="0"/>
-          </a:p>
-          <a:p>
-            <a:r>
-              <a:rPr lang="en-US" dirty="0" smtClean="0"/>
+            <a:endParaRPr lang="en-US" dirty="0"/>
+          </a:p>
+          <a:p>
+            <a:r>
+              <a:rPr lang="en-US" dirty="0"/>
               <a:t>Unsure which</a:t>
             </a:r>
             <a:r>
-              <a:rPr lang="en-US" baseline="0" dirty="0" smtClean="0"/>
+              <a:rPr lang="en-US" baseline="0" dirty="0"/>
               <a:t> metric was going to be the most efficient, so produced distance matrices for all 3, followed by plotting and comparison.</a:t>
             </a:r>
           </a:p>
           <a:p>
-            <a:endParaRPr lang="en-US" baseline="0" dirty="0" smtClean="0"/>
-          </a:p>
-          <a:p>
-            <a:r>
-              <a:rPr lang="en-US" baseline="0" dirty="0" smtClean="0"/>
+            <a:endParaRPr lang="en-US" baseline="0" dirty="0"/>
+          </a:p>
+          <a:p>
+            <a:r>
+              <a:rPr lang="en-US" baseline="0" dirty="0"/>
               <a:t>Abs = absolute value, has the same effect as square followed by square root.</a:t>
             </a:r>
           </a:p>
           <a:p>
-            <a:endParaRPr lang="en-US" baseline="0" dirty="0" smtClean="0"/>
+            <a:endParaRPr lang="en-US" baseline="0" dirty="0"/>
           </a:p>
           <a:p>
             <a:endParaRPr lang="en-US" dirty="0"/>
@@ -4959,37 +5071,37 @@
           <a:lstStyle/>
           <a:p>
             <a:r>
-              <a:rPr lang="en-US" dirty="0" smtClean="0"/>
+              <a:rPr lang="en-US" dirty="0"/>
               <a:t>D</a:t>
             </a:r>
           </a:p>
           <a:p>
-            <a:endParaRPr lang="en-US" dirty="0" smtClean="0"/>
-          </a:p>
-          <a:p>
-            <a:r>
-              <a:rPr lang="en-US" dirty="0" smtClean="0"/>
+            <a:endParaRPr lang="en-US" dirty="0"/>
+          </a:p>
+          <a:p>
+            <a:r>
+              <a:rPr lang="en-US" dirty="0"/>
               <a:t>Dinucleotide frequency based distance</a:t>
             </a:r>
           </a:p>
           <a:p>
-            <a:endParaRPr lang="en-US" dirty="0" smtClean="0"/>
-          </a:p>
-          <a:p>
-            <a:r>
-              <a:rPr lang="en-US" dirty="0" smtClean="0"/>
+            <a:endParaRPr lang="en-US" dirty="0"/>
+          </a:p>
+          <a:p>
+            <a:r>
+              <a:rPr lang="en-US" dirty="0"/>
               <a:t>Important</a:t>
             </a:r>
             <a:r>
-              <a:rPr lang="en-US" baseline="0" dirty="0" smtClean="0"/>
+              <a:rPr lang="en-US" baseline="0" dirty="0"/>
               <a:t> to note that the tree has been normalized, by multiplying all values by 1000, to make branch lengths more distinguishable. Prior attempts at normalizing using min/max or l1/l2 methods within </a:t>
             </a:r>
             <a:r>
-              <a:rPr lang="en-US" baseline="0" dirty="0" err="1" smtClean="0"/>
+              <a:rPr lang="en-US" baseline="0" dirty="0" err="1"/>
               <a:t>scikitlearn</a:t>
             </a:r>
             <a:r>
-              <a:rPr lang="en-US" baseline="0" dirty="0" smtClean="0"/>
+              <a:rPr lang="en-US" baseline="0" dirty="0"/>
               <a:t> were hard to implement due to inconsistent changes to values that should have been the same (16/20 and 20/16).</a:t>
             </a:r>
             <a:endParaRPr lang="en-US" dirty="0"/>
@@ -5077,58 +5189,58 @@
           <a:lstStyle/>
           <a:p>
             <a:r>
-              <a:rPr lang="en-US" dirty="0" smtClean="0"/>
+              <a:rPr lang="en-US" dirty="0"/>
               <a:t>D</a:t>
             </a:r>
           </a:p>
           <a:p>
-            <a:endParaRPr lang="en-US" dirty="0" smtClean="0"/>
-          </a:p>
-          <a:p>
-            <a:r>
-              <a:rPr lang="en-US" dirty="0" smtClean="0"/>
+            <a:endParaRPr lang="en-US" dirty="0"/>
+          </a:p>
+          <a:p>
+            <a:r>
+              <a:rPr lang="en-US" dirty="0"/>
               <a:t>Why </a:t>
             </a:r>
             <a:r>
-              <a:rPr lang="en-US" dirty="0" err="1" smtClean="0"/>
+              <a:rPr lang="en-US" dirty="0" err="1"/>
               <a:t>scoredist</a:t>
             </a:r>
             <a:r>
-              <a:rPr lang="en-US" dirty="0" smtClean="0"/>
+              <a:rPr lang="en-US" dirty="0"/>
               <a:t> -&gt; default</a:t>
             </a:r>
             <a:r>
-              <a:rPr lang="en-US" baseline="0" dirty="0" smtClean="0"/>
+              <a:rPr lang="en-US" baseline="0" dirty="0"/>
               <a:t> distance correction, was complicated to use more flags with “R” </a:t>
             </a:r>
             <a:r>
-              <a:rPr lang="en-US" dirty="0" smtClean="0"/>
+              <a:rPr lang="en-US" dirty="0"/>
               <a:t>function</a:t>
             </a:r>
             <a:r>
-              <a:rPr lang="en-US" baseline="0" dirty="0" smtClean="0"/>
+              <a:rPr lang="en-US" baseline="0" dirty="0"/>
               <a:t> required to feed distance matrices to </a:t>
             </a:r>
             <a:r>
-              <a:rPr lang="en-US" baseline="0" dirty="0" err="1" smtClean="0"/>
+              <a:rPr lang="en-US" baseline="0" dirty="0" err="1"/>
               <a:t>Belvu</a:t>
             </a:r>
             <a:r>
-              <a:rPr lang="en-US" baseline="0" dirty="0" smtClean="0"/>
+              <a:rPr lang="en-US" baseline="0" dirty="0"/>
               <a:t>. </a:t>
             </a:r>
-            <a:endParaRPr lang="en-US" dirty="0" smtClean="0"/>
-          </a:p>
-          <a:p>
-            <a:endParaRPr lang="en-US" dirty="0" smtClean="0"/>
-          </a:p>
-          <a:p>
-            <a:r>
-              <a:rPr lang="en-US" dirty="0" smtClean="0"/>
+            <a:endParaRPr lang="en-US" dirty="0"/>
+          </a:p>
+          <a:p>
+            <a:endParaRPr lang="en-US" dirty="0"/>
+          </a:p>
+          <a:p>
+            <a:r>
+              <a:rPr lang="en-US" dirty="0"/>
               <a:t>Both nucleotide</a:t>
             </a:r>
             <a:r>
-              <a:rPr lang="en-US" baseline="0" dirty="0" smtClean="0"/>
+              <a:rPr lang="en-US" baseline="0" dirty="0"/>
               <a:t> and dinucleotide distance measures gave the same tree structure, with slightly varying branch lengths.</a:t>
             </a:r>
             <a:endParaRPr lang="en-US" dirty="0"/>
@@ -5216,10 +5328,9 @@
           <a:lstStyle/>
           <a:p>
             <a:r>
-              <a:rPr lang="en-US" dirty="0" smtClean="0"/>
+              <a:rPr lang="en-US" dirty="0"/>
               <a:t>D</a:t>
             </a:r>
-            <a:endParaRPr lang="en-US" dirty="0"/>
           </a:p>
         </p:txBody>
       </p:sp>
@@ -5249,7 +5360,7 @@
     </p:spTree>
     <p:extLst>
       <p:ext uri="{BB962C8B-B14F-4D97-AF65-F5344CB8AC3E}">
-        <p14:creationId xmlns:p14="http://schemas.microsoft.com/office/powerpoint/2010/main" val="511796543"/>
+        <p14:creationId xmlns:p14="http://schemas.microsoft.com/office/powerpoint/2010/main" val="3986439683"/>
       </p:ext>
     </p:extLst>
   </p:cSld>
@@ -5440,7 +5551,7 @@
     </p:spTree>
     <p:extLst>
       <p:ext uri="{BB962C8B-B14F-4D97-AF65-F5344CB8AC3E}">
-        <p14:creationId xmlns:p14="http://schemas.microsoft.com/office/powerpoint/2010/main" val="64658327"/>
+        <p14:creationId xmlns:p14="http://schemas.microsoft.com/office/powerpoint/2010/main" val="850796324"/>
       </p:ext>
     </p:extLst>
   </p:cSld>
@@ -5495,19 +5606,18 @@
           <a:lstStyle/>
           <a:p>
             <a:r>
-              <a:rPr lang="en-US" dirty="0" smtClean="0"/>
+              <a:rPr lang="en-US" dirty="0"/>
               <a:t>D</a:t>
             </a:r>
           </a:p>
           <a:p>
-            <a:endParaRPr lang="en-US" dirty="0" smtClean="0"/>
-          </a:p>
-          <a:p>
-            <a:r>
-              <a:rPr lang="en-US" dirty="0" smtClean="0"/>
+            <a:endParaRPr lang="en-US" dirty="0"/>
+          </a:p>
+          <a:p>
+            <a:r>
+              <a:rPr lang="en-US" dirty="0"/>
               <a:t>Fairly even distribution across all the genomes, with 16 and 47 having slightly more enriched GC content compared to the others.</a:t>
             </a:r>
-            <a:endParaRPr lang="en-US" dirty="0"/>
           </a:p>
         </p:txBody>
       </p:sp>
@@ -5592,20 +5702,20 @@
           <a:lstStyle/>
           <a:p>
             <a:r>
-              <a:rPr lang="en-US" dirty="0" smtClean="0"/>
+              <a:rPr lang="en-US" dirty="0"/>
               <a:t>D</a:t>
             </a:r>
           </a:p>
           <a:p>
-            <a:endParaRPr lang="en-US" dirty="0" smtClean="0"/>
-          </a:p>
-          <a:p>
-            <a:r>
-              <a:rPr lang="en-US" dirty="0" smtClean="0"/>
+            <a:endParaRPr lang="en-US" dirty="0"/>
+          </a:p>
+          <a:p>
+            <a:r>
+              <a:rPr lang="en-US" dirty="0"/>
               <a:t>Same GC distribution visible</a:t>
             </a:r>
             <a:r>
-              <a:rPr lang="en-US" baseline="0" dirty="0" smtClean="0"/>
+              <a:rPr lang="en-US" baseline="0" dirty="0"/>
               <a:t> here, apart from that fairly normal distribution.</a:t>
             </a:r>
             <a:endParaRPr lang="en-US" dirty="0"/>
@@ -5694,7 +5804,58 @@
           <a:p>
             <a:r>
               <a:rPr lang="en-US" dirty="0"/>
-              <a:t>M</a:t>
+              <a:t>For the ORF-finder we used the basic assumption of that an ORF starts at a start codon and ends at a stop codon</a:t>
+            </a:r>
+          </a:p>
+          <a:p>
+            <a:r>
+              <a:rPr lang="en-US" dirty="0"/>
+              <a:t>The Prokaryotic ORFs were limited by size in a way that they had to be at least 300 </a:t>
+            </a:r>
+            <a:r>
+              <a:rPr lang="en-US" dirty="0" err="1"/>
+              <a:t>bp</a:t>
+            </a:r>
+            <a:r>
+              <a:rPr lang="en-US" dirty="0"/>
+              <a:t> long, which we found in a paper</a:t>
+            </a:r>
+          </a:p>
+          <a:p>
+            <a:r>
+              <a:rPr lang="en-US" dirty="0"/>
+              <a:t>The eukaryotic genome (which was basically only the S. cerevisiae) was limited by size between 100 </a:t>
+            </a:r>
+            <a:r>
+              <a:rPr lang="en-US" dirty="0" err="1"/>
+              <a:t>bp</a:t>
+            </a:r>
+            <a:r>
+              <a:rPr lang="en-US" dirty="0"/>
+              <a:t> and 1500 </a:t>
+            </a:r>
+            <a:r>
+              <a:rPr lang="en-US" dirty="0" err="1"/>
+              <a:t>bp.</a:t>
+            </a:r>
+            <a:endParaRPr lang="en-US" dirty="0"/>
+          </a:p>
+          <a:p>
+            <a:r>
+              <a:rPr lang="en-US" dirty="0"/>
+              <a:t>We applied three different reading frames for the template strand and three for the reverse strand.</a:t>
+            </a:r>
+          </a:p>
+          <a:p>
+            <a:r>
+              <a:rPr lang="en-US" dirty="0"/>
+              <a:t>We removed the overlaps with using nested for loops, so that always the longer sequence was taken, as it is more probable to be the actual gene.</a:t>
+            </a:r>
+          </a:p>
+          <a:p>
+            <a:r>
+              <a:rPr lang="en-US" dirty="0"/>
+              <a:t>The obtained ORFs were in 5` to 3´ direction</a:t>
             </a:r>
           </a:p>
         </p:txBody>
@@ -5725,7 +5886,7 @@
     </p:spTree>
     <p:extLst>
       <p:ext uri="{BB962C8B-B14F-4D97-AF65-F5344CB8AC3E}">
-        <p14:creationId xmlns:p14="http://schemas.microsoft.com/office/powerpoint/2010/main" val="801264482"/>
+        <p14:creationId xmlns:p14="http://schemas.microsoft.com/office/powerpoint/2010/main" val="1486448005"/>
       </p:ext>
     </p:extLst>
   </p:cSld>
@@ -5781,11 +5942,14 @@
           <a:p>
             <a:r>
               <a:rPr lang="en-US" dirty="0"/>
-              <a:t>M</a:t>
-            </a:r>
-          </a:p>
-          <a:p>
-            <a:endParaRPr lang="en-US" dirty="0"/>
+              <a:t>Here are the results obtained from the ORF-finder.</a:t>
+            </a:r>
+          </a:p>
+          <a:p>
+            <a:r>
+              <a:rPr lang="en-US" dirty="0"/>
+              <a:t>We compared the results with the counted genes from Practical 1 derived from NCBI-BLAST</a:t>
+            </a:r>
           </a:p>
           <a:p>
             <a:r>
@@ -5794,7 +5958,15 @@
             </a:r>
             <a:r>
               <a:rPr lang="en-US" baseline="0" dirty="0"/>
-              <a:t> different numbers from our ORF finder as compared to the reference (NCBI BLAST)</a:t>
+              <a:t> different numbers from our ORF finder as compared to the reference (NCBI BLAST), although there are some similarities for the </a:t>
+            </a:r>
+            <a:r>
+              <a:rPr lang="en-US" baseline="0" dirty="0" err="1"/>
+              <a:t>L.gelidium</a:t>
+            </a:r>
+            <a:r>
+              <a:rPr lang="en-US" baseline="0" dirty="0"/>
+              <a:t> (44) for example.</a:t>
             </a:r>
           </a:p>
           <a:p>
@@ -5828,7 +6000,7 @@
     </p:spTree>
     <p:extLst>
       <p:ext uri="{BB962C8B-B14F-4D97-AF65-F5344CB8AC3E}">
-        <p14:creationId xmlns:p14="http://schemas.microsoft.com/office/powerpoint/2010/main" val="1460202639"/>
+        <p14:creationId xmlns:p14="http://schemas.microsoft.com/office/powerpoint/2010/main" val="3964826853"/>
       </p:ext>
     </p:extLst>
   </p:cSld>
@@ -5884,16 +6056,71 @@
           <a:p>
             <a:r>
               <a:rPr lang="en-US" dirty="0"/>
-              <a:t>M</a:t>
-            </a:r>
-          </a:p>
-          <a:p>
-            <a:endParaRPr lang="en-US" dirty="0"/>
+              <a:t>To assess the performance of the ORF-predictor, the F1-score was calculated for each genome. </a:t>
+            </a:r>
           </a:p>
           <a:p>
             <a:r>
               <a:rPr lang="en-US" dirty="0"/>
-              <a:t>No True Negative due to database not including true negative references.</a:t>
+              <a:t>For that, the proteomes were downloaded from </a:t>
+            </a:r>
+            <a:r>
+              <a:rPr lang="en-US" dirty="0" err="1"/>
+              <a:t>Uniprot</a:t>
+            </a:r>
+            <a:r>
+              <a:rPr lang="en-US" dirty="0"/>
+              <a:t> as reference.</a:t>
+            </a:r>
+          </a:p>
+          <a:p>
+            <a:r>
+              <a:rPr lang="en-US" dirty="0"/>
+              <a:t>Then the nucleotide </a:t>
+            </a:r>
+            <a:r>
+              <a:rPr lang="en-US" dirty="0" err="1"/>
+              <a:t>orfs</a:t>
+            </a:r>
+            <a:r>
+              <a:rPr lang="en-US" dirty="0"/>
+              <a:t> were translated with </a:t>
+            </a:r>
+            <a:r>
+              <a:rPr lang="en-US" dirty="0" err="1"/>
+              <a:t>Biopython</a:t>
+            </a:r>
+            <a:r>
+              <a:rPr lang="en-US" dirty="0"/>
+              <a:t> into amino-acid sequences to fasta format.</a:t>
+            </a:r>
+          </a:p>
+          <a:p>
+            <a:r>
+              <a:rPr lang="en-US" dirty="0"/>
+              <a:t>Then the True positives, the false </a:t>
+            </a:r>
+            <a:r>
+              <a:rPr lang="en-US" dirty="0" err="1"/>
+              <a:t>postives</a:t>
+            </a:r>
+            <a:r>
+              <a:rPr lang="en-US" dirty="0"/>
+              <a:t> and the false negatives could be calculated and with that the precision, recall and finally the f1-score.</a:t>
+            </a:r>
+          </a:p>
+          <a:p>
+            <a:r>
+              <a:rPr lang="en-US" dirty="0"/>
+              <a:t>The example from file 44 (</a:t>
+            </a:r>
+            <a:r>
+              <a:rPr lang="en-US" dirty="0" err="1"/>
+              <a:t>Leuconostoc</a:t>
+            </a:r>
+            <a:r>
+              <a:rPr lang="en-US" dirty="0"/>
+              <a:t> gelidum) showed an actually good F1score with 0.7202</a:t>
             </a:r>
           </a:p>
         </p:txBody>
@@ -5924,7 +6151,7 @@
     </p:spTree>
     <p:extLst>
       <p:ext uri="{BB962C8B-B14F-4D97-AF65-F5344CB8AC3E}">
-        <p14:creationId xmlns:p14="http://schemas.microsoft.com/office/powerpoint/2010/main" val="385547989"/>
+        <p14:creationId xmlns:p14="http://schemas.microsoft.com/office/powerpoint/2010/main" val="1111565602"/>
       </p:ext>
     </p:extLst>
   </p:cSld>
@@ -5978,7 +6205,22 @@
           <a:bodyPr/>
           <a:lstStyle/>
           <a:p>
-            <a:endParaRPr lang="en-US" dirty="0"/>
+            <a:r>
+              <a:rPr lang="de-DE" dirty="0"/>
+              <a:t>Here are the general results of the ORFpredictor derived from the F1-score:</a:t>
+            </a:r>
+          </a:p>
+          <a:p>
+            <a:r>
+              <a:rPr lang="de-DE" dirty="0"/>
+              <a:t>AS you can see, genome 16 and 47 have the worst f1-score, whereas genome 20 and 44 are the best. The f1 score for the eukaryotic genome (29) is with 0.30</a:t>
+            </a:r>
+          </a:p>
+          <a:p>
+            <a:r>
+              <a:rPr lang="de-DE" dirty="0"/>
+              <a:t>Further there are some improvements possible</a:t>
+            </a:r>
           </a:p>
         </p:txBody>
       </p:sp>
@@ -6008,7 +6250,7 @@
     </p:spTree>
     <p:extLst>
       <p:ext uri="{BB962C8B-B14F-4D97-AF65-F5344CB8AC3E}">
-        <p14:creationId xmlns:p14="http://schemas.microsoft.com/office/powerpoint/2010/main" val="1384663176"/>
+        <p14:creationId xmlns:p14="http://schemas.microsoft.com/office/powerpoint/2010/main" val="3943707890"/>
       </p:ext>
     </p:extLst>
   </p:cSld>
@@ -6060,10 +6302,9 @@
           </a:lstStyle>
           <a:p>
             <a:r>
-              <a:rPr lang="en-US" smtClean="0"/>
+              <a:rPr lang="en-US"/>
               <a:t>Click to edit Master title style</a:t>
             </a:r>
-            <a:endParaRPr lang="en-US"/>
           </a:p>
         </p:txBody>
       </p:sp>
@@ -6125,10 +6366,9 @@
           </a:lstStyle>
           <a:p>
             <a:r>
-              <a:rPr lang="en-US" smtClean="0"/>
+              <a:rPr lang="en-US"/>
               <a:t>Click to edit Master subtitle style</a:t>
             </a:r>
-            <a:endParaRPr lang="en-US"/>
           </a:p>
         </p:txBody>
       </p:sp>
@@ -6149,7 +6389,7 @@
           <a:p>
             <a:fld id="{E6024525-F660-6242-835B-A5CC9B20C834}" type="datetimeFigureOut">
               <a:rPr lang="en-US" smtClean="0"/>
-              <a:t>5/31/18</a:t>
+              <a:t>6/1/2018</a:t>
             </a:fld>
             <a:endParaRPr lang="en-US"/>
           </a:p>
@@ -6243,10 +6483,9 @@
           <a:lstStyle/>
           <a:p>
             <a:r>
-              <a:rPr lang="en-US" smtClean="0"/>
+              <a:rPr lang="en-US"/>
               <a:t>Click to edit Master title style</a:t>
             </a:r>
-            <a:endParaRPr lang="en-US"/>
           </a:p>
         </p:txBody>
       </p:sp>
@@ -6267,38 +6506,37 @@
           <a:p>
             <a:pPr lvl="0"/>
             <a:r>
-              <a:rPr lang="en-US" smtClean="0"/>
+              <a:rPr lang="en-US"/>
               <a:t>Click to edit Master text styles</a:t>
             </a:r>
           </a:p>
           <a:p>
             <a:pPr lvl="1"/>
             <a:r>
-              <a:rPr lang="en-US" smtClean="0"/>
+              <a:rPr lang="en-US"/>
               <a:t>Second level</a:t>
             </a:r>
           </a:p>
           <a:p>
             <a:pPr lvl="2"/>
             <a:r>
-              <a:rPr lang="en-US" smtClean="0"/>
+              <a:rPr lang="en-US"/>
               <a:t>Third level</a:t>
             </a:r>
           </a:p>
           <a:p>
             <a:pPr lvl="3"/>
             <a:r>
-              <a:rPr lang="en-US" smtClean="0"/>
+              <a:rPr lang="en-US"/>
               <a:t>Fourth level</a:t>
             </a:r>
           </a:p>
           <a:p>
             <a:pPr lvl="4"/>
             <a:r>
-              <a:rPr lang="en-US" smtClean="0"/>
+              <a:rPr lang="en-US"/>
               <a:t>Fifth level</a:t>
             </a:r>
-            <a:endParaRPr lang="en-US"/>
           </a:p>
         </p:txBody>
       </p:sp>
@@ -6319,7 +6557,7 @@
           <a:p>
             <a:fld id="{E6024525-F660-6242-835B-A5CC9B20C834}" type="datetimeFigureOut">
               <a:rPr lang="en-US" smtClean="0"/>
-              <a:t>5/31/18</a:t>
+              <a:t>6/1/2018</a:t>
             </a:fld>
             <a:endParaRPr lang="en-US"/>
           </a:p>
@@ -6418,10 +6656,9 @@
           <a:lstStyle/>
           <a:p>
             <a:r>
-              <a:rPr lang="en-US" smtClean="0"/>
+              <a:rPr lang="en-US"/>
               <a:t>Click to edit Master title style</a:t>
             </a:r>
-            <a:endParaRPr lang="en-US"/>
           </a:p>
         </p:txBody>
       </p:sp>
@@ -6447,38 +6684,37 @@
           <a:p>
             <a:pPr lvl="0"/>
             <a:r>
-              <a:rPr lang="en-US" smtClean="0"/>
+              <a:rPr lang="en-US"/>
               <a:t>Click to edit Master text styles</a:t>
             </a:r>
           </a:p>
           <a:p>
             <a:pPr lvl="1"/>
             <a:r>
-              <a:rPr lang="en-US" smtClean="0"/>
+              <a:rPr lang="en-US"/>
               <a:t>Second level</a:t>
             </a:r>
           </a:p>
           <a:p>
             <a:pPr lvl="2"/>
             <a:r>
-              <a:rPr lang="en-US" smtClean="0"/>
+              <a:rPr lang="en-US"/>
               <a:t>Third level</a:t>
             </a:r>
           </a:p>
           <a:p>
             <a:pPr lvl="3"/>
             <a:r>
-              <a:rPr lang="en-US" smtClean="0"/>
+              <a:rPr lang="en-US"/>
               <a:t>Fourth level</a:t>
             </a:r>
           </a:p>
           <a:p>
             <a:pPr lvl="4"/>
             <a:r>
-              <a:rPr lang="en-US" smtClean="0"/>
+              <a:rPr lang="en-US"/>
               <a:t>Fifth level</a:t>
             </a:r>
-            <a:endParaRPr lang="en-US"/>
           </a:p>
         </p:txBody>
       </p:sp>
@@ -6499,7 +6735,7 @@
           <a:p>
             <a:fld id="{E6024525-F660-6242-835B-A5CC9B20C834}" type="datetimeFigureOut">
               <a:rPr lang="en-US" smtClean="0"/>
-              <a:t>5/31/18</a:t>
+              <a:t>6/1/2018</a:t>
             </a:fld>
             <a:endParaRPr lang="en-US"/>
           </a:p>
@@ -6593,10 +6829,9 @@
           <a:lstStyle/>
           <a:p>
             <a:r>
-              <a:rPr lang="en-US" smtClean="0"/>
+              <a:rPr lang="en-US"/>
               <a:t>Click to edit Master title style</a:t>
             </a:r>
-            <a:endParaRPr lang="en-US"/>
           </a:p>
         </p:txBody>
       </p:sp>
@@ -6617,38 +6852,37 @@
           <a:p>
             <a:pPr lvl="0"/>
             <a:r>
-              <a:rPr lang="en-US" smtClean="0"/>
+              <a:rPr lang="en-US"/>
               <a:t>Click to edit Master text styles</a:t>
             </a:r>
           </a:p>
           <a:p>
             <a:pPr lvl="1"/>
             <a:r>
-              <a:rPr lang="en-US" smtClean="0"/>
+              <a:rPr lang="en-US"/>
               <a:t>Second level</a:t>
             </a:r>
           </a:p>
           <a:p>
             <a:pPr lvl="2"/>
             <a:r>
-              <a:rPr lang="en-US" smtClean="0"/>
+              <a:rPr lang="en-US"/>
               <a:t>Third level</a:t>
             </a:r>
           </a:p>
           <a:p>
             <a:pPr lvl="3"/>
             <a:r>
-              <a:rPr lang="en-US" smtClean="0"/>
+              <a:rPr lang="en-US"/>
               <a:t>Fourth level</a:t>
             </a:r>
           </a:p>
           <a:p>
             <a:pPr lvl="4"/>
             <a:r>
-              <a:rPr lang="en-US" smtClean="0"/>
+              <a:rPr lang="en-US"/>
               <a:t>Fifth level</a:t>
             </a:r>
-            <a:endParaRPr lang="en-US"/>
           </a:p>
         </p:txBody>
       </p:sp>
@@ -6669,7 +6903,7 @@
           <a:p>
             <a:fld id="{E6024525-F660-6242-835B-A5CC9B20C834}" type="datetimeFigureOut">
               <a:rPr lang="en-US" smtClean="0"/>
-              <a:t>5/31/18</a:t>
+              <a:t>6/1/2018</a:t>
             </a:fld>
             <a:endParaRPr lang="en-US"/>
           </a:p>
@@ -6772,10 +7006,9 @@
           </a:lstStyle>
           <a:p>
             <a:r>
-              <a:rPr lang="en-US" smtClean="0"/>
+              <a:rPr lang="en-US"/>
               <a:t>Click to edit Master title style</a:t>
             </a:r>
-            <a:endParaRPr lang="en-US"/>
           </a:p>
         </p:txBody>
       </p:sp>
@@ -6892,7 +7125,7 @@
           <a:p>
             <a:pPr lvl="0"/>
             <a:r>
-              <a:rPr lang="en-US" smtClean="0"/>
+              <a:rPr lang="en-US"/>
               <a:t>Click to edit Master text styles</a:t>
             </a:r>
           </a:p>
@@ -6915,7 +7148,7 @@
           <a:p>
             <a:fld id="{E6024525-F660-6242-835B-A5CC9B20C834}" type="datetimeFigureOut">
               <a:rPr lang="en-US" smtClean="0"/>
-              <a:t>5/31/18</a:t>
+              <a:t>6/1/2018</a:t>
             </a:fld>
             <a:endParaRPr lang="en-US"/>
           </a:p>
@@ -7009,10 +7242,9 @@
           <a:lstStyle/>
           <a:p>
             <a:r>
-              <a:rPr lang="en-US" smtClean="0"/>
+              <a:rPr lang="en-US"/>
               <a:t>Click to edit Master title style</a:t>
             </a:r>
-            <a:endParaRPr lang="en-US"/>
           </a:p>
         </p:txBody>
       </p:sp>
@@ -7038,38 +7270,37 @@
           <a:p>
             <a:pPr lvl="0"/>
             <a:r>
-              <a:rPr lang="en-US" smtClean="0"/>
+              <a:rPr lang="en-US"/>
               <a:t>Click to edit Master text styles</a:t>
             </a:r>
           </a:p>
           <a:p>
             <a:pPr lvl="1"/>
             <a:r>
-              <a:rPr lang="en-US" smtClean="0"/>
+              <a:rPr lang="en-US"/>
               <a:t>Second level</a:t>
             </a:r>
           </a:p>
           <a:p>
             <a:pPr lvl="2"/>
             <a:r>
-              <a:rPr lang="en-US" smtClean="0"/>
+              <a:rPr lang="en-US"/>
               <a:t>Third level</a:t>
             </a:r>
           </a:p>
           <a:p>
             <a:pPr lvl="3"/>
             <a:r>
-              <a:rPr lang="en-US" smtClean="0"/>
+              <a:rPr lang="en-US"/>
               <a:t>Fourth level</a:t>
             </a:r>
           </a:p>
           <a:p>
             <a:pPr lvl="4"/>
             <a:r>
-              <a:rPr lang="en-US" smtClean="0"/>
+              <a:rPr lang="en-US"/>
               <a:t>Fifth level</a:t>
             </a:r>
-            <a:endParaRPr lang="en-US"/>
           </a:p>
         </p:txBody>
       </p:sp>
@@ -7095,38 +7326,37 @@
           <a:p>
             <a:pPr lvl="0"/>
             <a:r>
-              <a:rPr lang="en-US" smtClean="0"/>
+              <a:rPr lang="en-US"/>
               <a:t>Click to edit Master text styles</a:t>
             </a:r>
           </a:p>
           <a:p>
             <a:pPr lvl="1"/>
             <a:r>
-              <a:rPr lang="en-US" smtClean="0"/>
+              <a:rPr lang="en-US"/>
               <a:t>Second level</a:t>
             </a:r>
           </a:p>
           <a:p>
             <a:pPr lvl="2"/>
             <a:r>
-              <a:rPr lang="en-US" smtClean="0"/>
+              <a:rPr lang="en-US"/>
               <a:t>Third level</a:t>
             </a:r>
           </a:p>
           <a:p>
             <a:pPr lvl="3"/>
             <a:r>
-              <a:rPr lang="en-US" smtClean="0"/>
+              <a:rPr lang="en-US"/>
               <a:t>Fourth level</a:t>
             </a:r>
           </a:p>
           <a:p>
             <a:pPr lvl="4"/>
             <a:r>
-              <a:rPr lang="en-US" smtClean="0"/>
+              <a:rPr lang="en-US"/>
               <a:t>Fifth level</a:t>
             </a:r>
-            <a:endParaRPr lang="en-US"/>
           </a:p>
         </p:txBody>
       </p:sp>
@@ -7147,7 +7377,7 @@
           <a:p>
             <a:fld id="{E6024525-F660-6242-835B-A5CC9B20C834}" type="datetimeFigureOut">
               <a:rPr lang="en-US" smtClean="0"/>
-              <a:t>5/31/18</a:t>
+              <a:t>6/1/2018</a:t>
             </a:fld>
             <a:endParaRPr lang="en-US"/>
           </a:p>
@@ -7246,10 +7476,9 @@
           <a:lstStyle/>
           <a:p>
             <a:r>
-              <a:rPr lang="en-US" smtClean="0"/>
+              <a:rPr lang="en-US"/>
               <a:t>Click to edit Master title style</a:t>
             </a:r>
-            <a:endParaRPr lang="en-US"/>
           </a:p>
         </p:txBody>
       </p:sp>
@@ -7312,7 +7541,7 @@
           <a:p>
             <a:pPr lvl="0"/>
             <a:r>
-              <a:rPr lang="en-US" smtClean="0"/>
+              <a:rPr lang="en-US"/>
               <a:t>Click to edit Master text styles</a:t>
             </a:r>
           </a:p>
@@ -7340,38 +7569,37 @@
           <a:p>
             <a:pPr lvl="0"/>
             <a:r>
-              <a:rPr lang="en-US" smtClean="0"/>
+              <a:rPr lang="en-US"/>
               <a:t>Click to edit Master text styles</a:t>
             </a:r>
           </a:p>
           <a:p>
             <a:pPr lvl="1"/>
             <a:r>
-              <a:rPr lang="en-US" smtClean="0"/>
+              <a:rPr lang="en-US"/>
               <a:t>Second level</a:t>
             </a:r>
           </a:p>
           <a:p>
             <a:pPr lvl="2"/>
             <a:r>
-              <a:rPr lang="en-US" smtClean="0"/>
+              <a:rPr lang="en-US"/>
               <a:t>Third level</a:t>
             </a:r>
           </a:p>
           <a:p>
             <a:pPr lvl="3"/>
             <a:r>
-              <a:rPr lang="en-US" smtClean="0"/>
+              <a:rPr lang="en-US"/>
               <a:t>Fourth level</a:t>
             </a:r>
           </a:p>
           <a:p>
             <a:pPr lvl="4"/>
             <a:r>
-              <a:rPr lang="en-US" smtClean="0"/>
+              <a:rPr lang="en-US"/>
               <a:t>Fifth level</a:t>
             </a:r>
-            <a:endParaRPr lang="en-US"/>
           </a:p>
         </p:txBody>
       </p:sp>
@@ -7434,7 +7662,7 @@
           <a:p>
             <a:pPr lvl="0"/>
             <a:r>
-              <a:rPr lang="en-US" smtClean="0"/>
+              <a:rPr lang="en-US"/>
               <a:t>Click to edit Master text styles</a:t>
             </a:r>
           </a:p>
@@ -7462,38 +7690,37 @@
           <a:p>
             <a:pPr lvl="0"/>
             <a:r>
-              <a:rPr lang="en-US" smtClean="0"/>
+              <a:rPr lang="en-US"/>
               <a:t>Click to edit Master text styles</a:t>
             </a:r>
           </a:p>
           <a:p>
             <a:pPr lvl="1"/>
             <a:r>
-              <a:rPr lang="en-US" smtClean="0"/>
+              <a:rPr lang="en-US"/>
               <a:t>Second level</a:t>
             </a:r>
           </a:p>
           <a:p>
             <a:pPr lvl="2"/>
             <a:r>
-              <a:rPr lang="en-US" smtClean="0"/>
+              <a:rPr lang="en-US"/>
               <a:t>Third level</a:t>
             </a:r>
           </a:p>
           <a:p>
             <a:pPr lvl="3"/>
             <a:r>
-              <a:rPr lang="en-US" smtClean="0"/>
+              <a:rPr lang="en-US"/>
               <a:t>Fourth level</a:t>
             </a:r>
           </a:p>
           <a:p>
             <a:pPr lvl="4"/>
             <a:r>
-              <a:rPr lang="en-US" smtClean="0"/>
+              <a:rPr lang="en-US"/>
               <a:t>Fifth level</a:t>
             </a:r>
-            <a:endParaRPr lang="en-US"/>
           </a:p>
         </p:txBody>
       </p:sp>
@@ -7514,7 +7741,7 @@
           <a:p>
             <a:fld id="{E6024525-F660-6242-835B-A5CC9B20C834}" type="datetimeFigureOut">
               <a:rPr lang="en-US" smtClean="0"/>
-              <a:t>5/31/18</a:t>
+              <a:t>6/1/2018</a:t>
             </a:fld>
             <a:endParaRPr lang="en-US"/>
           </a:p>
@@ -7608,10 +7835,9 @@
           <a:lstStyle/>
           <a:p>
             <a:r>
-              <a:rPr lang="en-US" smtClean="0"/>
+              <a:rPr lang="en-US"/>
               <a:t>Click to edit Master title style</a:t>
             </a:r>
-            <a:endParaRPr lang="en-US"/>
           </a:p>
         </p:txBody>
       </p:sp>
@@ -7632,7 +7858,7 @@
           <a:p>
             <a:fld id="{E6024525-F660-6242-835B-A5CC9B20C834}" type="datetimeFigureOut">
               <a:rPr lang="en-US" smtClean="0"/>
-              <a:t>5/31/18</a:t>
+              <a:t>6/1/2018</a:t>
             </a:fld>
             <a:endParaRPr lang="en-US"/>
           </a:p>
@@ -7727,7 +7953,7 @@
           <a:p>
             <a:fld id="{E6024525-F660-6242-835B-A5CC9B20C834}" type="datetimeFigureOut">
               <a:rPr lang="en-US" smtClean="0"/>
-              <a:t>5/31/18</a:t>
+              <a:t>6/1/2018</a:t>
             </a:fld>
             <a:endParaRPr lang="en-US"/>
           </a:p>
@@ -7830,10 +8056,9 @@
           </a:lstStyle>
           <a:p>
             <a:r>
-              <a:rPr lang="en-US" smtClean="0"/>
+              <a:rPr lang="en-US"/>
               <a:t>Click to edit Master title style</a:t>
             </a:r>
-            <a:endParaRPr lang="en-US"/>
           </a:p>
         </p:txBody>
       </p:sp>
@@ -7887,38 +8112,37 @@
           <a:p>
             <a:pPr lvl="0"/>
             <a:r>
-              <a:rPr lang="en-US" smtClean="0"/>
+              <a:rPr lang="en-US"/>
               <a:t>Click to edit Master text styles</a:t>
             </a:r>
           </a:p>
           <a:p>
             <a:pPr lvl="1"/>
             <a:r>
-              <a:rPr lang="en-US" smtClean="0"/>
+              <a:rPr lang="en-US"/>
               <a:t>Second level</a:t>
             </a:r>
           </a:p>
           <a:p>
             <a:pPr lvl="2"/>
             <a:r>
-              <a:rPr lang="en-US" smtClean="0"/>
+              <a:rPr lang="en-US"/>
               <a:t>Third level</a:t>
             </a:r>
           </a:p>
           <a:p>
             <a:pPr lvl="3"/>
             <a:r>
-              <a:rPr lang="en-US" smtClean="0"/>
+              <a:rPr lang="en-US"/>
               <a:t>Fourth level</a:t>
             </a:r>
           </a:p>
           <a:p>
             <a:pPr lvl="4"/>
             <a:r>
-              <a:rPr lang="en-US" smtClean="0"/>
+              <a:rPr lang="en-US"/>
               <a:t>Fifth level</a:t>
             </a:r>
-            <a:endParaRPr lang="en-US"/>
           </a:p>
         </p:txBody>
       </p:sp>
@@ -7981,7 +8205,7 @@
           <a:p>
             <a:pPr lvl="0"/>
             <a:r>
-              <a:rPr lang="en-US" smtClean="0"/>
+              <a:rPr lang="en-US"/>
               <a:t>Click to edit Master text styles</a:t>
             </a:r>
           </a:p>
@@ -8004,7 +8228,7 @@
           <a:p>
             <a:fld id="{E6024525-F660-6242-835B-A5CC9B20C834}" type="datetimeFigureOut">
               <a:rPr lang="en-US" smtClean="0"/>
-              <a:t>5/31/18</a:t>
+              <a:t>6/1/2018</a:t>
             </a:fld>
             <a:endParaRPr lang="en-US"/>
           </a:p>
@@ -8107,10 +8331,9 @@
           </a:lstStyle>
           <a:p>
             <a:r>
-              <a:rPr lang="en-US" smtClean="0"/>
+              <a:rPr lang="en-US"/>
               <a:t>Click to edit Master title style</a:t>
             </a:r>
-            <a:endParaRPr lang="en-US"/>
           </a:p>
         </p:txBody>
       </p:sp>
@@ -8234,7 +8457,7 @@
           <a:p>
             <a:pPr lvl="0"/>
             <a:r>
-              <a:rPr lang="en-US" smtClean="0"/>
+              <a:rPr lang="en-US"/>
               <a:t>Click to edit Master text styles</a:t>
             </a:r>
           </a:p>
@@ -8257,7 +8480,7 @@
           <a:p>
             <a:fld id="{E6024525-F660-6242-835B-A5CC9B20C834}" type="datetimeFigureOut">
               <a:rPr lang="en-US" smtClean="0"/>
-              <a:t>5/31/18</a:t>
+              <a:t>6/1/2018</a:t>
             </a:fld>
             <a:endParaRPr lang="en-US"/>
           </a:p>
@@ -8366,10 +8589,9 @@
           <a:lstStyle/>
           <a:p>
             <a:r>
-              <a:rPr lang="en-US" dirty="0" smtClean="0"/>
+              <a:rPr lang="en-US" dirty="0"/>
               <a:t>Click to edit Master title style</a:t>
             </a:r>
-            <a:endParaRPr lang="en-US" dirty="0"/>
           </a:p>
         </p:txBody>
       </p:sp>
@@ -8400,38 +8622,37 @@
           <a:p>
             <a:pPr lvl="0"/>
             <a:r>
-              <a:rPr lang="en-US" smtClean="0"/>
+              <a:rPr lang="en-US"/>
               <a:t>Click to edit Master text styles</a:t>
             </a:r>
           </a:p>
           <a:p>
             <a:pPr lvl="1"/>
             <a:r>
-              <a:rPr lang="en-US" smtClean="0"/>
+              <a:rPr lang="en-US"/>
               <a:t>Second level</a:t>
             </a:r>
           </a:p>
           <a:p>
             <a:pPr lvl="2"/>
             <a:r>
-              <a:rPr lang="en-US" smtClean="0"/>
+              <a:rPr lang="en-US"/>
               <a:t>Third level</a:t>
             </a:r>
           </a:p>
           <a:p>
             <a:pPr lvl="3"/>
             <a:r>
-              <a:rPr lang="en-US" smtClean="0"/>
+              <a:rPr lang="en-US"/>
               <a:t>Fourth level</a:t>
             </a:r>
           </a:p>
           <a:p>
             <a:pPr lvl="4"/>
             <a:r>
-              <a:rPr lang="en-US" smtClean="0"/>
+              <a:rPr lang="en-US"/>
               <a:t>Fifth level</a:t>
             </a:r>
-            <a:endParaRPr lang="en-US"/>
           </a:p>
         </p:txBody>
       </p:sp>
@@ -8474,7 +8695,7 @@
             <a:fld id="{E6024525-F660-6242-835B-A5CC9B20C834}" type="datetimeFigureOut">
               <a:rPr lang="en-US" smtClean="0"/>
               <a:pPr/>
-              <a:t>5/31/18</a:t>
+              <a:t>6/1/2018</a:t>
             </a:fld>
             <a:endParaRPr lang="en-US"/>
           </a:p>
@@ -8902,18 +9123,13 @@
           <a:lstStyle/>
           <a:p>
             <a:r>
-              <a:rPr lang="en-US" dirty="0" smtClean="0">
+              <a:rPr lang="en-US" dirty="0">
                 <a:latin typeface="Helvetica" charset="0"/>
                 <a:ea typeface="Helvetica" charset="0"/>
                 <a:cs typeface="Helvetica" charset="0"/>
               </a:rPr>
               <a:t>Comparative Genomics Final Project</a:t>
             </a:r>
-            <a:endParaRPr lang="en-US" dirty="0">
-              <a:latin typeface="Helvetica" charset="0"/>
-              <a:ea typeface="Helvetica" charset="0"/>
-              <a:cs typeface="Helvetica" charset="0"/>
-            </a:endParaRPr>
           </a:p>
         </p:txBody>
       </p:sp>
@@ -8933,41 +9149,23 @@
           <a:lstStyle/>
           <a:p>
             <a:r>
-              <a:rPr lang="en-US" dirty="0" smtClean="0">
+              <a:rPr lang="en-US" dirty="0">
                 <a:latin typeface="Helvetica" charset="0"/>
                 <a:ea typeface="Helvetica" charset="0"/>
                 <a:cs typeface="Helvetica" charset="0"/>
               </a:rPr>
-              <a:t>Maximilian </a:t>
-            </a:r>
-            <a:r>
-              <a:rPr lang="en-US" dirty="0" err="1" smtClean="0">
-                <a:latin typeface="Helvetica" charset="0"/>
-                <a:ea typeface="Helvetica" charset="0"/>
-                <a:cs typeface="Helvetica" charset="0"/>
-              </a:rPr>
-              <a:t>Senftleben</a:t>
-            </a:r>
-            <a:endParaRPr lang="en-US" dirty="0" smtClean="0">
-              <a:latin typeface="Helvetica" charset="0"/>
-              <a:ea typeface="Helvetica" charset="0"/>
-              <a:cs typeface="Helvetica" charset="0"/>
-            </a:endParaRPr>
-          </a:p>
-          <a:p>
-            <a:r>
-              <a:rPr lang="en-US" dirty="0" smtClean="0">
+              <a:t>Maximilian Senftleben</a:t>
+            </a:r>
+          </a:p>
+          <a:p>
+            <a:r>
+              <a:rPr lang="en-US" dirty="0">
                 <a:latin typeface="Helvetica" charset="0"/>
                 <a:ea typeface="Helvetica" charset="0"/>
                 <a:cs typeface="Helvetica" charset="0"/>
               </a:rPr>
               <a:t>Zhong Hao Daryl Boey</a:t>
             </a:r>
-            <a:endParaRPr lang="en-US" dirty="0">
-              <a:latin typeface="Helvetica" charset="0"/>
-              <a:ea typeface="Helvetica" charset="0"/>
-              <a:cs typeface="Helvetica" charset="0"/>
-            </a:endParaRPr>
           </a:p>
         </p:txBody>
       </p:sp>
@@ -8981,13 +9179,6 @@
   <p:clrMapOvr>
     <a:masterClrMapping/>
   </p:clrMapOvr>
-  <p:timing>
-    <p:tnLst>
-      <p:par>
-        <p:cTn id="1" dur="indefinite" restart="never" nodeType="tmRoot"/>
-      </p:par>
-    </p:tnLst>
-  </p:timing>
 </p:sld>
 </file>
 
@@ -9024,10 +9215,9 @@
           <a:lstStyle/>
           <a:p>
             <a:r>
-              <a:rPr lang="en-US" dirty="0" smtClean="0"/>
+              <a:rPr lang="en-US" dirty="0"/>
               <a:t>3 Distance measures</a:t>
             </a:r>
-            <a:endParaRPr lang="en-US" dirty="0"/>
           </a:p>
         </p:txBody>
       </p:sp>
@@ -9047,33 +9237,33 @@
           <a:lstStyle/>
           <a:p>
             <a:r>
-              <a:rPr lang="en-US" dirty="0" smtClean="0"/>
+              <a:rPr lang="en-US" dirty="0"/>
               <a:t>Multiple distance measures used:</a:t>
             </a:r>
           </a:p>
           <a:p>
             <a:pPr lvl="1"/>
             <a:r>
-              <a:rPr lang="en-US" dirty="0" smtClean="0"/>
+              <a:rPr lang="en-US" dirty="0"/>
               <a:t>GC value distance</a:t>
             </a:r>
           </a:p>
           <a:p>
             <a:pPr lvl="1"/>
             <a:r>
-              <a:rPr lang="en-US" dirty="0" smtClean="0"/>
+              <a:rPr lang="en-US" dirty="0"/>
               <a:t>Nucleotide value distance &amp;</a:t>
             </a:r>
           </a:p>
           <a:p>
             <a:pPr lvl="1"/>
             <a:r>
-              <a:rPr lang="en-US" dirty="0" smtClean="0"/>
+              <a:rPr lang="en-US" dirty="0"/>
               <a:t>Dinucleotide value distance</a:t>
             </a:r>
           </a:p>
           <a:p>
-            <a:endParaRPr lang="en-US" b="0" i="1" dirty="0" smtClean="0">
+            <a:endParaRPr lang="en-US" b="0" i="1" dirty="0">
               <a:latin typeface="Cambria Math" charset="0"/>
               <a:ea typeface="Cambria Math" charset="0"/>
               <a:cs typeface="Cambria Math" charset="0"/>
@@ -9352,10 +9542,9 @@
           <a:lstStyle/>
           <a:p>
             <a:r>
-              <a:rPr lang="en-US" dirty="0" smtClean="0"/>
+              <a:rPr lang="en-US" dirty="0"/>
               <a:t>Best reconstructed phylogenic tree</a:t>
             </a:r>
-            <a:endParaRPr lang="en-US" dirty="0"/>
           </a:p>
         </p:txBody>
       </p:sp>
@@ -9397,13 +9586,6 @@
   <p:clrMapOvr>
     <a:masterClrMapping/>
   </p:clrMapOvr>
-  <p:timing>
-    <p:tnLst>
-      <p:par>
-        <p:cTn id="1" dur="indefinite" restart="never" nodeType="tmRoot"/>
-      </p:par>
-    </p:tnLst>
-  </p:timing>
 </p:sld>
 </file>
 
@@ -9440,10 +9622,9 @@
           <a:lstStyle/>
           <a:p>
             <a:r>
-              <a:rPr lang="en-US" dirty="0" smtClean="0"/>
+              <a:rPr lang="en-US" dirty="0"/>
               <a:t>Distance Trees</a:t>
             </a:r>
-            <a:endParaRPr lang="en-US" dirty="0"/>
           </a:p>
         </p:txBody>
       </p:sp>
@@ -9545,14 +9726,13 @@
           <a:p>
             <a:pPr algn="just"/>
             <a:r>
-              <a:rPr lang="en-US" dirty="0" err="1" smtClean="0"/>
+              <a:rPr lang="en-US" dirty="0" err="1"/>
               <a:t>ScoreDist</a:t>
             </a:r>
             <a:r>
-              <a:rPr lang="en-US" dirty="0" smtClean="0"/>
+              <a:rPr lang="en-US" dirty="0"/>
               <a:t> phylogenic reconstruction calculated from dinucleotide frequencies.</a:t>
             </a:r>
-            <a:endParaRPr lang="en-US" dirty="0"/>
           </a:p>
         </p:txBody>
       </p:sp>
@@ -9593,14 +9773,13 @@
           <a:p>
             <a:pPr algn="just"/>
             <a:r>
-              <a:rPr lang="en-US" dirty="0" err="1" smtClean="0"/>
+              <a:rPr lang="en-US" dirty="0" err="1"/>
               <a:t>ScoreDist</a:t>
             </a:r>
             <a:r>
-              <a:rPr lang="en-US" dirty="0" smtClean="0"/>
+              <a:rPr lang="en-US" dirty="0"/>
               <a:t> phylogenic reconstruction calculated using GLIMMER (old method).</a:t>
             </a:r>
-            <a:endParaRPr lang="en-US" dirty="0"/>
           </a:p>
         </p:txBody>
       </p:sp>
@@ -10334,29 +10513,9 @@
           <a:lstStyle/>
           <a:p>
             <a:r>
-              <a:rPr lang="en-US" dirty="0" smtClean="0"/>
+              <a:rPr lang="en-US" dirty="0"/>
               <a:t>Thank you!</a:t>
             </a:r>
-            <a:endParaRPr lang="en-US" dirty="0"/>
-          </a:p>
-        </p:txBody>
-      </p:sp>
-      <p:sp>
-        <p:nvSpPr>
-          <p:cNvPr id="5" name="Subtitle 4"/>
-          <p:cNvSpPr>
-            <a:spLocks noGrp="1"/>
-          </p:cNvSpPr>
-          <p:nvPr>
-            <p:ph type="subTitle" idx="1"/>
-          </p:nvPr>
-        </p:nvSpPr>
-        <p:spPr/>
-        <p:txBody>
-          <a:bodyPr/>
-          <a:lstStyle/>
-          <a:p>
-            <a:endParaRPr lang="en-US" dirty="0"/>
           </a:p>
         </p:txBody>
       </p:sp>
@@ -10370,13 +10529,6 @@
   <p:clrMapOvr>
     <a:masterClrMapping/>
   </p:clrMapOvr>
-  <p:timing>
-    <p:tnLst>
-      <p:par>
-        <p:cTn id="1" dur="indefinite" restart="never" nodeType="tmRoot"/>
-      </p:par>
-    </p:tnLst>
-  </p:timing>
 </p:sld>
 </file>
 
@@ -10413,45 +10565,40 @@
           <a:lstStyle/>
           <a:p>
             <a:r>
-              <a:rPr lang="en-US" dirty="0" smtClean="0">
+              <a:rPr lang="en-US" dirty="0">
                 <a:latin typeface="Helvetica" charset="0"/>
                 <a:ea typeface="Helvetica" charset="0"/>
                 <a:cs typeface="Helvetica" charset="0"/>
               </a:rPr>
               <a:t>Summary of genomes</a:t>
             </a:r>
-            <a:endParaRPr lang="en-US" dirty="0">
-              <a:latin typeface="Helvetica" charset="0"/>
-              <a:ea typeface="Helvetica" charset="0"/>
-              <a:cs typeface="Helvetica" charset="0"/>
-            </a:endParaRPr>
           </a:p>
         </p:txBody>
       </p:sp>
       <p:pic>
         <p:nvPicPr>
-          <p:cNvPr id="13" name="Picture 12"/>
+          <p:cNvPr id="5" name="Picture 4">
+            <a:extLst>
+              <a:ext uri="{FF2B5EF4-FFF2-40B4-BE49-F238E27FC236}">
+                <a16:creationId xmlns:a16="http://schemas.microsoft.com/office/drawing/2014/main" id="{2D2B446D-43B0-46A9-86DB-591AE2684E2F}"/>
+              </a:ext>
+            </a:extLst>
+          </p:cNvPr>
           <p:cNvPicPr>
             <a:picLocks noChangeAspect="1"/>
           </p:cNvPicPr>
           <p:nvPr/>
         </p:nvPicPr>
         <p:blipFill>
-          <a:blip r:embed="rId3">
-            <a:extLst>
-              <a:ext uri="{28A0092B-C50C-407E-A947-70E740481C1C}">
-                <a14:useLocalDpi xmlns:a14="http://schemas.microsoft.com/office/drawing/2010/main" val="0"/>
-              </a:ext>
-            </a:extLst>
-          </a:blip>
+          <a:blip r:embed="rId3"/>
           <a:stretch>
             <a:fillRect/>
           </a:stretch>
         </p:blipFill>
         <p:spPr>
           <a:xfrm>
-            <a:off x="563502" y="2387230"/>
-            <a:ext cx="11064996" cy="3149046"/>
+            <a:off x="764655" y="2270234"/>
+            <a:ext cx="10662689" cy="3168869"/>
           </a:xfrm>
           <a:prstGeom prst="rect">
             <a:avLst/>
@@ -10461,20 +10608,13 @@
     </p:spTree>
     <p:extLst>
       <p:ext uri="{BB962C8B-B14F-4D97-AF65-F5344CB8AC3E}">
-        <p14:creationId xmlns:p14="http://schemas.microsoft.com/office/powerpoint/2010/main" val="1521341606"/>
+        <p14:creationId xmlns:p14="http://schemas.microsoft.com/office/powerpoint/2010/main" val="3864092295"/>
       </p:ext>
     </p:extLst>
   </p:cSld>
   <p:clrMapOvr>
     <a:masterClrMapping/>
   </p:clrMapOvr>
-  <p:timing>
-    <p:tnLst>
-      <p:par>
-        <p:cTn id="1" dur="indefinite" restart="never" nodeType="tmRoot"/>
-      </p:par>
-    </p:tnLst>
-  </p:timing>
 </p:sld>
 </file>
 
@@ -10535,7 +10675,7 @@
           <p:cNvPr id="10" name="Textfeld 9">
             <a:extLst>
               <a:ext uri="{FF2B5EF4-FFF2-40B4-BE49-F238E27FC236}">
-                <a16:creationId xmlns:a16="http://schemas.microsoft.com/office/drawing/2014/main" xmlns="" id="{55AEA795-DD77-4424-B08D-9484B9C50E95}"/>
+                <a16:creationId xmlns:a16="http://schemas.microsoft.com/office/drawing/2014/main" id="{55AEA795-DD77-4424-B08D-9484B9C50E95}"/>
               </a:ext>
             </a:extLst>
           </p:cNvPr>
@@ -10601,7 +10741,7 @@
               <p:cNvPr id="4" name="TextBox 3">
                 <a:extLst>
                   <a:ext uri="{FF2B5EF4-FFF2-40B4-BE49-F238E27FC236}">
-                    <a16:creationId xmlns:a16="http://schemas.microsoft.com/office/drawing/2014/main" xmlns="" id="{1189993F-8568-443C-B3FD-83BBD6CA88C1}"/>
+                    <a16:creationId xmlns:a16="http://schemas.microsoft.com/office/drawing/2014/main" id="{1189993F-8568-443C-B3FD-83BBD6CA88C1}"/>
                   </a:ext>
                 </a:extLst>
               </p:cNvPr>
@@ -10647,7 +10787,7 @@
                         <m:fPr>
                           <m:ctrlPr>
                             <a:rPr lang="de-DE" sz="2000" b="0" i="1" smtClean="0">
-                              <a:latin typeface="Cambria Math" charset="0"/>
+                              <a:latin typeface="Cambria Math" panose="02040503050406030204" pitchFamily="18" charset="0"/>
                             </a:rPr>
                           </m:ctrlPr>
                         </m:fPr>
@@ -10712,7 +10852,7 @@
                             <m:dPr>
                               <m:ctrlPr>
                                 <a:rPr lang="de-DE" sz="2000" b="0" i="1" smtClean="0">
-                                  <a:latin typeface="Cambria Math" charset="0"/>
+                                  <a:latin typeface="Cambria Math" panose="02040503050406030204" pitchFamily="18" charset="0"/>
                                 </a:rPr>
                               </m:ctrlPr>
                             </m:dPr>
@@ -10785,7 +10925,7 @@
           <p:cNvPr id="13" name="Picture 12">
             <a:extLst>
               <a:ext uri="{FF2B5EF4-FFF2-40B4-BE49-F238E27FC236}">
-                <a16:creationId xmlns:a16="http://schemas.microsoft.com/office/drawing/2014/main" xmlns="" id="{2F2B156A-BF2D-42BA-BADE-2AED72B724C2}"/>
+                <a16:creationId xmlns:a16="http://schemas.microsoft.com/office/drawing/2014/main" id="{2F2B156A-BF2D-42BA-BADE-2AED72B724C2}"/>
               </a:ext>
             </a:extLst>
           </p:cNvPr>
@@ -10831,7 +10971,7 @@
               <p:cNvPr id="14" name="TextBox 13">
                 <a:extLst>
                   <a:ext uri="{FF2B5EF4-FFF2-40B4-BE49-F238E27FC236}">
-                    <a16:creationId xmlns:a16="http://schemas.microsoft.com/office/drawing/2014/main" xmlns="" id="{09E008F6-AEE6-4242-8FEB-2FDA7292449B}"/>
+                    <a16:creationId xmlns:a16="http://schemas.microsoft.com/office/drawing/2014/main" id="{09E008F6-AEE6-4242-8FEB-2FDA7292449B}"/>
                   </a:ext>
                 </a:extLst>
               </p:cNvPr>
@@ -10877,7 +11017,7 @@
                         <m:fPr>
                           <m:ctrlPr>
                             <a:rPr lang="de-DE" sz="2000" b="0" i="1" smtClean="0">
-                              <a:latin typeface="Cambria Math" charset="0"/>
+                              <a:latin typeface="Cambria Math" panose="02040503050406030204" pitchFamily="18" charset="0"/>
                             </a:rPr>
                           </m:ctrlPr>
                         </m:fPr>
@@ -10942,7 +11082,7 @@
                             <m:dPr>
                               <m:ctrlPr>
                                 <a:rPr lang="de-DE" sz="2000" b="0" i="1" smtClean="0">
-                                  <a:latin typeface="Cambria Math" charset="0"/>
+                                  <a:latin typeface="Cambria Math" panose="02040503050406030204" pitchFamily="18" charset="0"/>
                                 </a:rPr>
                               </m:ctrlPr>
                             </m:dPr>
@@ -11019,20 +11159,13 @@
     </p:spTree>
     <p:extLst>
       <p:ext uri="{BB962C8B-B14F-4D97-AF65-F5344CB8AC3E}">
-        <p14:creationId xmlns:p14="http://schemas.microsoft.com/office/powerpoint/2010/main" val="1267513681"/>
+        <p14:creationId xmlns:p14="http://schemas.microsoft.com/office/powerpoint/2010/main" val="1854163771"/>
       </p:ext>
     </p:extLst>
   </p:cSld>
   <p:clrMapOvr>
     <a:masterClrMapping/>
   </p:clrMapOvr>
-  <p:timing>
-    <p:tnLst>
-      <p:par>
-        <p:cTn id="1" dur="indefinite" restart="never" nodeType="tmRoot"/>
-      </p:par>
-    </p:tnLst>
-  </p:timing>
 </p:sld>
 </file>
 
@@ -11069,18 +11202,13 @@
           <a:lstStyle/>
           <a:p>
             <a:r>
-              <a:rPr lang="en-US" dirty="0" smtClean="0">
+              <a:rPr lang="en-US" dirty="0">
                 <a:latin typeface="Helvetica" charset="0"/>
                 <a:ea typeface="Helvetica" charset="0"/>
                 <a:cs typeface="Helvetica" charset="0"/>
               </a:rPr>
               <a:t>Nucleotide Frequencies</a:t>
             </a:r>
-            <a:endParaRPr lang="en-US" dirty="0">
-              <a:latin typeface="Helvetica" charset="0"/>
-              <a:ea typeface="Helvetica" charset="0"/>
-              <a:cs typeface="Helvetica" charset="0"/>
-            </a:endParaRPr>
           </a:p>
         </p:txBody>
       </p:sp>
@@ -11118,13 +11246,6 @@
   <p:clrMapOvr>
     <a:masterClrMapping/>
   </p:clrMapOvr>
-  <p:timing>
-    <p:tnLst>
-      <p:par>
-        <p:cTn id="1" dur="indefinite" restart="never" nodeType="tmRoot"/>
-      </p:par>
-    </p:tnLst>
-  </p:timing>
 </p:sld>
 </file>
 
@@ -11161,10 +11282,9 @@
           <a:lstStyle/>
           <a:p>
             <a:r>
-              <a:rPr lang="en-US" dirty="0" smtClean="0"/>
+              <a:rPr lang="en-US" dirty="0"/>
               <a:t>Dinucleotide Frequencies</a:t>
             </a:r>
-            <a:endParaRPr lang="en-US" dirty="0"/>
           </a:p>
         </p:txBody>
       </p:sp>
@@ -11202,13 +11322,6 @@
   <p:clrMapOvr>
     <a:masterClrMapping/>
   </p:clrMapOvr>
-  <p:timing>
-    <p:tnLst>
-      <p:par>
-        <p:cTn id="1" dur="indefinite" restart="never" nodeType="tmRoot"/>
-      </p:par>
-    </p:tnLst>
-  </p:timing>
 </p:sld>
 </file>
 
@@ -11264,7 +11377,7 @@
         <p:spPr>
           <a:xfrm>
             <a:off x="838200" y="2808605"/>
-            <a:ext cx="7094220" cy="3546475"/>
+            <a:ext cx="9151620" cy="3546475"/>
           </a:xfrm>
         </p:spPr>
         <p:txBody>
@@ -11297,7 +11410,7 @@
             <a:pPr lvl="1"/>
             <a:r>
               <a:rPr lang="en-US" dirty="0"/>
-              <a:t>ORF: from start- to stop-codon</a:t>
+              <a:t>ORF: from start- to stop-codon (ATG  :  TAG,TAA,TGA)</a:t>
             </a:r>
           </a:p>
           <a:p>
@@ -11312,6 +11425,13 @@
             <a:r>
               <a:rPr lang="en-US" dirty="0"/>
               <a:t>Eukaryotic ORFs between 100 and 1500bp</a:t>
+            </a:r>
+          </a:p>
+          <a:p>
+            <a:pPr lvl="1"/>
+            <a:r>
+              <a:rPr lang="en-US" dirty="0"/>
+              <a:t>6 different reading frames</a:t>
             </a:r>
           </a:p>
           <a:p>
@@ -11328,7 +11448,7 @@
           <p:cNvPr id="5" name="Picture 4">
             <a:extLst>
               <a:ext uri="{FF2B5EF4-FFF2-40B4-BE49-F238E27FC236}">
-                <a16:creationId xmlns:a16="http://schemas.microsoft.com/office/drawing/2014/main" xmlns="" id="{EC1AD1EE-2242-4D1D-91CD-78F3B2C70BC9}"/>
+                <a16:creationId xmlns:a16="http://schemas.microsoft.com/office/drawing/2014/main" id="{EC1AD1EE-2242-4D1D-91CD-78F3B2C70BC9}"/>
               </a:ext>
             </a:extLst>
           </p:cNvPr>
@@ -11355,20 +11475,13 @@
     </p:spTree>
     <p:extLst>
       <p:ext uri="{BB962C8B-B14F-4D97-AF65-F5344CB8AC3E}">
-        <p14:creationId xmlns:p14="http://schemas.microsoft.com/office/powerpoint/2010/main" val="444953848"/>
+        <p14:creationId xmlns:p14="http://schemas.microsoft.com/office/powerpoint/2010/main" val="901600328"/>
       </p:ext>
     </p:extLst>
   </p:cSld>
   <p:clrMapOvr>
     <a:masterClrMapping/>
   </p:clrMapOvr>
-  <p:timing>
-    <p:tnLst>
-      <p:par>
-        <p:cTn id="1" dur="indefinite" restart="never" nodeType="tmRoot"/>
-      </p:par>
-    </p:tnLst>
-  </p:timing>
 </p:sld>
 </file>
 
@@ -11416,7 +11529,7 @@
           <p:cNvPr id="8" name="Picture 7">
             <a:extLst>
               <a:ext uri="{FF2B5EF4-FFF2-40B4-BE49-F238E27FC236}">
-                <a16:creationId xmlns:a16="http://schemas.microsoft.com/office/drawing/2014/main" xmlns="" id="{1FCCC0D0-42A3-40FF-AF7C-1C1726721FBA}"/>
+                <a16:creationId xmlns:a16="http://schemas.microsoft.com/office/drawing/2014/main" id="{1FCCC0D0-42A3-40FF-AF7C-1C1726721FBA}"/>
               </a:ext>
             </a:extLst>
           </p:cNvPr>
@@ -11444,20 +11557,13 @@
     </p:spTree>
     <p:extLst>
       <p:ext uri="{BB962C8B-B14F-4D97-AF65-F5344CB8AC3E}">
-        <p14:creationId xmlns:p14="http://schemas.microsoft.com/office/powerpoint/2010/main" val="2129682284"/>
+        <p14:creationId xmlns:p14="http://schemas.microsoft.com/office/powerpoint/2010/main" val="2124591776"/>
       </p:ext>
     </p:extLst>
   </p:cSld>
   <p:clrMapOvr>
     <a:masterClrMapping/>
   </p:clrMapOvr>
-  <p:timing>
-    <p:tnLst>
-      <p:par>
-        <p:cTn id="1" dur="indefinite" restart="never" nodeType="tmRoot"/>
-      </p:par>
-    </p:tnLst>
-  </p:timing>
 </p:sld>
 </file>
 
@@ -11488,15 +11594,21 @@
             <p:ph type="title"/>
           </p:nvPr>
         </p:nvSpPr>
-        <p:spPr/>
+        <p:spPr>
+          <a:xfrm>
+            <a:off x="838200" y="365125"/>
+            <a:ext cx="10515600" cy="1325563"/>
+          </a:xfrm>
+        </p:spPr>
         <p:txBody>
           <a:bodyPr/>
           <a:lstStyle/>
           <a:p>
             <a:r>
-              <a:rPr lang="en-US" dirty="0"/>
+              <a:rPr lang="en-US"/>
               <a:t>Performance analysis</a:t>
             </a:r>
+            <a:endParaRPr lang="en-US" dirty="0"/>
           </a:p>
         </p:txBody>
       </p:sp>
@@ -11510,71 +11622,1446 @@
             <p:ph idx="1"/>
           </p:nvPr>
         </p:nvSpPr>
-        <p:spPr/>
+        <p:spPr>
+          <a:xfrm>
+            <a:off x="838200" y="1536701"/>
+            <a:ext cx="10515600" cy="4640262"/>
+          </a:xfrm>
+        </p:spPr>
         <p:txBody>
           <a:bodyPr/>
           <a:lstStyle/>
           <a:p>
+            <a:pPr marL="0" indent="0">
+              <a:buNone/>
+            </a:pPr>
             <a:r>
               <a:rPr lang="en-US" dirty="0"/>
+              <a:t>Performance was assessed with the F1-score:</a:t>
+            </a:r>
+          </a:p>
+          <a:p>
+            <a:endParaRPr lang="en-US" dirty="0"/>
+          </a:p>
+          <a:p>
+            <a:endParaRPr lang="en-US" dirty="0"/>
+          </a:p>
+          <a:p>
+            <a:endParaRPr lang="en-US" dirty="0"/>
+          </a:p>
+          <a:p>
+            <a:pPr marL="0" indent="0">
+              <a:buNone/>
+            </a:pPr>
+            <a:endParaRPr lang="en-US" dirty="0"/>
+          </a:p>
+          <a:p>
+            <a:pPr marL="0" indent="0">
+              <a:buNone/>
+            </a:pPr>
+            <a:endParaRPr lang="en-US" sz="2400" dirty="0"/>
+          </a:p>
+          <a:p>
+            <a:pPr marL="0" indent="0">
+              <a:buNone/>
+            </a:pPr>
+            <a:r>
+              <a:rPr lang="en-US" sz="2400" dirty="0"/>
               <a:t>Example: 44.fa.txt (</a:t>
             </a:r>
             <a:r>
-              <a:rPr lang="en-US" i="1" dirty="0"/>
-              <a:t>L. </a:t>
-            </a:r>
-            <a:r>
-              <a:rPr lang="en-US" i="1" dirty="0" err="1"/>
-              <a:t>gelidum</a:t>
-            </a:r>
-            <a:r>
-              <a:rPr lang="en-US" dirty="0"/>
+              <a:rPr lang="en-US" sz="2400" i="1" dirty="0"/>
+              <a:t>L. gelidum</a:t>
+            </a:r>
+            <a:r>
+              <a:rPr lang="en-US" sz="2400" dirty="0"/>
               <a:t>)</a:t>
             </a:r>
           </a:p>
         </p:txBody>
       </p:sp>
+      <p:graphicFrame>
+        <p:nvGraphicFramePr>
+          <p:cNvPr id="6" name="Table 5">
+            <a:extLst>
+              <a:ext uri="{FF2B5EF4-FFF2-40B4-BE49-F238E27FC236}">
+                <a16:creationId xmlns:a16="http://schemas.microsoft.com/office/drawing/2014/main" id="{C57EE867-36CE-4AB2-9285-FE8510A2B38C}"/>
+              </a:ext>
+            </a:extLst>
+          </p:cNvPr>
+          <p:cNvGraphicFramePr>
+            <a:graphicFrameLocks noGrp="1"/>
+          </p:cNvGraphicFramePr>
+          <p:nvPr/>
+        </p:nvGraphicFramePr>
+        <p:xfrm>
+          <a:off x="4945380" y="3848020"/>
+          <a:ext cx="6637019" cy="2120802"/>
+        </p:xfrm>
+        <a:graphic>
+          <a:graphicData uri="http://schemas.openxmlformats.org/drawingml/2006/table">
+            <a:tbl>
+              <a:tblPr firstRow="1" firstCol="1" bandRow="1"/>
+              <a:tblGrid>
+                <a:gridCol w="1313861">
+                  <a:extLst>
+                    <a:ext uri="{9D8B030D-6E8A-4147-A177-3AD203B41FA5}">
+                      <a16:colId xmlns:a16="http://schemas.microsoft.com/office/drawing/2014/main" val="2269438876"/>
+                    </a:ext>
+                  </a:extLst>
+                </a:gridCol>
+                <a:gridCol w="1045025">
+                  <a:extLst>
+                    <a:ext uri="{9D8B030D-6E8A-4147-A177-3AD203B41FA5}">
+                      <a16:colId xmlns:a16="http://schemas.microsoft.com/office/drawing/2014/main" val="1723215391"/>
+                    </a:ext>
+                  </a:extLst>
+                </a:gridCol>
+                <a:gridCol w="985395">
+                  <a:extLst>
+                    <a:ext uri="{9D8B030D-6E8A-4147-A177-3AD203B41FA5}">
+                      <a16:colId xmlns:a16="http://schemas.microsoft.com/office/drawing/2014/main" val="2056162789"/>
+                    </a:ext>
+                  </a:extLst>
+                </a:gridCol>
+                <a:gridCol w="1347213">
+                  <a:extLst>
+                    <a:ext uri="{9D8B030D-6E8A-4147-A177-3AD203B41FA5}">
+                      <a16:colId xmlns:a16="http://schemas.microsoft.com/office/drawing/2014/main" val="548079545"/>
+                    </a:ext>
+                  </a:extLst>
+                </a:gridCol>
+                <a:gridCol w="1049008">
+                  <a:extLst>
+                    <a:ext uri="{9D8B030D-6E8A-4147-A177-3AD203B41FA5}">
+                      <a16:colId xmlns:a16="http://schemas.microsoft.com/office/drawing/2014/main" val="1133555725"/>
+                    </a:ext>
+                  </a:extLst>
+                </a:gridCol>
+                <a:gridCol w="896517">
+                  <a:extLst>
+                    <a:ext uri="{9D8B030D-6E8A-4147-A177-3AD203B41FA5}">
+                      <a16:colId xmlns:a16="http://schemas.microsoft.com/office/drawing/2014/main" val="2650540201"/>
+                    </a:ext>
+                  </a:extLst>
+                </a:gridCol>
+              </a:tblGrid>
+              <a:tr h="755511">
+                <a:tc>
+                  <a:txBody>
+                    <a:bodyPr/>
+                    <a:lstStyle/>
+                    <a:p>
+                      <a:pPr algn="ctr"/>
+                      <a:endParaRPr lang="de-DE" sz="1200" dirty="0">
+                        <a:effectLst/>
+                        <a:latin typeface="Times New Roman" panose="02020603050405020304" pitchFamily="18" charset="0"/>
+                        <a:cs typeface="Times New Roman" panose="02020603050405020304" pitchFamily="18" charset="0"/>
+                      </a:endParaRPr>
+                    </a:p>
+                  </a:txBody>
+                  <a:tcPr marL="68580" marR="68580" marT="0" marB="0" anchor="b">
+                    <a:lnL>
+                      <a:noFill/>
+                    </a:lnL>
+                    <a:lnR>
+                      <a:noFill/>
+                    </a:lnR>
+                    <a:lnT>
+                      <a:noFill/>
+                    </a:lnT>
+                    <a:lnB>
+                      <a:noFill/>
+                    </a:lnB>
+                  </a:tcPr>
+                </a:tc>
+                <a:tc>
+                  <a:txBody>
+                    <a:bodyPr/>
+                    <a:lstStyle/>
+                    <a:p>
+                      <a:pPr algn="ctr"/>
+                      <a:endParaRPr lang="de-DE" sz="1200">
+                        <a:effectLst/>
+                        <a:latin typeface="Times New Roman" panose="02020603050405020304" pitchFamily="18" charset="0"/>
+                        <a:cs typeface="Times New Roman" panose="02020603050405020304" pitchFamily="18" charset="0"/>
+                      </a:endParaRPr>
+                    </a:p>
+                  </a:txBody>
+                  <a:tcPr marL="68580" marR="68580" marT="0" marB="0" anchor="b">
+                    <a:lnL>
+                      <a:noFill/>
+                    </a:lnL>
+                    <a:lnR w="12700" cap="flat" cmpd="sng" algn="ctr">
+                      <a:solidFill>
+                        <a:srgbClr val="000000"/>
+                      </a:solidFill>
+                      <a:prstDash val="solid"/>
+                      <a:round/>
+                      <a:headEnd type="none" w="med" len="med"/>
+                      <a:tailEnd type="none" w="med" len="med"/>
+                    </a:lnR>
+                    <a:lnT>
+                      <a:noFill/>
+                    </a:lnT>
+                    <a:lnB w="12700" cap="flat" cmpd="sng" algn="ctr">
+                      <a:solidFill>
+                        <a:srgbClr val="000000"/>
+                      </a:solidFill>
+                      <a:prstDash val="solid"/>
+                      <a:round/>
+                      <a:headEnd type="none" w="med" len="med"/>
+                      <a:tailEnd type="none" w="med" len="med"/>
+                    </a:lnB>
+                  </a:tcPr>
+                </a:tc>
+                <a:tc gridSpan="2">
+                  <a:txBody>
+                    <a:bodyPr/>
+                    <a:lstStyle/>
+                    <a:p>
+                      <a:pPr algn="ctr">
+                        <a:spcAft>
+                          <a:spcPts val="0"/>
+                        </a:spcAft>
+                      </a:pPr>
+                      <a:r>
+                        <a:rPr lang="en-GB" sz="1800">
+                          <a:solidFill>
+                            <a:srgbClr val="000000"/>
+                          </a:solidFill>
+                          <a:effectLst/>
+                          <a:latin typeface="Calibri" panose="020F0502020204030204" pitchFamily="34" charset="0"/>
+                          <a:ea typeface="Times New Roman" panose="02020603050405020304" pitchFamily="18" charset="0"/>
+                          <a:cs typeface="Times New Roman" panose="02020603050405020304" pitchFamily="18" charset="0"/>
+                        </a:rPr>
+                        <a:t>Predicted Class</a:t>
+                      </a:r>
+                      <a:endParaRPr lang="de-DE" sz="1200" dirty="0">
+                        <a:effectLst/>
+                        <a:latin typeface="Times New Roman" panose="02020603050405020304" pitchFamily="18" charset="0"/>
+                        <a:ea typeface="DengXian" panose="02010600030101010101" pitchFamily="2" charset="-122"/>
+                        <a:cs typeface="Times New Roman" panose="02020603050405020304" pitchFamily="18" charset="0"/>
+                      </a:endParaRPr>
+                    </a:p>
+                  </a:txBody>
+                  <a:tcPr marL="68580" marR="68580" marT="0" marB="0" anchor="b">
+                    <a:lnL w="12700" cap="flat" cmpd="sng" algn="ctr">
+                      <a:solidFill>
+                        <a:srgbClr val="000000"/>
+                      </a:solidFill>
+                      <a:prstDash val="solid"/>
+                      <a:round/>
+                      <a:headEnd type="none" w="med" len="med"/>
+                      <a:tailEnd type="none" w="med" len="med"/>
+                    </a:lnL>
+                    <a:lnR w="12700" cap="flat" cmpd="sng" algn="ctr">
+                      <a:solidFill>
+                        <a:srgbClr val="000000"/>
+                      </a:solidFill>
+                      <a:prstDash val="solid"/>
+                      <a:round/>
+                      <a:headEnd type="none" w="med" len="med"/>
+                      <a:tailEnd type="none" w="med" len="med"/>
+                    </a:lnR>
+                    <a:lnT w="12700" cap="flat" cmpd="sng" algn="ctr">
+                      <a:solidFill>
+                        <a:srgbClr val="000000"/>
+                      </a:solidFill>
+                      <a:prstDash val="solid"/>
+                      <a:round/>
+                      <a:headEnd type="none" w="med" len="med"/>
+                      <a:tailEnd type="none" w="med" len="med"/>
+                    </a:lnT>
+                    <a:lnB w="12700" cap="flat" cmpd="sng" algn="ctr">
+                      <a:solidFill>
+                        <a:srgbClr val="000000"/>
+                      </a:solidFill>
+                      <a:prstDash val="solid"/>
+                      <a:round/>
+                      <a:headEnd type="none" w="med" len="med"/>
+                      <a:tailEnd type="none" w="med" len="med"/>
+                    </a:lnB>
+                    <a:solidFill>
+                      <a:srgbClr val="D9E1F2"/>
+                    </a:solidFill>
+                  </a:tcPr>
+                </a:tc>
+                <a:tc hMerge="1">
+                  <a:txBody>
+                    <a:bodyPr/>
+                    <a:lstStyle/>
+                    <a:p>
+                      <a:endParaRPr lang="de-DE"/>
+                    </a:p>
+                  </a:txBody>
+                  <a:tcPr/>
+                </a:tc>
+                <a:tc>
+                  <a:txBody>
+                    <a:bodyPr/>
+                    <a:lstStyle/>
+                    <a:p>
+                      <a:pPr algn="ctr">
+                        <a:spcAft>
+                          <a:spcPts val="0"/>
+                        </a:spcAft>
+                      </a:pPr>
+                      <a:r>
+                        <a:rPr lang="en-GB" sz="1800" b="1">
+                          <a:solidFill>
+                            <a:srgbClr val="000000"/>
+                          </a:solidFill>
+                          <a:effectLst/>
+                          <a:latin typeface="Calibri" panose="020F0502020204030204" pitchFamily="34" charset="0"/>
+                          <a:ea typeface="Times New Roman" panose="02020603050405020304" pitchFamily="18" charset="0"/>
+                          <a:cs typeface="Times New Roman" panose="02020603050405020304" pitchFamily="18" charset="0"/>
+                        </a:rPr>
+                        <a:t>F1-score</a:t>
+                      </a:r>
+                      <a:endParaRPr lang="de-DE" sz="1200">
+                        <a:effectLst/>
+                        <a:latin typeface="Times New Roman" panose="02020603050405020304" pitchFamily="18" charset="0"/>
+                        <a:ea typeface="DengXian" panose="02010600030101010101" pitchFamily="2" charset="-122"/>
+                        <a:cs typeface="Times New Roman" panose="02020603050405020304" pitchFamily="18" charset="0"/>
+                      </a:endParaRPr>
+                    </a:p>
+                  </a:txBody>
+                  <a:tcPr marL="68580" marR="68580" marT="0" marB="0" anchor="b">
+                    <a:lnL w="12700" cap="flat" cmpd="sng" algn="ctr">
+                      <a:solidFill>
+                        <a:srgbClr val="000000"/>
+                      </a:solidFill>
+                      <a:prstDash val="solid"/>
+                      <a:round/>
+                      <a:headEnd type="none" w="med" len="med"/>
+                      <a:tailEnd type="none" w="med" len="med"/>
+                    </a:lnL>
+                    <a:lnR>
+                      <a:noFill/>
+                    </a:lnR>
+                    <a:lnT>
+                      <a:noFill/>
+                    </a:lnT>
+                    <a:lnB>
+                      <a:noFill/>
+                    </a:lnB>
+                  </a:tcPr>
+                </a:tc>
+                <a:tc>
+                  <a:txBody>
+                    <a:bodyPr/>
+                    <a:lstStyle/>
+                    <a:p>
+                      <a:pPr algn="ctr">
+                        <a:spcAft>
+                          <a:spcPts val="0"/>
+                        </a:spcAft>
+                      </a:pPr>
+                      <a:r>
+                        <a:rPr lang="en-GB" sz="1800">
+                          <a:solidFill>
+                            <a:srgbClr val="000000"/>
+                          </a:solidFill>
+                          <a:effectLst/>
+                          <a:latin typeface="Calibri" panose="020F0502020204030204" pitchFamily="34" charset="0"/>
+                          <a:ea typeface="Times New Roman" panose="02020603050405020304" pitchFamily="18" charset="0"/>
+                          <a:cs typeface="Times New Roman" panose="02020603050405020304" pitchFamily="18" charset="0"/>
+                        </a:rPr>
+                        <a:t>0.7202</a:t>
+                      </a:r>
+                      <a:endParaRPr lang="de-DE" sz="1200">
+                        <a:effectLst/>
+                        <a:latin typeface="Times New Roman" panose="02020603050405020304" pitchFamily="18" charset="0"/>
+                        <a:ea typeface="DengXian" panose="02010600030101010101" pitchFamily="2" charset="-122"/>
+                        <a:cs typeface="Times New Roman" panose="02020603050405020304" pitchFamily="18" charset="0"/>
+                      </a:endParaRPr>
+                    </a:p>
+                  </a:txBody>
+                  <a:tcPr marL="68580" marR="68580" marT="0" marB="0" anchor="b">
+                    <a:lnL>
+                      <a:noFill/>
+                    </a:lnL>
+                    <a:lnR>
+                      <a:noFill/>
+                    </a:lnR>
+                    <a:lnT>
+                      <a:noFill/>
+                    </a:lnT>
+                    <a:lnB>
+                      <a:noFill/>
+                    </a:lnB>
+                    <a:solidFill>
+                      <a:srgbClr val="FFD966"/>
+                    </a:solidFill>
+                  </a:tcPr>
+                </a:tc>
+                <a:extLst>
+                  <a:ext uri="{0D108BD9-81ED-4DB2-BD59-A6C34878D82A}">
+                    <a16:rowId xmlns:a16="http://schemas.microsoft.com/office/drawing/2014/main" val="343342573"/>
+                  </a:ext>
+                </a:extLst>
+              </a:tr>
+              <a:tr h="455097">
+                <a:tc>
+                  <a:txBody>
+                    <a:bodyPr/>
+                    <a:lstStyle/>
+                    <a:p>
+                      <a:pPr algn="ctr"/>
+                      <a:endParaRPr lang="de-DE" sz="1200">
+                        <a:effectLst/>
+                        <a:latin typeface="Times New Roman" panose="02020603050405020304" pitchFamily="18" charset="0"/>
+                        <a:cs typeface="Times New Roman" panose="02020603050405020304" pitchFamily="18" charset="0"/>
+                      </a:endParaRPr>
+                    </a:p>
+                  </a:txBody>
+                  <a:tcPr marL="68580" marR="68580" marT="0" marB="0" anchor="b">
+                    <a:lnL>
+                      <a:noFill/>
+                    </a:lnL>
+                    <a:lnR w="12700" cap="flat" cmpd="sng" algn="ctr">
+                      <a:solidFill>
+                        <a:srgbClr val="000000"/>
+                      </a:solidFill>
+                      <a:prstDash val="solid"/>
+                      <a:round/>
+                      <a:headEnd type="none" w="med" len="med"/>
+                      <a:tailEnd type="none" w="med" len="med"/>
+                    </a:lnR>
+                    <a:lnT>
+                      <a:noFill/>
+                    </a:lnT>
+                    <a:lnB w="12700" cap="flat" cmpd="sng" algn="ctr">
+                      <a:solidFill>
+                        <a:srgbClr val="000000"/>
+                      </a:solidFill>
+                      <a:prstDash val="solid"/>
+                      <a:round/>
+                      <a:headEnd type="none" w="med" len="med"/>
+                      <a:tailEnd type="none" w="med" len="med"/>
+                    </a:lnB>
+                  </a:tcPr>
+                </a:tc>
+                <a:tc>
+                  <a:txBody>
+                    <a:bodyPr/>
+                    <a:lstStyle/>
+                    <a:p>
+                      <a:pPr algn="ctr">
+                        <a:spcAft>
+                          <a:spcPts val="0"/>
+                        </a:spcAft>
+                      </a:pPr>
+                      <a:r>
+                        <a:rPr lang="en-GB" sz="1800">
+                          <a:solidFill>
+                            <a:srgbClr val="000000"/>
+                          </a:solidFill>
+                          <a:effectLst/>
+                          <a:latin typeface="Calibri" panose="020F0502020204030204" pitchFamily="34" charset="0"/>
+                          <a:ea typeface="Times New Roman" panose="02020603050405020304" pitchFamily="18" charset="0"/>
+                          <a:cs typeface="Times New Roman" panose="02020603050405020304" pitchFamily="18" charset="0"/>
+                        </a:rPr>
+                        <a:t>44.fa.txt</a:t>
+                      </a:r>
+                      <a:endParaRPr lang="de-DE" sz="1200" dirty="0">
+                        <a:effectLst/>
+                        <a:latin typeface="Times New Roman" panose="02020603050405020304" pitchFamily="18" charset="0"/>
+                        <a:ea typeface="DengXian" panose="02010600030101010101" pitchFamily="2" charset="-122"/>
+                        <a:cs typeface="Times New Roman" panose="02020603050405020304" pitchFamily="18" charset="0"/>
+                      </a:endParaRPr>
+                    </a:p>
+                  </a:txBody>
+                  <a:tcPr marL="68580" marR="68580" marT="0" marB="0" anchor="b">
+                    <a:lnL w="12700" cap="flat" cmpd="sng" algn="ctr">
+                      <a:solidFill>
+                        <a:srgbClr val="000000"/>
+                      </a:solidFill>
+                      <a:prstDash val="solid"/>
+                      <a:round/>
+                      <a:headEnd type="none" w="med" len="med"/>
+                      <a:tailEnd type="none" w="med" len="med"/>
+                    </a:lnL>
+                    <a:lnR w="12700" cap="flat" cmpd="sng" algn="ctr">
+                      <a:solidFill>
+                        <a:srgbClr val="000000"/>
+                      </a:solidFill>
+                      <a:prstDash val="solid"/>
+                      <a:round/>
+                      <a:headEnd type="none" w="med" len="med"/>
+                      <a:tailEnd type="none" w="med" len="med"/>
+                    </a:lnR>
+                    <a:lnT w="12700" cap="flat" cmpd="sng" algn="ctr">
+                      <a:solidFill>
+                        <a:srgbClr val="000000"/>
+                      </a:solidFill>
+                      <a:prstDash val="solid"/>
+                      <a:round/>
+                      <a:headEnd type="none" w="med" len="med"/>
+                      <a:tailEnd type="none" w="med" len="med"/>
+                    </a:lnT>
+                    <a:lnB w="12700" cap="flat" cmpd="sng" algn="ctr">
+                      <a:solidFill>
+                        <a:srgbClr val="000000"/>
+                      </a:solidFill>
+                      <a:prstDash val="solid"/>
+                      <a:round/>
+                      <a:headEnd type="none" w="med" len="med"/>
+                      <a:tailEnd type="none" w="med" len="med"/>
+                    </a:lnB>
+                  </a:tcPr>
+                </a:tc>
+                <a:tc>
+                  <a:txBody>
+                    <a:bodyPr/>
+                    <a:lstStyle/>
+                    <a:p>
+                      <a:pPr algn="ctr">
+                        <a:spcAft>
+                          <a:spcPts val="0"/>
+                        </a:spcAft>
+                      </a:pPr>
+                      <a:r>
+                        <a:rPr lang="en-GB" sz="1800">
+                          <a:solidFill>
+                            <a:srgbClr val="000000"/>
+                          </a:solidFill>
+                          <a:effectLst/>
+                          <a:latin typeface="Calibri" panose="020F0502020204030204" pitchFamily="34" charset="0"/>
+                          <a:ea typeface="Times New Roman" panose="02020603050405020304" pitchFamily="18" charset="0"/>
+                          <a:cs typeface="Times New Roman" panose="02020603050405020304" pitchFamily="18" charset="0"/>
+                        </a:rPr>
+                        <a:t>P</a:t>
+                      </a:r>
+                      <a:endParaRPr lang="de-DE" sz="1200">
+                        <a:effectLst/>
+                        <a:latin typeface="Times New Roman" panose="02020603050405020304" pitchFamily="18" charset="0"/>
+                        <a:ea typeface="DengXian" panose="02010600030101010101" pitchFamily="2" charset="-122"/>
+                        <a:cs typeface="Times New Roman" panose="02020603050405020304" pitchFamily="18" charset="0"/>
+                      </a:endParaRPr>
+                    </a:p>
+                  </a:txBody>
+                  <a:tcPr marL="68580" marR="68580" marT="0" marB="0" anchor="b">
+                    <a:lnL w="12700" cap="flat" cmpd="sng" algn="ctr">
+                      <a:solidFill>
+                        <a:srgbClr val="000000"/>
+                      </a:solidFill>
+                      <a:prstDash val="solid"/>
+                      <a:round/>
+                      <a:headEnd type="none" w="med" len="med"/>
+                      <a:tailEnd type="none" w="med" len="med"/>
+                    </a:lnL>
+                    <a:lnR w="12700" cap="flat" cmpd="sng" algn="ctr">
+                      <a:solidFill>
+                        <a:srgbClr val="000000"/>
+                      </a:solidFill>
+                      <a:prstDash val="solid"/>
+                      <a:round/>
+                      <a:headEnd type="none" w="med" len="med"/>
+                      <a:tailEnd type="none" w="med" len="med"/>
+                    </a:lnR>
+                    <a:lnT w="12700" cap="flat" cmpd="sng" algn="ctr">
+                      <a:solidFill>
+                        <a:srgbClr val="000000"/>
+                      </a:solidFill>
+                      <a:prstDash val="solid"/>
+                      <a:round/>
+                      <a:headEnd type="none" w="med" len="med"/>
+                      <a:tailEnd type="none" w="med" len="med"/>
+                    </a:lnT>
+                    <a:lnB w="12700" cap="flat" cmpd="sng" algn="ctr">
+                      <a:solidFill>
+                        <a:srgbClr val="000000"/>
+                      </a:solidFill>
+                      <a:prstDash val="solid"/>
+                      <a:round/>
+                      <a:headEnd type="none" w="med" len="med"/>
+                      <a:tailEnd type="none" w="med" len="med"/>
+                    </a:lnB>
+                  </a:tcPr>
+                </a:tc>
+                <a:tc>
+                  <a:txBody>
+                    <a:bodyPr/>
+                    <a:lstStyle/>
+                    <a:p>
+                      <a:pPr algn="ctr">
+                        <a:spcAft>
+                          <a:spcPts val="0"/>
+                        </a:spcAft>
+                      </a:pPr>
+                      <a:r>
+                        <a:rPr lang="en-GB" sz="1800">
+                          <a:solidFill>
+                            <a:srgbClr val="000000"/>
+                          </a:solidFill>
+                          <a:effectLst/>
+                          <a:latin typeface="Calibri" panose="020F0502020204030204" pitchFamily="34" charset="0"/>
+                          <a:ea typeface="Times New Roman" panose="02020603050405020304" pitchFamily="18" charset="0"/>
+                          <a:cs typeface="Times New Roman" panose="02020603050405020304" pitchFamily="18" charset="0"/>
+                        </a:rPr>
+                        <a:t>N</a:t>
+                      </a:r>
+                      <a:endParaRPr lang="de-DE" sz="1200">
+                        <a:effectLst/>
+                        <a:latin typeface="Times New Roman" panose="02020603050405020304" pitchFamily="18" charset="0"/>
+                        <a:ea typeface="DengXian" panose="02010600030101010101" pitchFamily="2" charset="-122"/>
+                        <a:cs typeface="Times New Roman" panose="02020603050405020304" pitchFamily="18" charset="0"/>
+                      </a:endParaRPr>
+                    </a:p>
+                  </a:txBody>
+                  <a:tcPr marL="68580" marR="68580" marT="0" marB="0" anchor="b">
+                    <a:lnL w="12700" cap="flat" cmpd="sng" algn="ctr">
+                      <a:solidFill>
+                        <a:srgbClr val="000000"/>
+                      </a:solidFill>
+                      <a:prstDash val="solid"/>
+                      <a:round/>
+                      <a:headEnd type="none" w="med" len="med"/>
+                      <a:tailEnd type="none" w="med" len="med"/>
+                    </a:lnL>
+                    <a:lnR w="12700" cap="flat" cmpd="sng" algn="ctr">
+                      <a:solidFill>
+                        <a:srgbClr val="000000"/>
+                      </a:solidFill>
+                      <a:prstDash val="solid"/>
+                      <a:round/>
+                      <a:headEnd type="none" w="med" len="med"/>
+                      <a:tailEnd type="none" w="med" len="med"/>
+                    </a:lnR>
+                    <a:lnT w="12700" cap="flat" cmpd="sng" algn="ctr">
+                      <a:solidFill>
+                        <a:srgbClr val="000000"/>
+                      </a:solidFill>
+                      <a:prstDash val="solid"/>
+                      <a:round/>
+                      <a:headEnd type="none" w="med" len="med"/>
+                      <a:tailEnd type="none" w="med" len="med"/>
+                    </a:lnT>
+                    <a:lnB w="12700" cap="flat" cmpd="sng" algn="ctr">
+                      <a:solidFill>
+                        <a:srgbClr val="000000"/>
+                      </a:solidFill>
+                      <a:prstDash val="solid"/>
+                      <a:round/>
+                      <a:headEnd type="none" w="med" len="med"/>
+                      <a:tailEnd type="none" w="med" len="med"/>
+                    </a:lnB>
+                  </a:tcPr>
+                </a:tc>
+                <a:tc>
+                  <a:txBody>
+                    <a:bodyPr/>
+                    <a:lstStyle/>
+                    <a:p>
+                      <a:pPr algn="ctr">
+                        <a:spcAft>
+                          <a:spcPts val="0"/>
+                        </a:spcAft>
+                      </a:pPr>
+                      <a:endParaRPr lang="de-DE" sz="1200" dirty="0">
+                        <a:effectLst/>
+                        <a:latin typeface="Times New Roman" panose="02020603050405020304" pitchFamily="18" charset="0"/>
+                        <a:ea typeface="DengXian" panose="02010600030101010101" pitchFamily="2" charset="-122"/>
+                        <a:cs typeface="Times New Roman" panose="02020603050405020304" pitchFamily="18" charset="0"/>
+                      </a:endParaRPr>
+                    </a:p>
+                  </a:txBody>
+                  <a:tcPr marL="68580" marR="68580" marT="0" marB="0" anchor="ctr">
+                    <a:lnL w="12700" cap="flat" cmpd="sng" algn="ctr">
+                      <a:solidFill>
+                        <a:srgbClr val="000000"/>
+                      </a:solidFill>
+                      <a:prstDash val="solid"/>
+                      <a:round/>
+                      <a:headEnd type="none" w="med" len="med"/>
+                      <a:tailEnd type="none" w="med" len="med"/>
+                    </a:lnL>
+                    <a:lnR>
+                      <a:noFill/>
+                    </a:lnR>
+                    <a:lnT>
+                      <a:noFill/>
+                    </a:lnT>
+                    <a:lnB>
+                      <a:noFill/>
+                    </a:lnB>
+                  </a:tcPr>
+                </a:tc>
+                <a:tc>
+                  <a:txBody>
+                    <a:bodyPr/>
+                    <a:lstStyle/>
+                    <a:p>
+                      <a:pPr algn="ctr">
+                        <a:spcAft>
+                          <a:spcPts val="0"/>
+                        </a:spcAft>
+                      </a:pPr>
+                      <a:endParaRPr lang="de-DE" sz="1200">
+                        <a:effectLst/>
+                        <a:latin typeface="Times New Roman" panose="02020603050405020304" pitchFamily="18" charset="0"/>
+                        <a:ea typeface="DengXian" panose="02010600030101010101" pitchFamily="2" charset="-122"/>
+                        <a:cs typeface="Times New Roman" panose="02020603050405020304" pitchFamily="18" charset="0"/>
+                      </a:endParaRPr>
+                    </a:p>
+                  </a:txBody>
+                  <a:tcPr marL="68580" marR="68580" marT="0" marB="0" anchor="b">
+                    <a:lnL>
+                      <a:noFill/>
+                    </a:lnL>
+                    <a:lnR>
+                      <a:noFill/>
+                    </a:lnR>
+                    <a:lnT>
+                      <a:noFill/>
+                    </a:lnT>
+                    <a:lnB>
+                      <a:noFill/>
+                    </a:lnB>
+                  </a:tcPr>
+                </a:tc>
+                <a:extLst>
+                  <a:ext uri="{0D108BD9-81ED-4DB2-BD59-A6C34878D82A}">
+                    <a16:rowId xmlns:a16="http://schemas.microsoft.com/office/drawing/2014/main" val="2263857069"/>
+                  </a:ext>
+                </a:extLst>
+              </a:tr>
+              <a:tr h="455097">
+                <a:tc rowSpan="2">
+                  <a:txBody>
+                    <a:bodyPr/>
+                    <a:lstStyle/>
+                    <a:p>
+                      <a:pPr algn="ctr">
+                        <a:spcAft>
+                          <a:spcPts val="0"/>
+                        </a:spcAft>
+                      </a:pPr>
+                      <a:r>
+                        <a:rPr lang="en-GB" sz="1800">
+                          <a:solidFill>
+                            <a:srgbClr val="000000"/>
+                          </a:solidFill>
+                          <a:effectLst/>
+                          <a:latin typeface="Calibri" panose="020F0502020204030204" pitchFamily="34" charset="0"/>
+                          <a:ea typeface="Times New Roman" panose="02020603050405020304" pitchFamily="18" charset="0"/>
+                          <a:cs typeface="Times New Roman" panose="02020603050405020304" pitchFamily="18" charset="0"/>
+                        </a:rPr>
+                        <a:t>Actual Class</a:t>
+                      </a:r>
+                      <a:endParaRPr lang="de-DE" sz="1200">
+                        <a:effectLst/>
+                        <a:latin typeface="Times New Roman" panose="02020603050405020304" pitchFamily="18" charset="0"/>
+                        <a:ea typeface="DengXian" panose="02010600030101010101" pitchFamily="2" charset="-122"/>
+                        <a:cs typeface="Times New Roman" panose="02020603050405020304" pitchFamily="18" charset="0"/>
+                      </a:endParaRPr>
+                    </a:p>
+                  </a:txBody>
+                  <a:tcPr marL="68580" marR="68580" marT="0" marB="0" anchor="b">
+                    <a:lnL w="12700" cap="flat" cmpd="sng" algn="ctr">
+                      <a:solidFill>
+                        <a:srgbClr val="000000"/>
+                      </a:solidFill>
+                      <a:prstDash val="solid"/>
+                      <a:round/>
+                      <a:headEnd type="none" w="med" len="med"/>
+                      <a:tailEnd type="none" w="med" len="med"/>
+                    </a:lnL>
+                    <a:lnR w="12700" cap="flat" cmpd="sng" algn="ctr">
+                      <a:solidFill>
+                        <a:srgbClr val="000000"/>
+                      </a:solidFill>
+                      <a:prstDash val="solid"/>
+                      <a:round/>
+                      <a:headEnd type="none" w="med" len="med"/>
+                      <a:tailEnd type="none" w="med" len="med"/>
+                    </a:lnR>
+                    <a:lnT w="12700" cap="flat" cmpd="sng" algn="ctr">
+                      <a:solidFill>
+                        <a:srgbClr val="000000"/>
+                      </a:solidFill>
+                      <a:prstDash val="solid"/>
+                      <a:round/>
+                      <a:headEnd type="none" w="med" len="med"/>
+                      <a:tailEnd type="none" w="med" len="med"/>
+                    </a:lnT>
+                    <a:lnB w="12700" cap="flat" cmpd="sng" algn="ctr">
+                      <a:solidFill>
+                        <a:srgbClr val="000000"/>
+                      </a:solidFill>
+                      <a:prstDash val="solid"/>
+                      <a:round/>
+                      <a:headEnd type="none" w="med" len="med"/>
+                      <a:tailEnd type="none" w="med" len="med"/>
+                    </a:lnB>
+                    <a:solidFill>
+                      <a:srgbClr val="D9E1F2"/>
+                    </a:solidFill>
+                  </a:tcPr>
+                </a:tc>
+                <a:tc>
+                  <a:txBody>
+                    <a:bodyPr/>
+                    <a:lstStyle/>
+                    <a:p>
+                      <a:pPr algn="ctr">
+                        <a:spcAft>
+                          <a:spcPts val="0"/>
+                        </a:spcAft>
+                      </a:pPr>
+                      <a:r>
+                        <a:rPr lang="en-GB" sz="1800">
+                          <a:solidFill>
+                            <a:srgbClr val="000000"/>
+                          </a:solidFill>
+                          <a:effectLst/>
+                          <a:latin typeface="Calibri" panose="020F0502020204030204" pitchFamily="34" charset="0"/>
+                          <a:ea typeface="Times New Roman" panose="02020603050405020304" pitchFamily="18" charset="0"/>
+                          <a:cs typeface="Times New Roman" panose="02020603050405020304" pitchFamily="18" charset="0"/>
+                        </a:rPr>
+                        <a:t>P</a:t>
+                      </a:r>
+                      <a:endParaRPr lang="de-DE" sz="1200">
+                        <a:effectLst/>
+                        <a:latin typeface="Times New Roman" panose="02020603050405020304" pitchFamily="18" charset="0"/>
+                        <a:ea typeface="DengXian" panose="02010600030101010101" pitchFamily="2" charset="-122"/>
+                        <a:cs typeface="Times New Roman" panose="02020603050405020304" pitchFamily="18" charset="0"/>
+                      </a:endParaRPr>
+                    </a:p>
+                  </a:txBody>
+                  <a:tcPr marL="68580" marR="68580" marT="0" marB="0" anchor="b">
+                    <a:lnL w="12700" cap="flat" cmpd="sng" algn="ctr">
+                      <a:solidFill>
+                        <a:srgbClr val="000000"/>
+                      </a:solidFill>
+                      <a:prstDash val="solid"/>
+                      <a:round/>
+                      <a:headEnd type="none" w="med" len="med"/>
+                      <a:tailEnd type="none" w="med" len="med"/>
+                    </a:lnL>
+                    <a:lnR w="12700" cap="flat" cmpd="sng" algn="ctr">
+                      <a:solidFill>
+                        <a:srgbClr val="000000"/>
+                      </a:solidFill>
+                      <a:prstDash val="solid"/>
+                      <a:round/>
+                      <a:headEnd type="none" w="med" len="med"/>
+                      <a:tailEnd type="none" w="med" len="med"/>
+                    </a:lnR>
+                    <a:lnT w="12700" cap="flat" cmpd="sng" algn="ctr">
+                      <a:solidFill>
+                        <a:srgbClr val="000000"/>
+                      </a:solidFill>
+                      <a:prstDash val="solid"/>
+                      <a:round/>
+                      <a:headEnd type="none" w="med" len="med"/>
+                      <a:tailEnd type="none" w="med" len="med"/>
+                    </a:lnT>
+                    <a:lnB w="12700" cap="flat" cmpd="sng" algn="ctr">
+                      <a:solidFill>
+                        <a:srgbClr val="000000"/>
+                      </a:solidFill>
+                      <a:prstDash val="solid"/>
+                      <a:round/>
+                      <a:headEnd type="none" w="med" len="med"/>
+                      <a:tailEnd type="none" w="med" len="med"/>
+                    </a:lnB>
+                  </a:tcPr>
+                </a:tc>
+                <a:tc>
+                  <a:txBody>
+                    <a:bodyPr/>
+                    <a:lstStyle/>
+                    <a:p>
+                      <a:pPr algn="ctr">
+                        <a:spcAft>
+                          <a:spcPts val="0"/>
+                        </a:spcAft>
+                      </a:pPr>
+                      <a:r>
+                        <a:rPr lang="en-GB" sz="1800">
+                          <a:solidFill>
+                            <a:srgbClr val="000000"/>
+                          </a:solidFill>
+                          <a:effectLst/>
+                          <a:latin typeface="Calibri" panose="020F0502020204030204" pitchFamily="34" charset="0"/>
+                          <a:ea typeface="Times New Roman" panose="02020603050405020304" pitchFamily="18" charset="0"/>
+                          <a:cs typeface="Times New Roman" panose="02020603050405020304" pitchFamily="18" charset="0"/>
+                        </a:rPr>
+                        <a:t>1273</a:t>
+                      </a:r>
+                      <a:endParaRPr lang="de-DE" sz="1200">
+                        <a:effectLst/>
+                        <a:latin typeface="Times New Roman" panose="02020603050405020304" pitchFamily="18" charset="0"/>
+                        <a:ea typeface="DengXian" panose="02010600030101010101" pitchFamily="2" charset="-122"/>
+                        <a:cs typeface="Times New Roman" panose="02020603050405020304" pitchFamily="18" charset="0"/>
+                      </a:endParaRPr>
+                    </a:p>
+                  </a:txBody>
+                  <a:tcPr marL="68580" marR="68580" marT="0" marB="0" anchor="b">
+                    <a:lnL w="12700" cap="flat" cmpd="sng" algn="ctr">
+                      <a:solidFill>
+                        <a:srgbClr val="000000"/>
+                      </a:solidFill>
+                      <a:prstDash val="solid"/>
+                      <a:round/>
+                      <a:headEnd type="none" w="med" len="med"/>
+                      <a:tailEnd type="none" w="med" len="med"/>
+                    </a:lnL>
+                    <a:lnR w="12700" cap="flat" cmpd="sng" algn="ctr">
+                      <a:solidFill>
+                        <a:srgbClr val="000000"/>
+                      </a:solidFill>
+                      <a:prstDash val="solid"/>
+                      <a:round/>
+                      <a:headEnd type="none" w="med" len="med"/>
+                      <a:tailEnd type="none" w="med" len="med"/>
+                    </a:lnR>
+                    <a:lnT w="12700" cap="flat" cmpd="sng" algn="ctr">
+                      <a:solidFill>
+                        <a:srgbClr val="000000"/>
+                      </a:solidFill>
+                      <a:prstDash val="solid"/>
+                      <a:round/>
+                      <a:headEnd type="none" w="med" len="med"/>
+                      <a:tailEnd type="none" w="med" len="med"/>
+                    </a:lnT>
+                    <a:lnB w="12700" cap="flat" cmpd="sng" algn="ctr">
+                      <a:solidFill>
+                        <a:srgbClr val="000000"/>
+                      </a:solidFill>
+                      <a:prstDash val="solid"/>
+                      <a:round/>
+                      <a:headEnd type="none" w="med" len="med"/>
+                      <a:tailEnd type="none" w="med" len="med"/>
+                    </a:lnB>
+                  </a:tcPr>
+                </a:tc>
+                <a:tc>
+                  <a:txBody>
+                    <a:bodyPr/>
+                    <a:lstStyle/>
+                    <a:p>
+                      <a:pPr algn="ctr">
+                        <a:spcAft>
+                          <a:spcPts val="0"/>
+                        </a:spcAft>
+                      </a:pPr>
+                      <a:r>
+                        <a:rPr lang="en-GB" sz="1800">
+                          <a:solidFill>
+                            <a:srgbClr val="000000"/>
+                          </a:solidFill>
+                          <a:effectLst/>
+                          <a:latin typeface="Calibri" panose="020F0502020204030204" pitchFamily="34" charset="0"/>
+                          <a:ea typeface="Times New Roman" panose="02020603050405020304" pitchFamily="18" charset="0"/>
+                          <a:cs typeface="Times New Roman" panose="02020603050405020304" pitchFamily="18" charset="0"/>
+                        </a:rPr>
+                        <a:t>523</a:t>
+                      </a:r>
+                      <a:endParaRPr lang="de-DE" sz="1200">
+                        <a:effectLst/>
+                        <a:latin typeface="Times New Roman" panose="02020603050405020304" pitchFamily="18" charset="0"/>
+                        <a:ea typeface="DengXian" panose="02010600030101010101" pitchFamily="2" charset="-122"/>
+                        <a:cs typeface="Times New Roman" panose="02020603050405020304" pitchFamily="18" charset="0"/>
+                      </a:endParaRPr>
+                    </a:p>
+                  </a:txBody>
+                  <a:tcPr marL="68580" marR="68580" marT="0" marB="0" anchor="b">
+                    <a:lnL w="12700" cap="flat" cmpd="sng" algn="ctr">
+                      <a:solidFill>
+                        <a:srgbClr val="000000"/>
+                      </a:solidFill>
+                      <a:prstDash val="solid"/>
+                      <a:round/>
+                      <a:headEnd type="none" w="med" len="med"/>
+                      <a:tailEnd type="none" w="med" len="med"/>
+                    </a:lnL>
+                    <a:lnR w="12700" cap="flat" cmpd="sng" algn="ctr">
+                      <a:solidFill>
+                        <a:srgbClr val="000000"/>
+                      </a:solidFill>
+                      <a:prstDash val="solid"/>
+                      <a:round/>
+                      <a:headEnd type="none" w="med" len="med"/>
+                      <a:tailEnd type="none" w="med" len="med"/>
+                    </a:lnR>
+                    <a:lnT w="12700" cap="flat" cmpd="sng" algn="ctr">
+                      <a:solidFill>
+                        <a:srgbClr val="000000"/>
+                      </a:solidFill>
+                      <a:prstDash val="solid"/>
+                      <a:round/>
+                      <a:headEnd type="none" w="med" len="med"/>
+                      <a:tailEnd type="none" w="med" len="med"/>
+                    </a:lnT>
+                    <a:lnB w="12700" cap="flat" cmpd="sng" algn="ctr">
+                      <a:solidFill>
+                        <a:srgbClr val="000000"/>
+                      </a:solidFill>
+                      <a:prstDash val="solid"/>
+                      <a:round/>
+                      <a:headEnd type="none" w="med" len="med"/>
+                      <a:tailEnd type="none" w="med" len="med"/>
+                    </a:lnB>
+                  </a:tcPr>
+                </a:tc>
+                <a:tc>
+                  <a:txBody>
+                    <a:bodyPr/>
+                    <a:lstStyle/>
+                    <a:p>
+                      <a:pPr algn="ctr">
+                        <a:spcAft>
+                          <a:spcPts val="0"/>
+                        </a:spcAft>
+                      </a:pPr>
+                      <a:endParaRPr lang="de-DE" sz="1200">
+                        <a:effectLst/>
+                        <a:latin typeface="Times New Roman" panose="02020603050405020304" pitchFamily="18" charset="0"/>
+                        <a:ea typeface="DengXian" panose="02010600030101010101" pitchFamily="2" charset="-122"/>
+                        <a:cs typeface="Times New Roman" panose="02020603050405020304" pitchFamily="18" charset="0"/>
+                      </a:endParaRPr>
+                    </a:p>
+                  </a:txBody>
+                  <a:tcPr marL="68580" marR="68580" marT="0" marB="0" anchor="b">
+                    <a:lnL w="12700" cap="flat" cmpd="sng" algn="ctr">
+                      <a:solidFill>
+                        <a:srgbClr val="000000"/>
+                      </a:solidFill>
+                      <a:prstDash val="solid"/>
+                      <a:round/>
+                      <a:headEnd type="none" w="med" len="med"/>
+                      <a:tailEnd type="none" w="med" len="med"/>
+                    </a:lnL>
+                    <a:lnR>
+                      <a:noFill/>
+                    </a:lnR>
+                    <a:lnT>
+                      <a:noFill/>
+                    </a:lnT>
+                    <a:lnB>
+                      <a:noFill/>
+                    </a:lnB>
+                  </a:tcPr>
+                </a:tc>
+                <a:tc>
+                  <a:txBody>
+                    <a:bodyPr/>
+                    <a:lstStyle/>
+                    <a:p>
+                      <a:pPr algn="ctr">
+                        <a:spcAft>
+                          <a:spcPts val="0"/>
+                        </a:spcAft>
+                      </a:pPr>
+                      <a:endParaRPr lang="de-DE" sz="1200" dirty="0">
+                        <a:effectLst/>
+                        <a:latin typeface="Times New Roman" panose="02020603050405020304" pitchFamily="18" charset="0"/>
+                        <a:ea typeface="DengXian" panose="02010600030101010101" pitchFamily="2" charset="-122"/>
+                        <a:cs typeface="Times New Roman" panose="02020603050405020304" pitchFamily="18" charset="0"/>
+                      </a:endParaRPr>
+                    </a:p>
+                  </a:txBody>
+                  <a:tcPr marL="68580" marR="68580" marT="0" marB="0" anchor="b">
+                    <a:lnL>
+                      <a:noFill/>
+                    </a:lnL>
+                    <a:lnR>
+                      <a:noFill/>
+                    </a:lnR>
+                    <a:lnT>
+                      <a:noFill/>
+                    </a:lnT>
+                    <a:lnB>
+                      <a:noFill/>
+                    </a:lnB>
+                  </a:tcPr>
+                </a:tc>
+                <a:extLst>
+                  <a:ext uri="{0D108BD9-81ED-4DB2-BD59-A6C34878D82A}">
+                    <a16:rowId xmlns:a16="http://schemas.microsoft.com/office/drawing/2014/main" val="1651000104"/>
+                  </a:ext>
+                </a:extLst>
+              </a:tr>
+              <a:tr h="455097">
+                <a:tc vMerge="1">
+                  <a:txBody>
+                    <a:bodyPr/>
+                    <a:lstStyle/>
+                    <a:p>
+                      <a:endParaRPr lang="de-DE"/>
+                    </a:p>
+                  </a:txBody>
+                  <a:tcPr/>
+                </a:tc>
+                <a:tc>
+                  <a:txBody>
+                    <a:bodyPr/>
+                    <a:lstStyle/>
+                    <a:p>
+                      <a:pPr algn="ctr">
+                        <a:spcAft>
+                          <a:spcPts val="0"/>
+                        </a:spcAft>
+                      </a:pPr>
+                      <a:r>
+                        <a:rPr lang="en-GB" sz="1800" dirty="0">
+                          <a:solidFill>
+                            <a:srgbClr val="000000"/>
+                          </a:solidFill>
+                          <a:effectLst/>
+                          <a:latin typeface="Calibri" panose="020F0502020204030204" pitchFamily="34" charset="0"/>
+                          <a:ea typeface="Times New Roman" panose="02020603050405020304" pitchFamily="18" charset="0"/>
+                          <a:cs typeface="Times New Roman" panose="02020603050405020304" pitchFamily="18" charset="0"/>
+                        </a:rPr>
+                        <a:t>N</a:t>
+                      </a:r>
+                      <a:endParaRPr lang="de-DE" sz="1200" dirty="0">
+                        <a:effectLst/>
+                        <a:latin typeface="Times New Roman" panose="02020603050405020304" pitchFamily="18" charset="0"/>
+                        <a:ea typeface="DengXian" panose="02010600030101010101" pitchFamily="2" charset="-122"/>
+                        <a:cs typeface="Times New Roman" panose="02020603050405020304" pitchFamily="18" charset="0"/>
+                      </a:endParaRPr>
+                    </a:p>
+                  </a:txBody>
+                  <a:tcPr marL="68580" marR="68580" marT="0" marB="0" anchor="b">
+                    <a:lnL w="12700" cap="flat" cmpd="sng" algn="ctr">
+                      <a:solidFill>
+                        <a:srgbClr val="000000"/>
+                      </a:solidFill>
+                      <a:prstDash val="solid"/>
+                      <a:round/>
+                      <a:headEnd type="none" w="med" len="med"/>
+                      <a:tailEnd type="none" w="med" len="med"/>
+                    </a:lnL>
+                    <a:lnR w="12700" cap="flat" cmpd="sng" algn="ctr">
+                      <a:solidFill>
+                        <a:srgbClr val="000000"/>
+                      </a:solidFill>
+                      <a:prstDash val="solid"/>
+                      <a:round/>
+                      <a:headEnd type="none" w="med" len="med"/>
+                      <a:tailEnd type="none" w="med" len="med"/>
+                    </a:lnR>
+                    <a:lnT w="12700" cap="flat" cmpd="sng" algn="ctr">
+                      <a:solidFill>
+                        <a:srgbClr val="000000"/>
+                      </a:solidFill>
+                      <a:prstDash val="solid"/>
+                      <a:round/>
+                      <a:headEnd type="none" w="med" len="med"/>
+                      <a:tailEnd type="none" w="med" len="med"/>
+                    </a:lnT>
+                    <a:lnB w="12700" cap="flat" cmpd="sng" algn="ctr">
+                      <a:solidFill>
+                        <a:srgbClr val="000000"/>
+                      </a:solidFill>
+                      <a:prstDash val="solid"/>
+                      <a:round/>
+                      <a:headEnd type="none" w="med" len="med"/>
+                      <a:tailEnd type="none" w="med" len="med"/>
+                    </a:lnB>
+                  </a:tcPr>
+                </a:tc>
+                <a:tc>
+                  <a:txBody>
+                    <a:bodyPr/>
+                    <a:lstStyle/>
+                    <a:p>
+                      <a:pPr algn="ctr">
+                        <a:spcAft>
+                          <a:spcPts val="0"/>
+                        </a:spcAft>
+                      </a:pPr>
+                      <a:r>
+                        <a:rPr lang="en-GB" sz="1800">
+                          <a:solidFill>
+                            <a:srgbClr val="000000"/>
+                          </a:solidFill>
+                          <a:effectLst/>
+                          <a:latin typeface="Calibri" panose="020F0502020204030204" pitchFamily="34" charset="0"/>
+                          <a:ea typeface="Times New Roman" panose="02020603050405020304" pitchFamily="18" charset="0"/>
+                          <a:cs typeface="Times New Roman" panose="02020603050405020304" pitchFamily="18" charset="0"/>
+                        </a:rPr>
+                        <a:t>466</a:t>
+                      </a:r>
+                      <a:endParaRPr lang="de-DE" sz="1200">
+                        <a:effectLst/>
+                        <a:latin typeface="Times New Roman" panose="02020603050405020304" pitchFamily="18" charset="0"/>
+                        <a:ea typeface="DengXian" panose="02010600030101010101" pitchFamily="2" charset="-122"/>
+                        <a:cs typeface="Times New Roman" panose="02020603050405020304" pitchFamily="18" charset="0"/>
+                      </a:endParaRPr>
+                    </a:p>
+                  </a:txBody>
+                  <a:tcPr marL="68580" marR="68580" marT="0" marB="0" anchor="b">
+                    <a:lnL w="12700" cap="flat" cmpd="sng" algn="ctr">
+                      <a:solidFill>
+                        <a:srgbClr val="000000"/>
+                      </a:solidFill>
+                      <a:prstDash val="solid"/>
+                      <a:round/>
+                      <a:headEnd type="none" w="med" len="med"/>
+                      <a:tailEnd type="none" w="med" len="med"/>
+                    </a:lnL>
+                    <a:lnR w="12700" cap="flat" cmpd="sng" algn="ctr">
+                      <a:solidFill>
+                        <a:srgbClr val="000000"/>
+                      </a:solidFill>
+                      <a:prstDash val="solid"/>
+                      <a:round/>
+                      <a:headEnd type="none" w="med" len="med"/>
+                      <a:tailEnd type="none" w="med" len="med"/>
+                    </a:lnR>
+                    <a:lnT w="12700" cap="flat" cmpd="sng" algn="ctr">
+                      <a:solidFill>
+                        <a:srgbClr val="000000"/>
+                      </a:solidFill>
+                      <a:prstDash val="solid"/>
+                      <a:round/>
+                      <a:headEnd type="none" w="med" len="med"/>
+                      <a:tailEnd type="none" w="med" len="med"/>
+                    </a:lnT>
+                    <a:lnB w="12700" cap="flat" cmpd="sng" algn="ctr">
+                      <a:solidFill>
+                        <a:srgbClr val="000000"/>
+                      </a:solidFill>
+                      <a:prstDash val="solid"/>
+                      <a:round/>
+                      <a:headEnd type="none" w="med" len="med"/>
+                      <a:tailEnd type="none" w="med" len="med"/>
+                    </a:lnB>
+                  </a:tcPr>
+                </a:tc>
+                <a:tc>
+                  <a:txBody>
+                    <a:bodyPr/>
+                    <a:lstStyle/>
+                    <a:p>
+                      <a:pPr algn="ctr">
+                        <a:spcAft>
+                          <a:spcPts val="0"/>
+                        </a:spcAft>
+                      </a:pPr>
+                      <a:r>
+                        <a:rPr lang="en-GB" sz="1800">
+                          <a:solidFill>
+                            <a:srgbClr val="000000"/>
+                          </a:solidFill>
+                          <a:effectLst/>
+                          <a:latin typeface="Calibri" panose="020F0502020204030204" pitchFamily="34" charset="0"/>
+                          <a:ea typeface="Times New Roman" panose="02020603050405020304" pitchFamily="18" charset="0"/>
+                          <a:cs typeface="Times New Roman" panose="02020603050405020304" pitchFamily="18" charset="0"/>
+                        </a:rPr>
+                        <a:t>NIL</a:t>
+                      </a:r>
+                      <a:endParaRPr lang="de-DE" sz="1200" dirty="0">
+                        <a:effectLst/>
+                        <a:latin typeface="Times New Roman" panose="02020603050405020304" pitchFamily="18" charset="0"/>
+                        <a:ea typeface="DengXian" panose="02010600030101010101" pitchFamily="2" charset="-122"/>
+                        <a:cs typeface="Times New Roman" panose="02020603050405020304" pitchFamily="18" charset="0"/>
+                      </a:endParaRPr>
+                    </a:p>
+                  </a:txBody>
+                  <a:tcPr marL="68580" marR="68580" marT="0" marB="0" anchor="b">
+                    <a:lnL w="12700" cap="flat" cmpd="sng" algn="ctr">
+                      <a:solidFill>
+                        <a:srgbClr val="000000"/>
+                      </a:solidFill>
+                      <a:prstDash val="solid"/>
+                      <a:round/>
+                      <a:headEnd type="none" w="med" len="med"/>
+                      <a:tailEnd type="none" w="med" len="med"/>
+                    </a:lnL>
+                    <a:lnR w="12700" cap="flat" cmpd="sng" algn="ctr">
+                      <a:solidFill>
+                        <a:srgbClr val="000000"/>
+                      </a:solidFill>
+                      <a:prstDash val="solid"/>
+                      <a:round/>
+                      <a:headEnd type="none" w="med" len="med"/>
+                      <a:tailEnd type="none" w="med" len="med"/>
+                    </a:lnR>
+                    <a:lnT w="12700" cap="flat" cmpd="sng" algn="ctr">
+                      <a:solidFill>
+                        <a:srgbClr val="000000"/>
+                      </a:solidFill>
+                      <a:prstDash val="solid"/>
+                      <a:round/>
+                      <a:headEnd type="none" w="med" len="med"/>
+                      <a:tailEnd type="none" w="med" len="med"/>
+                    </a:lnT>
+                    <a:lnB w="12700" cap="flat" cmpd="sng" algn="ctr">
+                      <a:solidFill>
+                        <a:srgbClr val="000000"/>
+                      </a:solidFill>
+                      <a:prstDash val="solid"/>
+                      <a:round/>
+                      <a:headEnd type="none" w="med" len="med"/>
+                      <a:tailEnd type="none" w="med" len="med"/>
+                    </a:lnB>
+                  </a:tcPr>
+                </a:tc>
+                <a:tc>
+                  <a:txBody>
+                    <a:bodyPr/>
+                    <a:lstStyle/>
+                    <a:p>
+                      <a:pPr algn="ctr"/>
+                      <a:endParaRPr lang="de-DE" sz="1200">
+                        <a:effectLst/>
+                        <a:latin typeface="Times New Roman" panose="02020603050405020304" pitchFamily="18" charset="0"/>
+                        <a:cs typeface="Times New Roman" panose="02020603050405020304" pitchFamily="18" charset="0"/>
+                      </a:endParaRPr>
+                    </a:p>
+                  </a:txBody>
+                  <a:tcPr marL="68580" marR="68580" marT="0" marB="0" anchor="b">
+                    <a:lnL w="12700" cap="flat" cmpd="sng" algn="ctr">
+                      <a:solidFill>
+                        <a:srgbClr val="000000"/>
+                      </a:solidFill>
+                      <a:prstDash val="solid"/>
+                      <a:round/>
+                      <a:headEnd type="none" w="med" len="med"/>
+                      <a:tailEnd type="none" w="med" len="med"/>
+                    </a:lnL>
+                    <a:lnR>
+                      <a:noFill/>
+                    </a:lnR>
+                    <a:lnT>
+                      <a:noFill/>
+                    </a:lnT>
+                    <a:lnB>
+                      <a:noFill/>
+                    </a:lnB>
+                  </a:tcPr>
+                </a:tc>
+                <a:tc>
+                  <a:txBody>
+                    <a:bodyPr/>
+                    <a:lstStyle/>
+                    <a:p>
+                      <a:pPr algn="ctr"/>
+                      <a:endParaRPr lang="de-DE" sz="1200" dirty="0">
+                        <a:effectLst/>
+                        <a:latin typeface="Times New Roman" panose="02020603050405020304" pitchFamily="18" charset="0"/>
+                        <a:cs typeface="Times New Roman" panose="02020603050405020304" pitchFamily="18" charset="0"/>
+                      </a:endParaRPr>
+                    </a:p>
+                  </a:txBody>
+                  <a:tcPr marL="68580" marR="68580" marT="0" marB="0" anchor="b">
+                    <a:lnL>
+                      <a:noFill/>
+                    </a:lnL>
+                    <a:lnR>
+                      <a:noFill/>
+                    </a:lnR>
+                    <a:lnT>
+                      <a:noFill/>
+                    </a:lnT>
+                    <a:lnB>
+                      <a:noFill/>
+                    </a:lnB>
+                  </a:tcPr>
+                </a:tc>
+                <a:extLst>
+                  <a:ext uri="{0D108BD9-81ED-4DB2-BD59-A6C34878D82A}">
+                    <a16:rowId xmlns:a16="http://schemas.microsoft.com/office/drawing/2014/main" val="2005564228"/>
+                  </a:ext>
+                </a:extLst>
+              </a:tr>
+            </a:tbl>
+          </a:graphicData>
+        </a:graphic>
+      </p:graphicFrame>
       <p:pic>
         <p:nvPicPr>
-          <p:cNvPr id="5" name="Picture 4"/>
+          <p:cNvPr id="9" name="Picture 8">
+            <a:extLst>
+              <a:ext uri="{FF2B5EF4-FFF2-40B4-BE49-F238E27FC236}">
+                <a16:creationId xmlns:a16="http://schemas.microsoft.com/office/drawing/2014/main" id="{D775D530-857C-424A-AAEF-0812A88FAD98}"/>
+              </a:ext>
+            </a:extLst>
+          </p:cNvPr>
           <p:cNvPicPr>
             <a:picLocks noChangeAspect="1"/>
           </p:cNvPicPr>
           <p:nvPr/>
         </p:nvPicPr>
-        <p:blipFill>
-          <a:blip r:embed="rId3"/>
-          <a:stretch>
-            <a:fillRect/>
-          </a:stretch>
+        <p:blipFill rotWithShape="1">
+          <a:blip r:embed="rId3">
+            <a:extLst>
+              <a:ext uri="{BEBA8EAE-BF5A-486C-A8C5-ECC9F3942E4B}">
+                <a14:imgProps xmlns:a14="http://schemas.microsoft.com/office/drawing/2010/main">
+                  <a14:imgLayer r:embed="rId4">
+                    <a14:imgEffect>
+                      <a14:brightnessContrast contrast="-40000"/>
+                    </a14:imgEffect>
+                  </a14:imgLayer>
+                </a14:imgProps>
+              </a:ext>
+            </a:extLst>
+          </a:blip>
+          <a:srcRect l="29095" t="60765" r="29428" b="19566"/>
+          <a:stretch/>
         </p:blipFill>
         <p:spPr>
           <a:xfrm>
-            <a:off x="1132489" y="3419245"/>
-            <a:ext cx="6469118" cy="2102463"/>
+            <a:off x="609601" y="2328177"/>
+            <a:ext cx="6278165" cy="1673830"/>
           </a:xfrm>
           <a:prstGeom prst="rect">
             <a:avLst/>
           </a:prstGeom>
         </p:spPr>
       </p:pic>
+      <p:sp>
+        <p:nvSpPr>
+          <p:cNvPr id="4" name="TextBox 3">
+            <a:extLst>
+              <a:ext uri="{FF2B5EF4-FFF2-40B4-BE49-F238E27FC236}">
+                <a16:creationId xmlns:a16="http://schemas.microsoft.com/office/drawing/2014/main" id="{E9A13D2B-8F7E-4A78-9189-7AE9F4062CB6}"/>
+              </a:ext>
+            </a:extLst>
+          </p:cNvPr>
+          <p:cNvSpPr txBox="1"/>
+          <p:nvPr/>
+        </p:nvSpPr>
+        <p:spPr>
+          <a:xfrm>
+            <a:off x="1786890" y="6313326"/>
+            <a:ext cx="8618220" cy="369332"/>
+          </a:xfrm>
+          <a:prstGeom prst="rect">
+            <a:avLst/>
+          </a:prstGeom>
+          <a:noFill/>
+        </p:spPr>
+        <p:txBody>
+          <a:bodyPr wrap="square" rtlCol="0">
+            <a:spAutoFit/>
+          </a:bodyPr>
+          <a:lstStyle/>
+          <a:p>
+            <a:r>
+              <a:rPr lang="de-DE" dirty="0"/>
+              <a:t>https://towardsdatascience.com/rock-solid-predictions-predicting-rocks-c0138a8994f6</a:t>
+            </a:r>
+          </a:p>
+        </p:txBody>
+      </p:sp>
     </p:spTree>
     <p:extLst>
       <p:ext uri="{BB962C8B-B14F-4D97-AF65-F5344CB8AC3E}">
-        <p14:creationId xmlns:p14="http://schemas.microsoft.com/office/powerpoint/2010/main" val="1280693410"/>
+        <p14:creationId xmlns:p14="http://schemas.microsoft.com/office/powerpoint/2010/main" val="30445591"/>
       </p:ext>
     </p:extLst>
   </p:cSld>
   <p:clrMapOvr>
     <a:masterClrMapping/>
   </p:clrMapOvr>
-  <p:timing>
-    <p:tnLst>
-      <p:par>
-        <p:cTn id="1" dur="indefinite" restart="never" nodeType="tmRoot"/>
-      </p:par>
-    </p:tnLst>
-  </p:timing>
 </p:sld>
 </file>
 
@@ -11611,10 +13098,9 @@
           <a:lstStyle/>
           <a:p>
             <a:r>
-              <a:rPr lang="en-US" dirty="0" smtClean="0"/>
-              <a:t>Performance analysis (F1-Score)</a:t>
-            </a:r>
-            <a:endParaRPr lang="en-US" dirty="0"/>
+              <a:rPr lang="en-US" dirty="0"/>
+              <a:t>Results of Performance (F1-Score)</a:t>
+            </a:r>
           </a:p>
         </p:txBody>
       </p:sp>
@@ -11625,16 +13111,12 @@
             <a:graphicFrameLocks/>
           </p:cNvGraphicFramePr>
           <p:nvPr>
-            <p:extLst>
-              <p:ext uri="{D42A27DB-BD31-4B8C-83A1-F6EECF244321}">
-                <p14:modId xmlns:p14="http://schemas.microsoft.com/office/powerpoint/2010/main" val="1531201059"/>
-              </p:ext>
-            </p:extLst>
+            <p:extLst/>
           </p:nvPr>
         </p:nvGraphicFramePr>
         <p:xfrm>
-          <a:off x="2248592" y="1690688"/>
-          <a:ext cx="7694815" cy="4616889"/>
+          <a:off x="4457700" y="1690688"/>
+          <a:ext cx="6491547" cy="4824412"/>
         </p:xfrm>
         <a:graphic>
           <a:graphicData uri="http://schemas.openxmlformats.org/drawingml/2006/chart">
@@ -11642,6 +13124,75 @@
           </a:graphicData>
         </a:graphic>
       </p:graphicFrame>
+      <p:sp>
+        <p:nvSpPr>
+          <p:cNvPr id="4" name="TextBox 3">
+            <a:extLst>
+              <a:ext uri="{FF2B5EF4-FFF2-40B4-BE49-F238E27FC236}">
+                <a16:creationId xmlns:a16="http://schemas.microsoft.com/office/drawing/2014/main" id="{89AF2824-4CB8-43EA-9B12-A4B577DD0807}"/>
+              </a:ext>
+            </a:extLst>
+          </p:cNvPr>
+          <p:cNvSpPr txBox="1"/>
+          <p:nvPr/>
+        </p:nvSpPr>
+        <p:spPr>
+          <a:xfrm>
+            <a:off x="365760" y="2487067"/>
+            <a:ext cx="4091940" cy="3231654"/>
+          </a:xfrm>
+          <a:prstGeom prst="rect">
+            <a:avLst/>
+          </a:prstGeom>
+          <a:noFill/>
+        </p:spPr>
+        <p:txBody>
+          <a:bodyPr wrap="square" rtlCol="0">
+            <a:spAutoFit/>
+          </a:bodyPr>
+          <a:lstStyle/>
+          <a:p>
+            <a:r>
+              <a:rPr lang="de-DE" sz="2800" dirty="0"/>
+              <a:t>Possible improvements:</a:t>
+            </a:r>
+          </a:p>
+          <a:p>
+            <a:pPr marL="285750" indent="-285750">
+              <a:buFontTx/>
+              <a:buChar char="-"/>
+            </a:pPr>
+            <a:r>
+              <a:rPr lang="de-DE" sz="2800" dirty="0"/>
+              <a:t>Enhance size limitations</a:t>
+            </a:r>
+          </a:p>
+          <a:p>
+            <a:pPr marL="285750" indent="-285750">
+              <a:buFontTx/>
+              <a:buChar char="-"/>
+            </a:pPr>
+            <a:r>
+              <a:rPr lang="de-DE" sz="2800" dirty="0"/>
+              <a:t>Apply search for consensus sequences (TATA, Pribnow, Shine-Dalgarno)</a:t>
+            </a:r>
+          </a:p>
+          <a:p>
+            <a:pPr marL="285750" indent="-285750">
+              <a:buFontTx/>
+              <a:buChar char="-"/>
+            </a:pPr>
+            <a:endParaRPr lang="de-DE" dirty="0"/>
+          </a:p>
+          <a:p>
+            <a:pPr marL="285750" indent="-285750">
+              <a:buFontTx/>
+              <a:buChar char="-"/>
+            </a:pPr>
+            <a:endParaRPr lang="de-DE" dirty="0"/>
+          </a:p>
+        </p:txBody>
+      </p:sp>
     </p:spTree>
     <p:extLst>
       <p:ext uri="{BB962C8B-B14F-4D97-AF65-F5344CB8AC3E}">
@@ -11652,13 +13203,6 @@
   <p:clrMapOvr>
     <a:masterClrMapping/>
   </p:clrMapOvr>
-  <p:timing>
-    <p:tnLst>
-      <p:par>
-        <p:cTn id="1" dur="indefinite" restart="never" nodeType="tmRoot"/>
-      </p:par>
-    </p:tnLst>
-  </p:timing>
 </p:sld>
 </file>
 

--- a/final_project/final_presentation.pptx
+++ b/final_project/final_presentation.pptx
@@ -5424,7 +5424,15 @@
               <a:rPr lang="en-US" dirty="0">
                 <a:cs typeface="Calibri"/>
               </a:rPr>
-              <a:t>TO assess the different frequencies, python scripts were used. For the nucleotides the given genome was used and for the </a:t>
+              <a:t>TO assess the different frequencies, python scripts were used. </a:t>
+            </a:r>
+          </a:p>
+          <a:p>
+            <a:r>
+              <a:rPr lang="en-US" dirty="0">
+                <a:cs typeface="Calibri"/>
+              </a:rPr>
+              <a:t>For the nucleotides the given genome was used and for the </a:t>
             </a:r>
             <a:r>
               <a:rPr lang="en-US" dirty="0" err="1">
@@ -5456,19 +5464,7 @@
               <a:rPr lang="en-US" dirty="0">
                 <a:cs typeface="Calibri"/>
               </a:rPr>
-              <a:t>The formula for single k-</a:t>
-            </a:r>
-            <a:r>
-              <a:rPr lang="en-US" dirty="0" err="1">
-                <a:cs typeface="Calibri"/>
-              </a:rPr>
-              <a:t>mers</a:t>
-            </a:r>
-            <a:r>
-              <a:rPr lang="en-US" dirty="0">
-                <a:cs typeface="Calibri"/>
-              </a:rPr>
-              <a:t> are probably pretty easy to understand, but the formula for the double molecules such as </a:t>
+              <a:t>The formula for single characters are probably pretty easy to understand, but the formula for the double molecules such as </a:t>
             </a:r>
             <a:r>
               <a:rPr lang="en-US" dirty="0" err="1">
@@ -5480,7 +5476,7 @@
               <a:rPr lang="en-US" dirty="0">
                 <a:cs typeface="Calibri"/>
               </a:rPr>
-              <a:t> or dinucleotides was changed a bit. For a sequence of 10, this lower term</a:t>
+              <a:t> or dinucleotides was changed a bit. </a:t>
             </a:r>
           </a:p>
           <a:p>
@@ -5488,20 +5484,17 @@
               <a:rPr lang="en-US" dirty="0">
                 <a:cs typeface="Calibri"/>
               </a:rPr>
-              <a:t>Is 9, because there are 9 possible positions for a k-</a:t>
+              <a:t>For a sequence of 10 characters there are 9 possible different dinucleotides or </a:t>
             </a:r>
             <a:r>
               <a:rPr lang="en-US" dirty="0" err="1">
                 <a:cs typeface="Calibri"/>
               </a:rPr>
-              <a:t>mer</a:t>
-            </a:r>
-            <a:r>
-              <a:rPr lang="en-US" dirty="0">
-                <a:cs typeface="Calibri"/>
-              </a:rPr>
-              <a:t> of two.</a:t>
-            </a:r>
+              <a:t>diaminoacids</a:t>
+            </a:r>
+            <a:endParaRPr lang="en-US" dirty="0">
+              <a:cs typeface="Calibri"/>
+            </a:endParaRPr>
           </a:p>
           <a:p>
             <a:r>
@@ -5818,13 +5811,13 @@
             </a:r>
             <a:r>
               <a:rPr lang="en-US" dirty="0"/>
-              <a:t> long, which we found in a paper</a:t>
+              <a:t> long, </a:t>
             </a:r>
           </a:p>
           <a:p>
             <a:r>
               <a:rPr lang="en-US" dirty="0"/>
-              <a:t>The eukaryotic genome (which was basically only the S. cerevisiae) was limited by size between 100 </a:t>
+              <a:t>The eukaryotic genome (which was only the S. cerevisiae) was limited by size between 100 </a:t>
             </a:r>
             <a:r>
               <a:rPr lang="en-US" dirty="0" err="1"/>
@@ -5843,7 +5836,27 @@
           <a:p>
             <a:r>
               <a:rPr lang="en-US" dirty="0"/>
+              <a:t>We found </a:t>
+            </a:r>
+            <a:r>
+              <a:rPr lang="en-US" dirty="0" err="1"/>
+              <a:t>informations</a:t>
+            </a:r>
+            <a:r>
+              <a:rPr lang="en-US" dirty="0"/>
+              <a:t> about that in several papers</a:t>
+            </a:r>
+          </a:p>
+          <a:p>
+            <a:r>
+              <a:rPr lang="en-US" dirty="0"/>
               <a:t>We applied three different reading frames for the template strand and three for the reverse strand.</a:t>
+            </a:r>
+          </a:p>
+          <a:p>
+            <a:r>
+              <a:rPr lang="en-US" dirty="0"/>
+              <a:t>Which resulted in 6 different reading frames</a:t>
             </a:r>
           </a:p>
           <a:p>
@@ -6120,7 +6133,7 @@
             </a:r>
             <a:r>
               <a:rPr lang="en-US" dirty="0"/>
-              <a:t> gelidum) showed an actually good F1score with 0.7202</a:t>
+              <a:t> gelidum) which had the best prediction showed an actually good F1score with 0.7202</a:t>
             </a:r>
           </a:p>
         </p:txBody>
@@ -6213,13 +6226,49 @@
           <a:p>
             <a:r>
               <a:rPr lang="de-DE" dirty="0"/>
-              <a:t>AS you can see, genome 16 and 47 have the worst f1-score, whereas genome 20 and 44 are the best. The f1 score for the eukaryotic genome (29) is with 0.30</a:t>
+              <a:t>AS you can see, genome 16 and 47 have the worst f1-score, whereas genome 20 and 44 are the best. </a:t>
             </a:r>
           </a:p>
           <a:p>
             <a:r>
               <a:rPr lang="de-DE" dirty="0"/>
-              <a:t>Further there are some improvements possible</a:t>
+              <a:t>The f1 score for the eukaryotic genome (29) is with 0.30 pretty low</a:t>
+            </a:r>
+          </a:p>
+          <a:p>
+            <a:r>
+              <a:rPr lang="de-DE" dirty="0"/>
+              <a:t>Further there are some improvements possible:</a:t>
+            </a:r>
+          </a:p>
+          <a:p>
+            <a:pPr marL="171450" indent="-171450">
+              <a:buFontTx/>
+              <a:buChar char="-"/>
+            </a:pPr>
+            <a:r>
+              <a:rPr lang="de-DE" dirty="0"/>
+              <a:t>Enhance size limitation, adjust it to the organism, do more research</a:t>
+            </a:r>
+          </a:p>
+          <a:p>
+            <a:pPr marL="171450" indent="-171450">
+              <a:buFontTx/>
+              <a:buChar char="-"/>
+            </a:pPr>
+            <a:r>
+              <a:rPr lang="de-DE" dirty="0"/>
+              <a:t>Apply searching for consensus sequences (TATA, Pribnow, Shine-Dalgarno)</a:t>
+            </a:r>
+          </a:p>
+          <a:p>
+            <a:pPr marL="0" indent="0">
+              <a:buFontTx/>
+              <a:buNone/>
+            </a:pPr>
+            <a:r>
+              <a:rPr lang="de-DE" dirty="0"/>
+              <a:t>All these to narrow down the prediction of ORFs</a:t>
             </a:r>
           </a:p>
         </p:txBody>
